--- a/14_big_data/05-Duragan-Veri-Analizi/03_apache_spark_rdd_low_level_api/01_apache_spark_low_level_rdd_api.pptx
+++ b/14_big_data/05-Duragan-Veri-Analizi/03_apache_spark_rdd_low_level_api/01_apache_spark_low_level_rdd_api.pptx
@@ -135,6 +135,250 @@
 </p:presentation>
 </file>
 
+<file path=ppt/changesInfos/changesInfo1.xml><?xml version="1.0" encoding="utf-8"?>
+<pc:chgInfo xmlns:a="http://schemas.openxmlformats.org/drawingml/2006/main" xmlns:r="http://schemas.openxmlformats.org/officeDocument/2006/relationships" xmlns:ac="http://schemas.microsoft.com/office/drawing/2013/main/command" xmlns:pc="http://schemas.microsoft.com/office/powerpoint/2013/main/command">
+  <pc:docChgLst>
+    <pc:chgData name="Erkan ŞİRİN" userId="7f10ce1d6aaf8c5d" providerId="LiveId" clId="{81862332-A762-4D81-863F-7C4A8C707BB3}"/>
+    <pc:docChg chg="custSel modSld">
+      <pc:chgData name="Erkan ŞİRİN" userId="7f10ce1d6aaf8c5d" providerId="LiveId" clId="{81862332-A762-4D81-863F-7C4A8C707BB3}" dt="2019-07-23T20:47:24.877" v="9" actId="478"/>
+      <pc:docMkLst>
+        <pc:docMk/>
+      </pc:docMkLst>
+      <pc:sldChg chg="delSp">
+        <pc:chgData name="Erkan ŞİRİN" userId="7f10ce1d6aaf8c5d" providerId="LiveId" clId="{81862332-A762-4D81-863F-7C4A8C707BB3}" dt="2019-07-23T20:46:31.052" v="0" actId="478"/>
+        <pc:sldMkLst>
+          <pc:docMk/>
+          <pc:sldMk cId="1416118015" sldId="257"/>
+        </pc:sldMkLst>
+        <pc:grpChg chg="del">
+          <ac:chgData name="Erkan ŞİRİN" userId="7f10ce1d6aaf8c5d" providerId="LiveId" clId="{81862332-A762-4D81-863F-7C4A8C707BB3}" dt="2019-07-23T20:46:31.052" v="0" actId="478"/>
+          <ac:grpSpMkLst>
+            <pc:docMk/>
+            <pc:sldMk cId="1416118015" sldId="257"/>
+            <ac:grpSpMk id="11" creationId="{00000000-0000-0000-0000-000000000000}"/>
+          </ac:grpSpMkLst>
+        </pc:grpChg>
+        <pc:grpChg chg="del">
+          <ac:chgData name="Erkan ŞİRİN" userId="7f10ce1d6aaf8c5d" providerId="LiveId" clId="{81862332-A762-4D81-863F-7C4A8C707BB3}" dt="2019-07-23T20:46:31.052" v="0" actId="478"/>
+          <ac:grpSpMkLst>
+            <pc:docMk/>
+            <pc:sldMk cId="1416118015" sldId="257"/>
+            <ac:grpSpMk id="15" creationId="{00000000-0000-0000-0000-000000000000}"/>
+          </ac:grpSpMkLst>
+        </pc:grpChg>
+      </pc:sldChg>
+      <pc:sldChg chg="delSp">
+        <pc:chgData name="Erkan ŞİRİN" userId="7f10ce1d6aaf8c5d" providerId="LiveId" clId="{81862332-A762-4D81-863F-7C4A8C707BB3}" dt="2019-07-23T20:47:24.877" v="9" actId="478"/>
+        <pc:sldMkLst>
+          <pc:docMk/>
+          <pc:sldMk cId="982979241" sldId="266"/>
+        </pc:sldMkLst>
+        <pc:grpChg chg="del">
+          <ac:chgData name="Erkan ŞİRİN" userId="7f10ce1d6aaf8c5d" providerId="LiveId" clId="{81862332-A762-4D81-863F-7C4A8C707BB3}" dt="2019-07-23T20:47:24.877" v="9" actId="478"/>
+          <ac:grpSpMkLst>
+            <pc:docMk/>
+            <pc:sldMk cId="982979241" sldId="266"/>
+            <ac:grpSpMk id="11" creationId="{00000000-0000-0000-0000-000000000000}"/>
+          </ac:grpSpMkLst>
+        </pc:grpChg>
+        <pc:grpChg chg="del">
+          <ac:chgData name="Erkan ŞİRİN" userId="7f10ce1d6aaf8c5d" providerId="LiveId" clId="{81862332-A762-4D81-863F-7C4A8C707BB3}" dt="2019-07-23T20:47:24.877" v="9" actId="478"/>
+          <ac:grpSpMkLst>
+            <pc:docMk/>
+            <pc:sldMk cId="982979241" sldId="266"/>
+            <ac:grpSpMk id="15" creationId="{00000000-0000-0000-0000-000000000000}"/>
+          </ac:grpSpMkLst>
+        </pc:grpChg>
+      </pc:sldChg>
+      <pc:sldChg chg="delSp">
+        <pc:chgData name="Erkan ŞİRİN" userId="7f10ce1d6aaf8c5d" providerId="LiveId" clId="{81862332-A762-4D81-863F-7C4A8C707BB3}" dt="2019-07-23T20:47:00.807" v="5" actId="478"/>
+        <pc:sldMkLst>
+          <pc:docMk/>
+          <pc:sldMk cId="3172400932" sldId="267"/>
+        </pc:sldMkLst>
+        <pc:grpChg chg="del">
+          <ac:chgData name="Erkan ŞİRİN" userId="7f10ce1d6aaf8c5d" providerId="LiveId" clId="{81862332-A762-4D81-863F-7C4A8C707BB3}" dt="2019-07-23T20:47:00.807" v="5" actId="478"/>
+          <ac:grpSpMkLst>
+            <pc:docMk/>
+            <pc:sldMk cId="3172400932" sldId="267"/>
+            <ac:grpSpMk id="11" creationId="{00000000-0000-0000-0000-000000000000}"/>
+          </ac:grpSpMkLst>
+        </pc:grpChg>
+        <pc:grpChg chg="del">
+          <ac:chgData name="Erkan ŞİRİN" userId="7f10ce1d6aaf8c5d" providerId="LiveId" clId="{81862332-A762-4D81-863F-7C4A8C707BB3}" dt="2019-07-23T20:47:00.807" v="5" actId="478"/>
+          <ac:grpSpMkLst>
+            <pc:docMk/>
+            <pc:sldMk cId="3172400932" sldId="267"/>
+            <ac:grpSpMk id="15" creationId="{00000000-0000-0000-0000-000000000000}"/>
+          </ac:grpSpMkLst>
+        </pc:grpChg>
+      </pc:sldChg>
+      <pc:sldChg chg="delSp">
+        <pc:chgData name="Erkan ŞİRİN" userId="7f10ce1d6aaf8c5d" providerId="LiveId" clId="{81862332-A762-4D81-863F-7C4A8C707BB3}" dt="2019-07-23T20:47:09.403" v="6" actId="478"/>
+        <pc:sldMkLst>
+          <pc:docMk/>
+          <pc:sldMk cId="652808650" sldId="268"/>
+        </pc:sldMkLst>
+        <pc:grpChg chg="del">
+          <ac:chgData name="Erkan ŞİRİN" userId="7f10ce1d6aaf8c5d" providerId="LiveId" clId="{81862332-A762-4D81-863F-7C4A8C707BB3}" dt="2019-07-23T20:47:09.403" v="6" actId="478"/>
+          <ac:grpSpMkLst>
+            <pc:docMk/>
+            <pc:sldMk cId="652808650" sldId="268"/>
+            <ac:grpSpMk id="11" creationId="{00000000-0000-0000-0000-000000000000}"/>
+          </ac:grpSpMkLst>
+        </pc:grpChg>
+        <pc:grpChg chg="del">
+          <ac:chgData name="Erkan ŞİRİN" userId="7f10ce1d6aaf8c5d" providerId="LiveId" clId="{81862332-A762-4D81-863F-7C4A8C707BB3}" dt="2019-07-23T20:47:09.403" v="6" actId="478"/>
+          <ac:grpSpMkLst>
+            <pc:docMk/>
+            <pc:sldMk cId="652808650" sldId="268"/>
+            <ac:grpSpMk id="15" creationId="{00000000-0000-0000-0000-000000000000}"/>
+          </ac:grpSpMkLst>
+        </pc:grpChg>
+      </pc:sldChg>
+      <pc:sldChg chg="delSp">
+        <pc:chgData name="Erkan ŞİRİN" userId="7f10ce1d6aaf8c5d" providerId="LiveId" clId="{81862332-A762-4D81-863F-7C4A8C707BB3}" dt="2019-07-23T20:47:20.046" v="8" actId="478"/>
+        <pc:sldMkLst>
+          <pc:docMk/>
+          <pc:sldMk cId="1094171232" sldId="269"/>
+        </pc:sldMkLst>
+        <pc:grpChg chg="del">
+          <ac:chgData name="Erkan ŞİRİN" userId="7f10ce1d6aaf8c5d" providerId="LiveId" clId="{81862332-A762-4D81-863F-7C4A8C707BB3}" dt="2019-07-23T20:47:20.046" v="8" actId="478"/>
+          <ac:grpSpMkLst>
+            <pc:docMk/>
+            <pc:sldMk cId="1094171232" sldId="269"/>
+            <ac:grpSpMk id="11" creationId="{00000000-0000-0000-0000-000000000000}"/>
+          </ac:grpSpMkLst>
+        </pc:grpChg>
+        <pc:grpChg chg="del">
+          <ac:chgData name="Erkan ŞİRİN" userId="7f10ce1d6aaf8c5d" providerId="LiveId" clId="{81862332-A762-4D81-863F-7C4A8C707BB3}" dt="2019-07-23T20:47:20.046" v="8" actId="478"/>
+          <ac:grpSpMkLst>
+            <pc:docMk/>
+            <pc:sldMk cId="1094171232" sldId="269"/>
+            <ac:grpSpMk id="15" creationId="{00000000-0000-0000-0000-000000000000}"/>
+          </ac:grpSpMkLst>
+        </pc:grpChg>
+      </pc:sldChg>
+      <pc:sldChg chg="delSp">
+        <pc:chgData name="Erkan ŞİRİN" userId="7f10ce1d6aaf8c5d" providerId="LiveId" clId="{81862332-A762-4D81-863F-7C4A8C707BB3}" dt="2019-07-23T20:46:41.297" v="1" actId="478"/>
+        <pc:sldMkLst>
+          <pc:docMk/>
+          <pc:sldMk cId="1283628457" sldId="271"/>
+        </pc:sldMkLst>
+        <pc:grpChg chg="del">
+          <ac:chgData name="Erkan ŞİRİN" userId="7f10ce1d6aaf8c5d" providerId="LiveId" clId="{81862332-A762-4D81-863F-7C4A8C707BB3}" dt="2019-07-23T20:46:41.297" v="1" actId="478"/>
+          <ac:grpSpMkLst>
+            <pc:docMk/>
+            <pc:sldMk cId="1283628457" sldId="271"/>
+            <ac:grpSpMk id="11" creationId="{00000000-0000-0000-0000-000000000000}"/>
+          </ac:grpSpMkLst>
+        </pc:grpChg>
+        <pc:grpChg chg="del">
+          <ac:chgData name="Erkan ŞİRİN" userId="7f10ce1d6aaf8c5d" providerId="LiveId" clId="{81862332-A762-4D81-863F-7C4A8C707BB3}" dt="2019-07-23T20:46:41.297" v="1" actId="478"/>
+          <ac:grpSpMkLst>
+            <pc:docMk/>
+            <pc:sldMk cId="1283628457" sldId="271"/>
+            <ac:grpSpMk id="15" creationId="{00000000-0000-0000-0000-000000000000}"/>
+          </ac:grpSpMkLst>
+        </pc:grpChg>
+      </pc:sldChg>
+      <pc:sldChg chg="delSp">
+        <pc:chgData name="Erkan ŞİRİN" userId="7f10ce1d6aaf8c5d" providerId="LiveId" clId="{81862332-A762-4D81-863F-7C4A8C707BB3}" dt="2019-07-23T20:46:46.288" v="2" actId="478"/>
+        <pc:sldMkLst>
+          <pc:docMk/>
+          <pc:sldMk cId="2939714478" sldId="272"/>
+        </pc:sldMkLst>
+        <pc:grpChg chg="del">
+          <ac:chgData name="Erkan ŞİRİN" userId="7f10ce1d6aaf8c5d" providerId="LiveId" clId="{81862332-A762-4D81-863F-7C4A8C707BB3}" dt="2019-07-23T20:46:46.288" v="2" actId="478"/>
+          <ac:grpSpMkLst>
+            <pc:docMk/>
+            <pc:sldMk cId="2939714478" sldId="272"/>
+            <ac:grpSpMk id="11" creationId="{00000000-0000-0000-0000-000000000000}"/>
+          </ac:grpSpMkLst>
+        </pc:grpChg>
+        <pc:grpChg chg="del">
+          <ac:chgData name="Erkan ŞİRİN" userId="7f10ce1d6aaf8c5d" providerId="LiveId" clId="{81862332-A762-4D81-863F-7C4A8C707BB3}" dt="2019-07-23T20:46:46.288" v="2" actId="478"/>
+          <ac:grpSpMkLst>
+            <pc:docMk/>
+            <pc:sldMk cId="2939714478" sldId="272"/>
+            <ac:grpSpMk id="15" creationId="{00000000-0000-0000-0000-000000000000}"/>
+          </ac:grpSpMkLst>
+        </pc:grpChg>
+      </pc:sldChg>
+      <pc:sldChg chg="delSp">
+        <pc:chgData name="Erkan ŞİRİN" userId="7f10ce1d6aaf8c5d" providerId="LiveId" clId="{81862332-A762-4D81-863F-7C4A8C707BB3}" dt="2019-07-23T20:46:50.549" v="3" actId="478"/>
+        <pc:sldMkLst>
+          <pc:docMk/>
+          <pc:sldMk cId="471073926" sldId="273"/>
+        </pc:sldMkLst>
+        <pc:grpChg chg="del">
+          <ac:chgData name="Erkan ŞİRİN" userId="7f10ce1d6aaf8c5d" providerId="LiveId" clId="{81862332-A762-4D81-863F-7C4A8C707BB3}" dt="2019-07-23T20:46:50.549" v="3" actId="478"/>
+          <ac:grpSpMkLst>
+            <pc:docMk/>
+            <pc:sldMk cId="471073926" sldId="273"/>
+            <ac:grpSpMk id="11" creationId="{00000000-0000-0000-0000-000000000000}"/>
+          </ac:grpSpMkLst>
+        </pc:grpChg>
+        <pc:grpChg chg="del">
+          <ac:chgData name="Erkan ŞİRİN" userId="7f10ce1d6aaf8c5d" providerId="LiveId" clId="{81862332-A762-4D81-863F-7C4A8C707BB3}" dt="2019-07-23T20:46:50.549" v="3" actId="478"/>
+          <ac:grpSpMkLst>
+            <pc:docMk/>
+            <pc:sldMk cId="471073926" sldId="273"/>
+            <ac:grpSpMk id="15" creationId="{00000000-0000-0000-0000-000000000000}"/>
+          </ac:grpSpMkLst>
+        </pc:grpChg>
+      </pc:sldChg>
+      <pc:sldChg chg="delSp">
+        <pc:chgData name="Erkan ŞİRİN" userId="7f10ce1d6aaf8c5d" providerId="LiveId" clId="{81862332-A762-4D81-863F-7C4A8C707BB3}" dt="2019-07-23T20:46:55.936" v="4" actId="478"/>
+        <pc:sldMkLst>
+          <pc:docMk/>
+          <pc:sldMk cId="2941342793" sldId="274"/>
+        </pc:sldMkLst>
+        <pc:grpChg chg="del">
+          <ac:chgData name="Erkan ŞİRİN" userId="7f10ce1d6aaf8c5d" providerId="LiveId" clId="{81862332-A762-4D81-863F-7C4A8C707BB3}" dt="2019-07-23T20:46:55.936" v="4" actId="478"/>
+          <ac:grpSpMkLst>
+            <pc:docMk/>
+            <pc:sldMk cId="2941342793" sldId="274"/>
+            <ac:grpSpMk id="11" creationId="{00000000-0000-0000-0000-000000000000}"/>
+          </ac:grpSpMkLst>
+        </pc:grpChg>
+        <pc:grpChg chg="del">
+          <ac:chgData name="Erkan ŞİRİN" userId="7f10ce1d6aaf8c5d" providerId="LiveId" clId="{81862332-A762-4D81-863F-7C4A8C707BB3}" dt="2019-07-23T20:46:55.936" v="4" actId="478"/>
+          <ac:grpSpMkLst>
+            <pc:docMk/>
+            <pc:sldMk cId="2941342793" sldId="274"/>
+            <ac:grpSpMk id="15" creationId="{00000000-0000-0000-0000-000000000000}"/>
+          </ac:grpSpMkLst>
+        </pc:grpChg>
+      </pc:sldChg>
+      <pc:sldChg chg="delSp">
+        <pc:chgData name="Erkan ŞİRİN" userId="7f10ce1d6aaf8c5d" providerId="LiveId" clId="{81862332-A762-4D81-863F-7C4A8C707BB3}" dt="2019-07-23T20:47:14.705" v="7" actId="478"/>
+        <pc:sldMkLst>
+          <pc:docMk/>
+          <pc:sldMk cId="3687063389" sldId="275"/>
+        </pc:sldMkLst>
+        <pc:grpChg chg="del">
+          <ac:chgData name="Erkan ŞİRİN" userId="7f10ce1d6aaf8c5d" providerId="LiveId" clId="{81862332-A762-4D81-863F-7C4A8C707BB3}" dt="2019-07-23T20:47:14.705" v="7" actId="478"/>
+          <ac:grpSpMkLst>
+            <pc:docMk/>
+            <pc:sldMk cId="3687063389" sldId="275"/>
+            <ac:grpSpMk id="11" creationId="{00000000-0000-0000-0000-000000000000}"/>
+          </ac:grpSpMkLst>
+        </pc:grpChg>
+        <pc:grpChg chg="del">
+          <ac:chgData name="Erkan ŞİRİN" userId="7f10ce1d6aaf8c5d" providerId="LiveId" clId="{81862332-A762-4D81-863F-7C4A8C707BB3}" dt="2019-07-23T20:47:14.705" v="7" actId="478"/>
+          <ac:grpSpMkLst>
+            <pc:docMk/>
+            <pc:sldMk cId="3687063389" sldId="275"/>
+            <ac:grpSpMk id="15" creationId="{00000000-0000-0000-0000-000000000000}"/>
+          </ac:grpSpMkLst>
+        </pc:grpChg>
+      </pc:sldChg>
+    </pc:docChg>
+  </pc:docChgLst>
+</pc:chgInfo>
+</file>
+
 <file path=ppt/notesMasters/notesMaster1.xml><?xml version="1.0" encoding="utf-8"?>
 <p:notesMaster xmlns:a="http://schemas.openxmlformats.org/drawingml/2006/main" xmlns:r="http://schemas.openxmlformats.org/officeDocument/2006/relationships" xmlns:p="http://schemas.openxmlformats.org/presentationml/2006/main">
   <p:cSld>
@@ -217,7 +461,7 @@
           <a:p>
             <a:fld id="{6F77F576-AE14-466D-AA6B-335273622B21}" type="datetimeFigureOut">
               <a:rPr lang="en-US" smtClean="0"/>
-              <a:t>4/13/2018</a:t>
+              <a:t>7/23/2019</a:t>
             </a:fld>
             <a:endParaRPr lang="en-US"/>
           </a:p>
@@ -281,35 +525,35 @@
           <a:p>
             <a:pPr lvl="0"/>
             <a:r>
-              <a:rPr lang="tr-TR" smtClean="0"/>
+              <a:rPr lang="tr-TR"/>
               <a:t>Asıl metin stillerini düzenlemek için tıklatın</a:t>
             </a:r>
           </a:p>
           <a:p>
             <a:pPr lvl="1"/>
             <a:r>
-              <a:rPr lang="tr-TR" smtClean="0"/>
+              <a:rPr lang="tr-TR"/>
               <a:t>İkinci düzey</a:t>
             </a:r>
           </a:p>
           <a:p>
             <a:pPr lvl="2"/>
             <a:r>
-              <a:rPr lang="tr-TR" smtClean="0"/>
+              <a:rPr lang="tr-TR"/>
               <a:t>Üçüncü düzey</a:t>
             </a:r>
           </a:p>
           <a:p>
             <a:pPr lvl="3"/>
             <a:r>
-              <a:rPr lang="tr-TR" smtClean="0"/>
+              <a:rPr lang="tr-TR"/>
               <a:t>Dördüncü düzey</a:t>
             </a:r>
           </a:p>
           <a:p>
             <a:pPr lvl="4"/>
             <a:r>
-              <a:rPr lang="tr-TR" smtClean="0"/>
+              <a:rPr lang="tr-TR"/>
               <a:t>Beşinci düzey</a:t>
             </a:r>
             <a:endParaRPr lang="en-US"/>
@@ -527,7 +771,7 @@
           </a:lstStyle>
           <a:p>
             <a:r>
-              <a:rPr lang="tr-TR" smtClean="0"/>
+              <a:rPr lang="tr-TR"/>
               <a:t>Asıl başlık stili için tıklatın</a:t>
             </a:r>
             <a:endParaRPr lang="en-US"/>
@@ -592,7 +836,7 @@
           </a:lstStyle>
           <a:p>
             <a:r>
-              <a:rPr lang="tr-TR" smtClean="0"/>
+              <a:rPr lang="tr-TR"/>
               <a:t>Asıl alt başlık stilini düzenlemek için tıklatın</a:t>
             </a:r>
             <a:endParaRPr lang="en-US"/>
@@ -616,7 +860,7 @@
           <a:p>
             <a:fld id="{54AA066D-271F-4C1A-B89A-0705A7689EE9}" type="datetimeFigureOut">
               <a:rPr lang="en-US" smtClean="0"/>
-              <a:t>4/13/2018</a:t>
+              <a:t>7/23/2019</a:t>
             </a:fld>
             <a:endParaRPr lang="en-US"/>
           </a:p>
@@ -710,7 +954,7 @@
           <a:lstStyle/>
           <a:p>
             <a:r>
-              <a:rPr lang="tr-TR" smtClean="0"/>
+              <a:rPr lang="tr-TR"/>
               <a:t>Asıl başlık stili için tıklatın</a:t>
             </a:r>
             <a:endParaRPr lang="en-US"/>
@@ -734,35 +978,35 @@
           <a:p>
             <a:pPr lvl="0"/>
             <a:r>
-              <a:rPr lang="tr-TR" smtClean="0"/>
+              <a:rPr lang="tr-TR"/>
               <a:t>Asıl metin stillerini düzenlemek için tıklatın</a:t>
             </a:r>
           </a:p>
           <a:p>
             <a:pPr lvl="1"/>
             <a:r>
-              <a:rPr lang="tr-TR" smtClean="0"/>
+              <a:rPr lang="tr-TR"/>
               <a:t>İkinci düzey</a:t>
             </a:r>
           </a:p>
           <a:p>
             <a:pPr lvl="2"/>
             <a:r>
-              <a:rPr lang="tr-TR" smtClean="0"/>
+              <a:rPr lang="tr-TR"/>
               <a:t>Üçüncü düzey</a:t>
             </a:r>
           </a:p>
           <a:p>
             <a:pPr lvl="3"/>
             <a:r>
-              <a:rPr lang="tr-TR" smtClean="0"/>
+              <a:rPr lang="tr-TR"/>
               <a:t>Dördüncü düzey</a:t>
             </a:r>
           </a:p>
           <a:p>
             <a:pPr lvl="4"/>
             <a:r>
-              <a:rPr lang="tr-TR" smtClean="0"/>
+              <a:rPr lang="tr-TR"/>
               <a:t>Beşinci düzey</a:t>
             </a:r>
             <a:endParaRPr lang="en-US"/>
@@ -786,7 +1030,7 @@
           <a:p>
             <a:fld id="{54AA066D-271F-4C1A-B89A-0705A7689EE9}" type="datetimeFigureOut">
               <a:rPr lang="en-US" smtClean="0"/>
-              <a:t>4/13/2018</a:t>
+              <a:t>7/23/2019</a:t>
             </a:fld>
             <a:endParaRPr lang="en-US"/>
           </a:p>
@@ -885,7 +1129,7 @@
           <a:lstStyle/>
           <a:p>
             <a:r>
-              <a:rPr lang="tr-TR" smtClean="0"/>
+              <a:rPr lang="tr-TR"/>
               <a:t>Asıl başlık stili için tıklatın</a:t>
             </a:r>
             <a:endParaRPr lang="en-US"/>
@@ -914,35 +1158,35 @@
           <a:p>
             <a:pPr lvl="0"/>
             <a:r>
-              <a:rPr lang="tr-TR" smtClean="0"/>
+              <a:rPr lang="tr-TR"/>
               <a:t>Asıl metin stillerini düzenlemek için tıklatın</a:t>
             </a:r>
           </a:p>
           <a:p>
             <a:pPr lvl="1"/>
             <a:r>
-              <a:rPr lang="tr-TR" smtClean="0"/>
+              <a:rPr lang="tr-TR"/>
               <a:t>İkinci düzey</a:t>
             </a:r>
           </a:p>
           <a:p>
             <a:pPr lvl="2"/>
             <a:r>
-              <a:rPr lang="tr-TR" smtClean="0"/>
+              <a:rPr lang="tr-TR"/>
               <a:t>Üçüncü düzey</a:t>
             </a:r>
           </a:p>
           <a:p>
             <a:pPr lvl="3"/>
             <a:r>
-              <a:rPr lang="tr-TR" smtClean="0"/>
+              <a:rPr lang="tr-TR"/>
               <a:t>Dördüncü düzey</a:t>
             </a:r>
           </a:p>
           <a:p>
             <a:pPr lvl="4"/>
             <a:r>
-              <a:rPr lang="tr-TR" smtClean="0"/>
+              <a:rPr lang="tr-TR"/>
               <a:t>Beşinci düzey</a:t>
             </a:r>
             <a:endParaRPr lang="en-US"/>
@@ -966,7 +1210,7 @@
           <a:p>
             <a:fld id="{54AA066D-271F-4C1A-B89A-0705A7689EE9}" type="datetimeFigureOut">
               <a:rPr lang="en-US" smtClean="0"/>
-              <a:t>4/13/2018</a:t>
+              <a:t>7/23/2019</a:t>
             </a:fld>
             <a:endParaRPr lang="en-US"/>
           </a:p>
@@ -1060,7 +1304,7 @@
           <a:lstStyle/>
           <a:p>
             <a:r>
-              <a:rPr lang="tr-TR" smtClean="0"/>
+              <a:rPr lang="tr-TR"/>
               <a:t>Asıl başlık stili için tıklatın</a:t>
             </a:r>
             <a:endParaRPr lang="en-US"/>
@@ -1084,35 +1328,35 @@
           <a:p>
             <a:pPr lvl="0"/>
             <a:r>
-              <a:rPr lang="tr-TR" smtClean="0"/>
+              <a:rPr lang="tr-TR"/>
               <a:t>Asıl metin stillerini düzenlemek için tıklatın</a:t>
             </a:r>
           </a:p>
           <a:p>
             <a:pPr lvl="1"/>
             <a:r>
-              <a:rPr lang="tr-TR" smtClean="0"/>
+              <a:rPr lang="tr-TR"/>
               <a:t>İkinci düzey</a:t>
             </a:r>
           </a:p>
           <a:p>
             <a:pPr lvl="2"/>
             <a:r>
-              <a:rPr lang="tr-TR" smtClean="0"/>
+              <a:rPr lang="tr-TR"/>
               <a:t>Üçüncü düzey</a:t>
             </a:r>
           </a:p>
           <a:p>
             <a:pPr lvl="3"/>
             <a:r>
-              <a:rPr lang="tr-TR" smtClean="0"/>
+              <a:rPr lang="tr-TR"/>
               <a:t>Dördüncü düzey</a:t>
             </a:r>
           </a:p>
           <a:p>
             <a:pPr lvl="4"/>
             <a:r>
-              <a:rPr lang="tr-TR" smtClean="0"/>
+              <a:rPr lang="tr-TR"/>
               <a:t>Beşinci düzey</a:t>
             </a:r>
             <a:endParaRPr lang="en-US"/>
@@ -1136,7 +1380,7 @@
           <a:p>
             <a:fld id="{54AA066D-271F-4C1A-B89A-0705A7689EE9}" type="datetimeFigureOut">
               <a:rPr lang="en-US" smtClean="0"/>
-              <a:t>4/13/2018</a:t>
+              <a:t>7/23/2019</a:t>
             </a:fld>
             <a:endParaRPr lang="en-US"/>
           </a:p>
@@ -1239,7 +1483,7 @@
           </a:lstStyle>
           <a:p>
             <a:r>
-              <a:rPr lang="tr-TR" smtClean="0"/>
+              <a:rPr lang="tr-TR"/>
               <a:t>Asıl başlık stili için tıklatın</a:t>
             </a:r>
             <a:endParaRPr lang="en-US"/>
@@ -1359,7 +1603,7 @@
           <a:p>
             <a:pPr lvl="0"/>
             <a:r>
-              <a:rPr lang="tr-TR" smtClean="0"/>
+              <a:rPr lang="tr-TR"/>
               <a:t>Asıl metin stillerini düzenlemek için tıklatın</a:t>
             </a:r>
           </a:p>
@@ -1382,7 +1626,7 @@
           <a:p>
             <a:fld id="{54AA066D-271F-4C1A-B89A-0705A7689EE9}" type="datetimeFigureOut">
               <a:rPr lang="en-US" smtClean="0"/>
-              <a:t>4/13/2018</a:t>
+              <a:t>7/23/2019</a:t>
             </a:fld>
             <a:endParaRPr lang="en-US"/>
           </a:p>
@@ -1476,7 +1720,7 @@
           <a:lstStyle/>
           <a:p>
             <a:r>
-              <a:rPr lang="tr-TR" smtClean="0"/>
+              <a:rPr lang="tr-TR"/>
               <a:t>Asıl başlık stili için tıklatın</a:t>
             </a:r>
             <a:endParaRPr lang="en-US"/>
@@ -1505,35 +1749,35 @@
           <a:p>
             <a:pPr lvl="0"/>
             <a:r>
-              <a:rPr lang="tr-TR" smtClean="0"/>
+              <a:rPr lang="tr-TR"/>
               <a:t>Asıl metin stillerini düzenlemek için tıklatın</a:t>
             </a:r>
           </a:p>
           <a:p>
             <a:pPr lvl="1"/>
             <a:r>
-              <a:rPr lang="tr-TR" smtClean="0"/>
+              <a:rPr lang="tr-TR"/>
               <a:t>İkinci düzey</a:t>
             </a:r>
           </a:p>
           <a:p>
             <a:pPr lvl="2"/>
             <a:r>
-              <a:rPr lang="tr-TR" smtClean="0"/>
+              <a:rPr lang="tr-TR"/>
               <a:t>Üçüncü düzey</a:t>
             </a:r>
           </a:p>
           <a:p>
             <a:pPr lvl="3"/>
             <a:r>
-              <a:rPr lang="tr-TR" smtClean="0"/>
+              <a:rPr lang="tr-TR"/>
               <a:t>Dördüncü düzey</a:t>
             </a:r>
           </a:p>
           <a:p>
             <a:pPr lvl="4"/>
             <a:r>
-              <a:rPr lang="tr-TR" smtClean="0"/>
+              <a:rPr lang="tr-TR"/>
               <a:t>Beşinci düzey</a:t>
             </a:r>
             <a:endParaRPr lang="en-US"/>
@@ -1562,35 +1806,35 @@
           <a:p>
             <a:pPr lvl="0"/>
             <a:r>
-              <a:rPr lang="tr-TR" smtClean="0"/>
+              <a:rPr lang="tr-TR"/>
               <a:t>Asıl metin stillerini düzenlemek için tıklatın</a:t>
             </a:r>
           </a:p>
           <a:p>
             <a:pPr lvl="1"/>
             <a:r>
-              <a:rPr lang="tr-TR" smtClean="0"/>
+              <a:rPr lang="tr-TR"/>
               <a:t>İkinci düzey</a:t>
             </a:r>
           </a:p>
           <a:p>
             <a:pPr lvl="2"/>
             <a:r>
-              <a:rPr lang="tr-TR" smtClean="0"/>
+              <a:rPr lang="tr-TR"/>
               <a:t>Üçüncü düzey</a:t>
             </a:r>
           </a:p>
           <a:p>
             <a:pPr lvl="3"/>
             <a:r>
-              <a:rPr lang="tr-TR" smtClean="0"/>
+              <a:rPr lang="tr-TR"/>
               <a:t>Dördüncü düzey</a:t>
             </a:r>
           </a:p>
           <a:p>
             <a:pPr lvl="4"/>
             <a:r>
-              <a:rPr lang="tr-TR" smtClean="0"/>
+              <a:rPr lang="tr-TR"/>
               <a:t>Beşinci düzey</a:t>
             </a:r>
             <a:endParaRPr lang="en-US"/>
@@ -1614,7 +1858,7 @@
           <a:p>
             <a:fld id="{54AA066D-271F-4C1A-B89A-0705A7689EE9}" type="datetimeFigureOut">
               <a:rPr lang="en-US" smtClean="0"/>
-              <a:t>4/13/2018</a:t>
+              <a:t>7/23/2019</a:t>
             </a:fld>
             <a:endParaRPr lang="en-US"/>
           </a:p>
@@ -1713,7 +1957,7 @@
           <a:lstStyle/>
           <a:p>
             <a:r>
-              <a:rPr lang="tr-TR" smtClean="0"/>
+              <a:rPr lang="tr-TR"/>
               <a:t>Asıl başlık stili için tıklatın</a:t>
             </a:r>
             <a:endParaRPr lang="en-US"/>
@@ -1779,7 +2023,7 @@
           <a:p>
             <a:pPr lvl="0"/>
             <a:r>
-              <a:rPr lang="tr-TR" smtClean="0"/>
+              <a:rPr lang="tr-TR"/>
               <a:t>Asıl metin stillerini düzenlemek için tıklatın</a:t>
             </a:r>
           </a:p>
@@ -1807,35 +2051,35 @@
           <a:p>
             <a:pPr lvl="0"/>
             <a:r>
-              <a:rPr lang="tr-TR" smtClean="0"/>
+              <a:rPr lang="tr-TR"/>
               <a:t>Asıl metin stillerini düzenlemek için tıklatın</a:t>
             </a:r>
           </a:p>
           <a:p>
             <a:pPr lvl="1"/>
             <a:r>
-              <a:rPr lang="tr-TR" smtClean="0"/>
+              <a:rPr lang="tr-TR"/>
               <a:t>İkinci düzey</a:t>
             </a:r>
           </a:p>
           <a:p>
             <a:pPr lvl="2"/>
             <a:r>
-              <a:rPr lang="tr-TR" smtClean="0"/>
+              <a:rPr lang="tr-TR"/>
               <a:t>Üçüncü düzey</a:t>
             </a:r>
           </a:p>
           <a:p>
             <a:pPr lvl="3"/>
             <a:r>
-              <a:rPr lang="tr-TR" smtClean="0"/>
+              <a:rPr lang="tr-TR"/>
               <a:t>Dördüncü düzey</a:t>
             </a:r>
           </a:p>
           <a:p>
             <a:pPr lvl="4"/>
             <a:r>
-              <a:rPr lang="tr-TR" smtClean="0"/>
+              <a:rPr lang="tr-TR"/>
               <a:t>Beşinci düzey</a:t>
             </a:r>
             <a:endParaRPr lang="en-US"/>
@@ -1901,7 +2145,7 @@
           <a:p>
             <a:pPr lvl="0"/>
             <a:r>
-              <a:rPr lang="tr-TR" smtClean="0"/>
+              <a:rPr lang="tr-TR"/>
               <a:t>Asıl metin stillerini düzenlemek için tıklatın</a:t>
             </a:r>
           </a:p>
@@ -1929,35 +2173,35 @@
           <a:p>
             <a:pPr lvl="0"/>
             <a:r>
-              <a:rPr lang="tr-TR" smtClean="0"/>
+              <a:rPr lang="tr-TR"/>
               <a:t>Asıl metin stillerini düzenlemek için tıklatın</a:t>
             </a:r>
           </a:p>
           <a:p>
             <a:pPr lvl="1"/>
             <a:r>
-              <a:rPr lang="tr-TR" smtClean="0"/>
+              <a:rPr lang="tr-TR"/>
               <a:t>İkinci düzey</a:t>
             </a:r>
           </a:p>
           <a:p>
             <a:pPr lvl="2"/>
             <a:r>
-              <a:rPr lang="tr-TR" smtClean="0"/>
+              <a:rPr lang="tr-TR"/>
               <a:t>Üçüncü düzey</a:t>
             </a:r>
           </a:p>
           <a:p>
             <a:pPr lvl="3"/>
             <a:r>
-              <a:rPr lang="tr-TR" smtClean="0"/>
+              <a:rPr lang="tr-TR"/>
               <a:t>Dördüncü düzey</a:t>
             </a:r>
           </a:p>
           <a:p>
             <a:pPr lvl="4"/>
             <a:r>
-              <a:rPr lang="tr-TR" smtClean="0"/>
+              <a:rPr lang="tr-TR"/>
               <a:t>Beşinci düzey</a:t>
             </a:r>
             <a:endParaRPr lang="en-US"/>
@@ -1981,7 +2225,7 @@
           <a:p>
             <a:fld id="{54AA066D-271F-4C1A-B89A-0705A7689EE9}" type="datetimeFigureOut">
               <a:rPr lang="en-US" smtClean="0"/>
-              <a:t>4/13/2018</a:t>
+              <a:t>7/23/2019</a:t>
             </a:fld>
             <a:endParaRPr lang="en-US"/>
           </a:p>
@@ -2075,7 +2319,7 @@
           <a:lstStyle/>
           <a:p>
             <a:r>
-              <a:rPr lang="tr-TR" smtClean="0"/>
+              <a:rPr lang="tr-TR"/>
               <a:t>Asıl başlık stili için tıklatın</a:t>
             </a:r>
             <a:endParaRPr lang="en-US"/>
@@ -2099,7 +2343,7 @@
           <a:p>
             <a:fld id="{54AA066D-271F-4C1A-B89A-0705A7689EE9}" type="datetimeFigureOut">
               <a:rPr lang="en-US" smtClean="0"/>
-              <a:t>4/13/2018</a:t>
+              <a:t>7/23/2019</a:t>
             </a:fld>
             <a:endParaRPr lang="en-US"/>
           </a:p>
@@ -2194,7 +2438,7 @@
           <a:p>
             <a:fld id="{54AA066D-271F-4C1A-B89A-0705A7689EE9}" type="datetimeFigureOut">
               <a:rPr lang="en-US" smtClean="0"/>
-              <a:t>4/13/2018</a:t>
+              <a:t>7/23/2019</a:t>
             </a:fld>
             <a:endParaRPr lang="en-US"/>
           </a:p>
@@ -2297,7 +2541,7 @@
           </a:lstStyle>
           <a:p>
             <a:r>
-              <a:rPr lang="tr-TR" smtClean="0"/>
+              <a:rPr lang="tr-TR"/>
               <a:t>Asıl başlık stili için tıklatın</a:t>
             </a:r>
             <a:endParaRPr lang="en-US"/>
@@ -2354,35 +2598,35 @@
           <a:p>
             <a:pPr lvl="0"/>
             <a:r>
-              <a:rPr lang="tr-TR" smtClean="0"/>
+              <a:rPr lang="tr-TR"/>
               <a:t>Asıl metin stillerini düzenlemek için tıklatın</a:t>
             </a:r>
           </a:p>
           <a:p>
             <a:pPr lvl="1"/>
             <a:r>
-              <a:rPr lang="tr-TR" smtClean="0"/>
+              <a:rPr lang="tr-TR"/>
               <a:t>İkinci düzey</a:t>
             </a:r>
           </a:p>
           <a:p>
             <a:pPr lvl="2"/>
             <a:r>
-              <a:rPr lang="tr-TR" smtClean="0"/>
+              <a:rPr lang="tr-TR"/>
               <a:t>Üçüncü düzey</a:t>
             </a:r>
           </a:p>
           <a:p>
             <a:pPr lvl="3"/>
             <a:r>
-              <a:rPr lang="tr-TR" smtClean="0"/>
+              <a:rPr lang="tr-TR"/>
               <a:t>Dördüncü düzey</a:t>
             </a:r>
           </a:p>
           <a:p>
             <a:pPr lvl="4"/>
             <a:r>
-              <a:rPr lang="tr-TR" smtClean="0"/>
+              <a:rPr lang="tr-TR"/>
               <a:t>Beşinci düzey</a:t>
             </a:r>
             <a:endParaRPr lang="en-US"/>
@@ -2448,7 +2692,7 @@
           <a:p>
             <a:pPr lvl="0"/>
             <a:r>
-              <a:rPr lang="tr-TR" smtClean="0"/>
+              <a:rPr lang="tr-TR"/>
               <a:t>Asıl metin stillerini düzenlemek için tıklatın</a:t>
             </a:r>
           </a:p>
@@ -2471,7 +2715,7 @@
           <a:p>
             <a:fld id="{54AA066D-271F-4C1A-B89A-0705A7689EE9}" type="datetimeFigureOut">
               <a:rPr lang="en-US" smtClean="0"/>
-              <a:t>4/13/2018</a:t>
+              <a:t>7/23/2019</a:t>
             </a:fld>
             <a:endParaRPr lang="en-US"/>
           </a:p>
@@ -2574,7 +2818,7 @@
           </a:lstStyle>
           <a:p>
             <a:r>
-              <a:rPr lang="tr-TR" smtClean="0"/>
+              <a:rPr lang="tr-TR"/>
               <a:t>Asıl başlık stili için tıklatın</a:t>
             </a:r>
             <a:endParaRPr lang="en-US"/>
@@ -2701,7 +2945,7 @@
           <a:p>
             <a:pPr lvl="0"/>
             <a:r>
-              <a:rPr lang="tr-TR" smtClean="0"/>
+              <a:rPr lang="tr-TR"/>
               <a:t>Asıl metin stillerini düzenlemek için tıklatın</a:t>
             </a:r>
           </a:p>
@@ -2724,7 +2968,7 @@
           <a:p>
             <a:fld id="{54AA066D-271F-4C1A-B89A-0705A7689EE9}" type="datetimeFigureOut">
               <a:rPr lang="en-US" smtClean="0"/>
-              <a:t>4/13/2018</a:t>
+              <a:t>7/23/2019</a:t>
             </a:fld>
             <a:endParaRPr lang="en-US"/>
           </a:p>
@@ -2833,7 +3077,7 @@
           <a:lstStyle/>
           <a:p>
             <a:r>
-              <a:rPr lang="tr-TR" smtClean="0"/>
+              <a:rPr lang="tr-TR"/>
               <a:t>Asıl başlık stili için tıklatın</a:t>
             </a:r>
             <a:endParaRPr lang="en-US"/>
@@ -2867,35 +3111,35 @@
           <a:p>
             <a:pPr lvl="0"/>
             <a:r>
-              <a:rPr lang="tr-TR" smtClean="0"/>
+              <a:rPr lang="tr-TR"/>
               <a:t>Asıl metin stillerini düzenlemek için tıklatın</a:t>
             </a:r>
           </a:p>
           <a:p>
             <a:pPr lvl="1"/>
             <a:r>
-              <a:rPr lang="tr-TR" smtClean="0"/>
+              <a:rPr lang="tr-TR"/>
               <a:t>İkinci düzey</a:t>
             </a:r>
           </a:p>
           <a:p>
             <a:pPr lvl="2"/>
             <a:r>
-              <a:rPr lang="tr-TR" smtClean="0"/>
+              <a:rPr lang="tr-TR"/>
               <a:t>Üçüncü düzey</a:t>
             </a:r>
           </a:p>
           <a:p>
             <a:pPr lvl="3"/>
             <a:r>
-              <a:rPr lang="tr-TR" smtClean="0"/>
+              <a:rPr lang="tr-TR"/>
               <a:t>Dördüncü düzey</a:t>
             </a:r>
           </a:p>
           <a:p>
             <a:pPr lvl="4"/>
             <a:r>
-              <a:rPr lang="tr-TR" smtClean="0"/>
+              <a:rPr lang="tr-TR"/>
               <a:t>Beşinci düzey</a:t>
             </a:r>
             <a:endParaRPr lang="en-US"/>
@@ -2937,7 +3181,7 @@
           <a:p>
             <a:fld id="{54AA066D-271F-4C1A-B89A-0705A7689EE9}" type="datetimeFigureOut">
               <a:rPr lang="en-US" smtClean="0"/>
-              <a:t>4/13/2018</a:t>
+              <a:t>7/23/2019</a:t>
             </a:fld>
             <a:endParaRPr lang="en-US"/>
           </a:p>
@@ -3379,369 +3623,6 @@
           </a:fontRef>
         </p:style>
       </p:cxnSp>
-      <p:grpSp>
-        <p:nvGrpSpPr>
-          <p:cNvPr id="15" name="Grup 14"/>
-          <p:cNvGrpSpPr/>
-          <p:nvPr/>
-        </p:nvGrpSpPr>
-        <p:grpSpPr>
-          <a:xfrm>
-            <a:off x="228596" y="6231467"/>
-            <a:ext cx="3041654" cy="492576"/>
-            <a:chOff x="228596" y="6231467"/>
-            <a:chExt cx="3041654" cy="492576"/>
-          </a:xfrm>
-        </p:grpSpPr>
-        <p:grpSp>
-          <p:nvGrpSpPr>
-            <p:cNvPr id="8" name="Grup 7"/>
-            <p:cNvGrpSpPr/>
-            <p:nvPr/>
-          </p:nvGrpSpPr>
-          <p:grpSpPr>
-            <a:xfrm>
-              <a:off x="228596" y="6231467"/>
-              <a:ext cx="2802471" cy="457084"/>
-              <a:chOff x="127000" y="5901146"/>
-              <a:chExt cx="5156200" cy="838200"/>
-            </a:xfrm>
-          </p:grpSpPr>
-          <p:sp>
-            <p:nvSpPr>
-              <p:cNvPr id="7" name="Dikdörtgen 6"/>
-              <p:cNvSpPr/>
-              <p:nvPr/>
-            </p:nvSpPr>
-            <p:spPr>
-              <a:xfrm>
-                <a:off x="127000" y="5901146"/>
-                <a:ext cx="5156200" cy="838200"/>
-              </a:xfrm>
-              <a:prstGeom prst="rect">
-                <a:avLst/>
-              </a:prstGeom>
-              <a:solidFill>
-                <a:schemeClr val="bg1">
-                  <a:lumMod val="95000"/>
-                </a:schemeClr>
-              </a:solidFill>
-              <a:ln>
-                <a:noFill/>
-              </a:ln>
-            </p:spPr>
-            <p:style>
-              <a:lnRef idx="2">
-                <a:schemeClr val="accent1">
-                  <a:shade val="50000"/>
-                </a:schemeClr>
-              </a:lnRef>
-              <a:fillRef idx="1">
-                <a:schemeClr val="accent1"/>
-              </a:fillRef>
-              <a:effectRef idx="0">
-                <a:schemeClr val="accent1"/>
-              </a:effectRef>
-              <a:fontRef idx="minor">
-                <a:schemeClr val="lt1"/>
-              </a:fontRef>
-            </p:style>
-            <p:txBody>
-              <a:bodyPr rtlCol="0" anchor="ctr"/>
-              <a:lstStyle/>
-              <a:p>
-                <a:pPr algn="ctr"/>
-                <a:endParaRPr lang="en-US" sz="2000"/>
-              </a:p>
-            </p:txBody>
-          </p:sp>
-          <p:grpSp>
-            <p:nvGrpSpPr>
-              <p:cNvPr id="6" name="Grup 5"/>
-              <p:cNvGrpSpPr/>
-              <p:nvPr/>
-            </p:nvGrpSpPr>
-            <p:grpSpPr>
-              <a:xfrm>
-                <a:off x="211667" y="6019800"/>
-                <a:ext cx="5012266" cy="605115"/>
-                <a:chOff x="211667" y="6019800"/>
-                <a:chExt cx="5012266" cy="605115"/>
-              </a:xfrm>
-            </p:grpSpPr>
-            <p:pic>
-              <p:nvPicPr>
-                <p:cNvPr id="4" name="Resim 3"/>
-                <p:cNvPicPr>
-                  <a:picLocks noChangeAspect="1"/>
-                </p:cNvPicPr>
-                <p:nvPr/>
-              </p:nvPicPr>
-              <p:blipFill rotWithShape="1">
-                <a:blip r:embed="rId2" cstate="print">
-                  <a:extLst>
-                    <a:ext uri="{28A0092B-C50C-407E-A947-70E740481C1C}">
-                      <a14:useLocalDpi xmlns:a14="http://schemas.microsoft.com/office/drawing/2010/main" val="0"/>
-                    </a:ext>
-                  </a:extLst>
-                </a:blip>
-                <a:srcRect l="24387" t="8319" r="18355" b="50150"/>
-                <a:stretch/>
-              </p:blipFill>
-              <p:spPr>
-                <a:xfrm>
-                  <a:off x="211667" y="6019800"/>
-                  <a:ext cx="1072095" cy="600892"/>
-                </a:xfrm>
-                <a:prstGeom prst="rect">
-                  <a:avLst/>
-                </a:prstGeom>
-              </p:spPr>
-            </p:pic>
-            <p:sp>
-              <p:nvSpPr>
-                <p:cNvPr id="5" name="Unvan 1"/>
-                <p:cNvSpPr txBox="1">
-                  <a:spLocks/>
-                </p:cNvSpPr>
-                <p:nvPr/>
-              </p:nvSpPr>
-              <p:spPr>
-                <a:xfrm>
-                  <a:off x="1283763" y="6024023"/>
-                  <a:ext cx="3940170" cy="600892"/>
-                </a:xfrm>
-                <a:prstGeom prst="rect">
-                  <a:avLst/>
-                </a:prstGeom>
-              </p:spPr>
-              <p:txBody>
-                <a:bodyPr vert="horz" lIns="91440" tIns="45720" rIns="91440" bIns="45720" rtlCol="0" anchor="b">
-                  <a:noAutofit/>
-                </a:bodyPr>
-                <a:lstStyle>
-                  <a:lvl1pPr algn="ctr" defTabSz="914400" rtl="0" eaLnBrk="1" latinLnBrk="0" hangingPunct="1">
-                    <a:lnSpc>
-                      <a:spcPct val="90000"/>
-                    </a:lnSpc>
-                    <a:spcBef>
-                      <a:spcPct val="0"/>
-                    </a:spcBef>
-                    <a:buNone/>
-                    <a:defRPr sz="6000" kern="1200">
-                      <a:solidFill>
-                        <a:schemeClr val="tx1"/>
-                      </a:solidFill>
-                      <a:latin typeface="+mj-lt"/>
-                      <a:ea typeface="+mj-ea"/>
-                      <a:cs typeface="+mj-cs"/>
-                    </a:defRPr>
-                  </a:lvl1pPr>
-                </a:lstStyle>
-                <a:p>
-                  <a:pPr algn="l"/>
-                  <a:r>
-                    <a:rPr lang="tr-TR" sz="2000" dirty="0" smtClean="0">
-                      <a:solidFill>
-                        <a:srgbClr val="CB171F"/>
-                      </a:solidFill>
-                      <a:latin typeface="Constantia" panose="02030602050306030303" pitchFamily="18" charset="0"/>
-                      <a:ea typeface="Verdana" panose="020B0604030504040204" pitchFamily="34" charset="0"/>
-                      <a:cs typeface="Arial" panose="020B0604020202020204" pitchFamily="34" charset="0"/>
-                    </a:rPr>
-                    <a:t>Veri Bilimi Okulu</a:t>
-                  </a:r>
-                  <a:endParaRPr lang="en-US" sz="2000" dirty="0">
-                    <a:solidFill>
-                      <a:srgbClr val="CB171F"/>
-                    </a:solidFill>
-                    <a:latin typeface="Constantia" panose="02030602050306030303" pitchFamily="18" charset="0"/>
-                    <a:ea typeface="Verdana" panose="020B0604030504040204" pitchFamily="34" charset="0"/>
-                    <a:cs typeface="Arial" panose="020B0604020202020204" pitchFamily="34" charset="0"/>
-                  </a:endParaRPr>
-                </a:p>
-              </p:txBody>
-            </p:sp>
-          </p:grpSp>
-        </p:grpSp>
-        <p:sp>
-          <p:nvSpPr>
-            <p:cNvPr id="12" name="Metin kutusu 11"/>
-            <p:cNvSpPr txBox="1"/>
-            <p:nvPr/>
-          </p:nvSpPr>
-          <p:spPr>
-            <a:xfrm>
-              <a:off x="1582782" y="6493211"/>
-              <a:ext cx="1687468" cy="230832"/>
-            </a:xfrm>
-            <a:prstGeom prst="rect">
-              <a:avLst/>
-            </a:prstGeom>
-            <a:noFill/>
-          </p:spPr>
-          <p:txBody>
-            <a:bodyPr wrap="square" rtlCol="0">
-              <a:spAutoFit/>
-            </a:bodyPr>
-            <a:lstStyle/>
-            <a:p>
-              <a:r>
-                <a:rPr lang="en-US" sz="900" dirty="0" smtClean="0">
-                  <a:solidFill>
-                    <a:srgbClr val="0B8043"/>
-                  </a:solidFill>
-                </a:rPr>
-                <a:t>https:</a:t>
-              </a:r>
-              <a:r>
-                <a:rPr lang="en-US" sz="900" dirty="0" smtClean="0">
-                  <a:solidFill>
-                    <a:schemeClr val="bg1">
-                      <a:lumMod val="50000"/>
-                    </a:schemeClr>
-                  </a:solidFill>
-                </a:rPr>
-                <a:t>//www.veribilimi.co</a:t>
-              </a:r>
-              <a:endParaRPr lang="en-US" sz="900" dirty="0">
-                <a:solidFill>
-                  <a:schemeClr val="bg1">
-                    <a:lumMod val="50000"/>
-                  </a:schemeClr>
-                </a:solidFill>
-              </a:endParaRPr>
-            </a:p>
-          </p:txBody>
-        </p:sp>
-      </p:grpSp>
-      <p:grpSp>
-        <p:nvGrpSpPr>
-          <p:cNvPr id="11" name="Grup 10"/>
-          <p:cNvGrpSpPr/>
-          <p:nvPr/>
-        </p:nvGrpSpPr>
-        <p:grpSpPr>
-          <a:xfrm>
-            <a:off x="9194796" y="6231467"/>
-            <a:ext cx="2802471" cy="457084"/>
-            <a:chOff x="184993" y="5905369"/>
-            <a:chExt cx="5156200" cy="838200"/>
-          </a:xfrm>
-        </p:grpSpPr>
-        <p:sp>
-          <p:nvSpPr>
-            <p:cNvPr id="13" name="Dikdörtgen 12"/>
-            <p:cNvSpPr/>
-            <p:nvPr/>
-          </p:nvSpPr>
-          <p:spPr>
-            <a:xfrm>
-              <a:off x="184993" y="5905369"/>
-              <a:ext cx="5156200" cy="838200"/>
-            </a:xfrm>
-            <a:prstGeom prst="rect">
-              <a:avLst/>
-            </a:prstGeom>
-            <a:solidFill>
-              <a:schemeClr val="bg1">
-                <a:lumMod val="95000"/>
-              </a:schemeClr>
-            </a:solidFill>
-            <a:ln>
-              <a:noFill/>
-            </a:ln>
-          </p:spPr>
-          <p:style>
-            <a:lnRef idx="2">
-              <a:schemeClr val="accent1">
-                <a:shade val="50000"/>
-              </a:schemeClr>
-            </a:lnRef>
-            <a:fillRef idx="1">
-              <a:schemeClr val="accent1"/>
-            </a:fillRef>
-            <a:effectRef idx="0">
-              <a:schemeClr val="accent1"/>
-            </a:effectRef>
-            <a:fontRef idx="minor">
-              <a:schemeClr val="lt1"/>
-            </a:fontRef>
-          </p:style>
-          <p:txBody>
-            <a:bodyPr rtlCol="0" anchor="ctr"/>
-            <a:lstStyle/>
-            <a:p>
-              <a:pPr algn="ctr"/>
-              <a:endParaRPr lang="en-US" sz="2000"/>
-            </a:p>
-          </p:txBody>
-        </p:sp>
-        <p:sp>
-          <p:nvSpPr>
-            <p:cNvPr id="14" name="Unvan 1"/>
-            <p:cNvSpPr txBox="1">
-              <a:spLocks/>
-            </p:cNvSpPr>
-            <p:nvPr/>
-          </p:nvSpPr>
-          <p:spPr>
-            <a:xfrm>
-              <a:off x="302252" y="6024023"/>
-              <a:ext cx="4921678" cy="600892"/>
-            </a:xfrm>
-            <a:prstGeom prst="rect">
-              <a:avLst/>
-            </a:prstGeom>
-          </p:spPr>
-          <p:txBody>
-            <a:bodyPr vert="horz" lIns="91440" tIns="45720" rIns="91440" bIns="45720" rtlCol="0" anchor="b">
-              <a:noAutofit/>
-            </a:bodyPr>
-            <a:lstStyle>
-              <a:lvl1pPr algn="ctr" defTabSz="914400" rtl="0" eaLnBrk="1" latinLnBrk="0" hangingPunct="1">
-                <a:lnSpc>
-                  <a:spcPct val="90000"/>
-                </a:lnSpc>
-                <a:spcBef>
-                  <a:spcPct val="0"/>
-                </a:spcBef>
-                <a:buNone/>
-                <a:defRPr sz="6000" kern="1200">
-                  <a:solidFill>
-                    <a:schemeClr val="tx1"/>
-                  </a:solidFill>
-                  <a:latin typeface="+mj-lt"/>
-                  <a:ea typeface="+mj-ea"/>
-                  <a:cs typeface="+mj-cs"/>
-                </a:defRPr>
-              </a:lvl1pPr>
-            </a:lstStyle>
-            <a:p>
-              <a:pPr algn="l"/>
-              <a:r>
-                <a:rPr lang="tr-TR" sz="2000" dirty="0">
-                  <a:solidFill>
-                    <a:srgbClr val="CB171F"/>
-                  </a:solidFill>
-                  <a:latin typeface="Constantia" panose="02030602050306030303" pitchFamily="18" charset="0"/>
-                  <a:ea typeface="Verdana" panose="020B0604030504040204" pitchFamily="34" charset="0"/>
-                  <a:cs typeface="Arial" panose="020B0604020202020204" pitchFamily="34" charset="0"/>
-                </a:rPr>
-                <a:t>A’dan Z’ye Büyük Veri</a:t>
-              </a:r>
-              <a:endParaRPr lang="en-US" sz="2000" dirty="0">
-                <a:solidFill>
-                  <a:srgbClr val="CB171F"/>
-                </a:solidFill>
-                <a:latin typeface="Constantia" panose="02030602050306030303" pitchFamily="18" charset="0"/>
-                <a:ea typeface="Verdana" panose="020B0604030504040204" pitchFamily="34" charset="0"/>
-                <a:cs typeface="Arial" panose="020B0604020202020204" pitchFamily="34" charset="0"/>
-              </a:endParaRPr>
-            </a:p>
-          </p:txBody>
-        </p:sp>
-      </p:grpSp>
       <p:pic>
         <p:nvPicPr>
           <p:cNvPr id="2" name="Resim 1"/>
@@ -3751,7 +3632,7 @@
           <p:nvPr/>
         </p:nvPicPr>
         <p:blipFill>
-          <a:blip r:embed="rId3">
+          <a:blip r:embed="rId2">
             <a:extLst>
               <a:ext uri="{28A0092B-C50C-407E-A947-70E740481C1C}">
                 <a14:useLocalDpi xmlns:a14="http://schemas.microsoft.com/office/drawing/2010/main" val="0"/>
@@ -3795,7 +3676,7 @@
           <a:lstStyle/>
           <a:p>
             <a:r>
-              <a:rPr lang="tr-TR" sz="4200" b="1" dirty="0" err="1" smtClean="0">
+              <a:rPr lang="tr-TR" sz="4200" b="1" dirty="0" err="1">
                 <a:solidFill>
                   <a:srgbClr val="CD1F26"/>
                 </a:solidFill>
@@ -3806,7 +3687,7 @@
               <a:t>Low</a:t>
             </a:r>
             <a:r>
-              <a:rPr lang="tr-TR" sz="4200" b="1" dirty="0" smtClean="0">
+              <a:rPr lang="tr-TR" sz="4200" b="1" dirty="0">
                 <a:solidFill>
                   <a:srgbClr val="CD1F26"/>
                 </a:solidFill>
@@ -3837,13 +3718,6 @@
   <p:clrMapOvr>
     <a:masterClrMapping/>
   </p:clrMapOvr>
-  <p:timing>
-    <p:tnLst>
-      <p:par>
-        <p:cTn id="1" dur="indefinite" restart="never" nodeType="tmRoot"/>
-      </p:par>
-    </p:tnLst>
-  </p:timing>
 </p:sld>
 </file>
 
@@ -3901,369 +3775,6 @@
           </a:fontRef>
         </p:style>
       </p:cxnSp>
-      <p:grpSp>
-        <p:nvGrpSpPr>
-          <p:cNvPr id="15" name="Grup 14"/>
-          <p:cNvGrpSpPr/>
-          <p:nvPr/>
-        </p:nvGrpSpPr>
-        <p:grpSpPr>
-          <a:xfrm>
-            <a:off x="228596" y="6231467"/>
-            <a:ext cx="3041654" cy="492576"/>
-            <a:chOff x="228596" y="6231467"/>
-            <a:chExt cx="3041654" cy="492576"/>
-          </a:xfrm>
-        </p:grpSpPr>
-        <p:grpSp>
-          <p:nvGrpSpPr>
-            <p:cNvPr id="8" name="Grup 7"/>
-            <p:cNvGrpSpPr/>
-            <p:nvPr/>
-          </p:nvGrpSpPr>
-          <p:grpSpPr>
-            <a:xfrm>
-              <a:off x="228596" y="6231467"/>
-              <a:ext cx="2802471" cy="457084"/>
-              <a:chOff x="127000" y="5901146"/>
-              <a:chExt cx="5156200" cy="838200"/>
-            </a:xfrm>
-          </p:grpSpPr>
-          <p:sp>
-            <p:nvSpPr>
-              <p:cNvPr id="7" name="Dikdörtgen 6"/>
-              <p:cNvSpPr/>
-              <p:nvPr/>
-            </p:nvSpPr>
-            <p:spPr>
-              <a:xfrm>
-                <a:off x="127000" y="5901146"/>
-                <a:ext cx="5156200" cy="838200"/>
-              </a:xfrm>
-              <a:prstGeom prst="rect">
-                <a:avLst/>
-              </a:prstGeom>
-              <a:solidFill>
-                <a:schemeClr val="bg1">
-                  <a:lumMod val="95000"/>
-                </a:schemeClr>
-              </a:solidFill>
-              <a:ln>
-                <a:noFill/>
-              </a:ln>
-            </p:spPr>
-            <p:style>
-              <a:lnRef idx="2">
-                <a:schemeClr val="accent1">
-                  <a:shade val="50000"/>
-                </a:schemeClr>
-              </a:lnRef>
-              <a:fillRef idx="1">
-                <a:schemeClr val="accent1"/>
-              </a:fillRef>
-              <a:effectRef idx="0">
-                <a:schemeClr val="accent1"/>
-              </a:effectRef>
-              <a:fontRef idx="minor">
-                <a:schemeClr val="lt1"/>
-              </a:fontRef>
-            </p:style>
-            <p:txBody>
-              <a:bodyPr rtlCol="0" anchor="ctr"/>
-              <a:lstStyle/>
-              <a:p>
-                <a:pPr algn="ctr"/>
-                <a:endParaRPr lang="en-US" sz="2000"/>
-              </a:p>
-            </p:txBody>
-          </p:sp>
-          <p:grpSp>
-            <p:nvGrpSpPr>
-              <p:cNvPr id="6" name="Grup 5"/>
-              <p:cNvGrpSpPr/>
-              <p:nvPr/>
-            </p:nvGrpSpPr>
-            <p:grpSpPr>
-              <a:xfrm>
-                <a:off x="211667" y="6019800"/>
-                <a:ext cx="5012266" cy="605115"/>
-                <a:chOff x="211667" y="6019800"/>
-                <a:chExt cx="5012266" cy="605115"/>
-              </a:xfrm>
-            </p:grpSpPr>
-            <p:pic>
-              <p:nvPicPr>
-                <p:cNvPr id="4" name="Resim 3"/>
-                <p:cNvPicPr>
-                  <a:picLocks noChangeAspect="1"/>
-                </p:cNvPicPr>
-                <p:nvPr/>
-              </p:nvPicPr>
-              <p:blipFill rotWithShape="1">
-                <a:blip r:embed="rId2" cstate="print">
-                  <a:extLst>
-                    <a:ext uri="{28A0092B-C50C-407E-A947-70E740481C1C}">
-                      <a14:useLocalDpi xmlns:a14="http://schemas.microsoft.com/office/drawing/2010/main" val="0"/>
-                    </a:ext>
-                  </a:extLst>
-                </a:blip>
-                <a:srcRect l="24387" t="8319" r="18355" b="50150"/>
-                <a:stretch/>
-              </p:blipFill>
-              <p:spPr>
-                <a:xfrm>
-                  <a:off x="211667" y="6019800"/>
-                  <a:ext cx="1072095" cy="600892"/>
-                </a:xfrm>
-                <a:prstGeom prst="rect">
-                  <a:avLst/>
-                </a:prstGeom>
-              </p:spPr>
-            </p:pic>
-            <p:sp>
-              <p:nvSpPr>
-                <p:cNvPr id="5" name="Unvan 1"/>
-                <p:cNvSpPr txBox="1">
-                  <a:spLocks/>
-                </p:cNvSpPr>
-                <p:nvPr/>
-              </p:nvSpPr>
-              <p:spPr>
-                <a:xfrm>
-                  <a:off x="1283763" y="6024023"/>
-                  <a:ext cx="3940170" cy="600892"/>
-                </a:xfrm>
-                <a:prstGeom prst="rect">
-                  <a:avLst/>
-                </a:prstGeom>
-              </p:spPr>
-              <p:txBody>
-                <a:bodyPr vert="horz" lIns="91440" tIns="45720" rIns="91440" bIns="45720" rtlCol="0" anchor="b">
-                  <a:noAutofit/>
-                </a:bodyPr>
-                <a:lstStyle>
-                  <a:lvl1pPr algn="ctr" defTabSz="914400" rtl="0" eaLnBrk="1" latinLnBrk="0" hangingPunct="1">
-                    <a:lnSpc>
-                      <a:spcPct val="90000"/>
-                    </a:lnSpc>
-                    <a:spcBef>
-                      <a:spcPct val="0"/>
-                    </a:spcBef>
-                    <a:buNone/>
-                    <a:defRPr sz="6000" kern="1200">
-                      <a:solidFill>
-                        <a:schemeClr val="tx1"/>
-                      </a:solidFill>
-                      <a:latin typeface="+mj-lt"/>
-                      <a:ea typeface="+mj-ea"/>
-                      <a:cs typeface="+mj-cs"/>
-                    </a:defRPr>
-                  </a:lvl1pPr>
-                </a:lstStyle>
-                <a:p>
-                  <a:pPr algn="l"/>
-                  <a:r>
-                    <a:rPr lang="tr-TR" sz="2000" dirty="0" smtClean="0">
-                      <a:solidFill>
-                        <a:srgbClr val="CB171F"/>
-                      </a:solidFill>
-                      <a:latin typeface="Constantia" panose="02030602050306030303" pitchFamily="18" charset="0"/>
-                      <a:ea typeface="Verdana" panose="020B0604030504040204" pitchFamily="34" charset="0"/>
-                      <a:cs typeface="Arial" panose="020B0604020202020204" pitchFamily="34" charset="0"/>
-                    </a:rPr>
-                    <a:t>Veri Bilimi Okulu</a:t>
-                  </a:r>
-                  <a:endParaRPr lang="en-US" sz="2000" dirty="0">
-                    <a:solidFill>
-                      <a:srgbClr val="CB171F"/>
-                    </a:solidFill>
-                    <a:latin typeface="Constantia" panose="02030602050306030303" pitchFamily="18" charset="0"/>
-                    <a:ea typeface="Verdana" panose="020B0604030504040204" pitchFamily="34" charset="0"/>
-                    <a:cs typeface="Arial" panose="020B0604020202020204" pitchFamily="34" charset="0"/>
-                  </a:endParaRPr>
-                </a:p>
-              </p:txBody>
-            </p:sp>
-          </p:grpSp>
-        </p:grpSp>
-        <p:sp>
-          <p:nvSpPr>
-            <p:cNvPr id="12" name="Metin kutusu 11"/>
-            <p:cNvSpPr txBox="1"/>
-            <p:nvPr/>
-          </p:nvSpPr>
-          <p:spPr>
-            <a:xfrm>
-              <a:off x="1582782" y="6493211"/>
-              <a:ext cx="1687468" cy="230832"/>
-            </a:xfrm>
-            <a:prstGeom prst="rect">
-              <a:avLst/>
-            </a:prstGeom>
-            <a:noFill/>
-          </p:spPr>
-          <p:txBody>
-            <a:bodyPr wrap="square" rtlCol="0">
-              <a:spAutoFit/>
-            </a:bodyPr>
-            <a:lstStyle/>
-            <a:p>
-              <a:r>
-                <a:rPr lang="en-US" sz="900" dirty="0" smtClean="0">
-                  <a:solidFill>
-                    <a:srgbClr val="0B8043"/>
-                  </a:solidFill>
-                </a:rPr>
-                <a:t>https:</a:t>
-              </a:r>
-              <a:r>
-                <a:rPr lang="en-US" sz="900" dirty="0" smtClean="0">
-                  <a:solidFill>
-                    <a:schemeClr val="bg1">
-                      <a:lumMod val="50000"/>
-                    </a:schemeClr>
-                  </a:solidFill>
-                </a:rPr>
-                <a:t>//www.veribilimi.co</a:t>
-              </a:r>
-              <a:endParaRPr lang="en-US" sz="900" dirty="0">
-                <a:solidFill>
-                  <a:schemeClr val="bg1">
-                    <a:lumMod val="50000"/>
-                  </a:schemeClr>
-                </a:solidFill>
-              </a:endParaRPr>
-            </a:p>
-          </p:txBody>
-        </p:sp>
-      </p:grpSp>
-      <p:grpSp>
-        <p:nvGrpSpPr>
-          <p:cNvPr id="11" name="Grup 10"/>
-          <p:cNvGrpSpPr/>
-          <p:nvPr/>
-        </p:nvGrpSpPr>
-        <p:grpSpPr>
-          <a:xfrm>
-            <a:off x="9194796" y="6231467"/>
-            <a:ext cx="2802471" cy="457084"/>
-            <a:chOff x="184993" y="5905369"/>
-            <a:chExt cx="5156200" cy="838200"/>
-          </a:xfrm>
-        </p:grpSpPr>
-        <p:sp>
-          <p:nvSpPr>
-            <p:cNvPr id="13" name="Dikdörtgen 12"/>
-            <p:cNvSpPr/>
-            <p:nvPr/>
-          </p:nvSpPr>
-          <p:spPr>
-            <a:xfrm>
-              <a:off x="184993" y="5905369"/>
-              <a:ext cx="5156200" cy="838200"/>
-            </a:xfrm>
-            <a:prstGeom prst="rect">
-              <a:avLst/>
-            </a:prstGeom>
-            <a:solidFill>
-              <a:schemeClr val="bg1">
-                <a:lumMod val="95000"/>
-              </a:schemeClr>
-            </a:solidFill>
-            <a:ln>
-              <a:noFill/>
-            </a:ln>
-          </p:spPr>
-          <p:style>
-            <a:lnRef idx="2">
-              <a:schemeClr val="accent1">
-                <a:shade val="50000"/>
-              </a:schemeClr>
-            </a:lnRef>
-            <a:fillRef idx="1">
-              <a:schemeClr val="accent1"/>
-            </a:fillRef>
-            <a:effectRef idx="0">
-              <a:schemeClr val="accent1"/>
-            </a:effectRef>
-            <a:fontRef idx="minor">
-              <a:schemeClr val="lt1"/>
-            </a:fontRef>
-          </p:style>
-          <p:txBody>
-            <a:bodyPr rtlCol="0" anchor="ctr"/>
-            <a:lstStyle/>
-            <a:p>
-              <a:pPr algn="ctr"/>
-              <a:endParaRPr lang="en-US" sz="2000"/>
-            </a:p>
-          </p:txBody>
-        </p:sp>
-        <p:sp>
-          <p:nvSpPr>
-            <p:cNvPr id="14" name="Unvan 1"/>
-            <p:cNvSpPr txBox="1">
-              <a:spLocks/>
-            </p:cNvSpPr>
-            <p:nvPr/>
-          </p:nvSpPr>
-          <p:spPr>
-            <a:xfrm>
-              <a:off x="302252" y="6024023"/>
-              <a:ext cx="4921678" cy="600892"/>
-            </a:xfrm>
-            <a:prstGeom prst="rect">
-              <a:avLst/>
-            </a:prstGeom>
-          </p:spPr>
-          <p:txBody>
-            <a:bodyPr vert="horz" lIns="91440" tIns="45720" rIns="91440" bIns="45720" rtlCol="0" anchor="b">
-              <a:noAutofit/>
-            </a:bodyPr>
-            <a:lstStyle>
-              <a:lvl1pPr algn="ctr" defTabSz="914400" rtl="0" eaLnBrk="1" latinLnBrk="0" hangingPunct="1">
-                <a:lnSpc>
-                  <a:spcPct val="90000"/>
-                </a:lnSpc>
-                <a:spcBef>
-                  <a:spcPct val="0"/>
-                </a:spcBef>
-                <a:buNone/>
-                <a:defRPr sz="6000" kern="1200">
-                  <a:solidFill>
-                    <a:schemeClr val="tx1"/>
-                  </a:solidFill>
-                  <a:latin typeface="+mj-lt"/>
-                  <a:ea typeface="+mj-ea"/>
-                  <a:cs typeface="+mj-cs"/>
-                </a:defRPr>
-              </a:lvl1pPr>
-            </a:lstStyle>
-            <a:p>
-              <a:pPr algn="l"/>
-              <a:r>
-                <a:rPr lang="tr-TR" sz="2000" dirty="0">
-                  <a:solidFill>
-                    <a:srgbClr val="CB171F"/>
-                  </a:solidFill>
-                  <a:latin typeface="Constantia" panose="02030602050306030303" pitchFamily="18" charset="0"/>
-                  <a:ea typeface="Verdana" panose="020B0604030504040204" pitchFamily="34" charset="0"/>
-                  <a:cs typeface="Arial" panose="020B0604020202020204" pitchFamily="34" charset="0"/>
-                </a:rPr>
-                <a:t>A’dan Z’ye Büyük Veri</a:t>
-              </a:r>
-              <a:endParaRPr lang="en-US" sz="2000" dirty="0">
-                <a:solidFill>
-                  <a:srgbClr val="CB171F"/>
-                </a:solidFill>
-                <a:latin typeface="Constantia" panose="02030602050306030303" pitchFamily="18" charset="0"/>
-                <a:ea typeface="Verdana" panose="020B0604030504040204" pitchFamily="34" charset="0"/>
-                <a:cs typeface="Arial" panose="020B0604020202020204" pitchFamily="34" charset="0"/>
-              </a:endParaRPr>
-            </a:p>
-          </p:txBody>
-        </p:sp>
-      </p:grpSp>
       <p:sp>
         <p:nvSpPr>
           <p:cNvPr id="16" name="Unvan 1"/>
@@ -4287,7 +3798,7 @@
           <a:lstStyle/>
           <a:p>
             <a:r>
-              <a:rPr lang="tr-TR" sz="4200" b="1" dirty="0" err="1" smtClean="0">
+              <a:rPr lang="tr-TR" sz="4200" b="1" dirty="0" err="1">
                 <a:solidFill>
                   <a:srgbClr val="CD1F26"/>
                 </a:solidFill>
@@ -4298,7 +3809,7 @@
               <a:t>Low</a:t>
             </a:r>
             <a:r>
-              <a:rPr lang="tr-TR" sz="4200" b="1" dirty="0" smtClean="0">
+              <a:rPr lang="tr-TR" sz="4200" b="1" dirty="0">
                 <a:solidFill>
                   <a:srgbClr val="CD1F26"/>
                 </a:solidFill>
@@ -4309,7 +3820,7 @@
               <a:t> Level API (RDD </a:t>
             </a:r>
             <a:r>
-              <a:rPr lang="tr-TR" sz="4200" b="1" dirty="0" err="1" smtClean="0">
+              <a:rPr lang="tr-TR" sz="4200" b="1" dirty="0" err="1">
                 <a:solidFill>
                   <a:srgbClr val="CD1F26"/>
                 </a:solidFill>
@@ -4320,7 +3831,7 @@
               <a:t>Based</a:t>
             </a:r>
             <a:r>
-              <a:rPr lang="tr-TR" sz="4200" b="1" dirty="0" smtClean="0">
+              <a:rPr lang="tr-TR" sz="4200" b="1" dirty="0">
                 <a:solidFill>
                   <a:srgbClr val="CD1F26"/>
                 </a:solidFill>
@@ -4370,7 +3881,7 @@
               <a:buChar char="ü"/>
             </a:pPr>
             <a:r>
-              <a:rPr lang="tr-TR" sz="2400" dirty="0" smtClean="0">
+              <a:rPr lang="tr-TR" sz="2400" dirty="0">
                 <a:solidFill>
                   <a:srgbClr val="404041"/>
                 </a:solidFill>
@@ -4379,7 +3890,7 @@
               <a:t>Mümkün olduğunca </a:t>
             </a:r>
             <a:r>
-              <a:rPr lang="tr-TR" sz="2400" dirty="0" err="1" smtClean="0">
+              <a:rPr lang="tr-TR" sz="2400" dirty="0" err="1">
                 <a:solidFill>
                   <a:srgbClr val="404041"/>
                 </a:solidFill>
@@ -4388,7 +3899,7 @@
               <a:t>Structured</a:t>
             </a:r>
             <a:r>
-              <a:rPr lang="tr-TR" sz="2400" dirty="0" smtClean="0">
+              <a:rPr lang="tr-TR" sz="2400" dirty="0">
                 <a:solidFill>
                   <a:srgbClr val="404041"/>
                 </a:solidFill>
@@ -4406,7 +3917,7 @@
               <a:buChar char="ü"/>
             </a:pPr>
             <a:r>
-              <a:rPr lang="tr-TR" sz="2400" dirty="0" smtClean="0">
+              <a:rPr lang="tr-TR" sz="2400" dirty="0">
                 <a:solidFill>
                   <a:srgbClr val="404041"/>
                 </a:solidFill>
@@ -4415,7 +3926,7 @@
               <a:t>Yeni başlayanlar </a:t>
             </a:r>
             <a:r>
-              <a:rPr lang="tr-TR" sz="2400" dirty="0" err="1" smtClean="0">
+              <a:rPr lang="tr-TR" sz="2400" dirty="0" err="1">
                 <a:solidFill>
                   <a:srgbClr val="404041"/>
                 </a:solidFill>
@@ -4424,7 +3935,7 @@
               <a:t>Structured</a:t>
             </a:r>
             <a:r>
-              <a:rPr lang="tr-TR" sz="2400" dirty="0" smtClean="0">
+              <a:rPr lang="tr-TR" sz="2400" dirty="0">
                 <a:solidFill>
                   <a:srgbClr val="404041"/>
                 </a:solidFill>
@@ -4440,7 +3951,7 @@
               </a:lnSpc>
             </a:pPr>
             <a:r>
-              <a:rPr lang="tr-TR" sz="2400" dirty="0" smtClean="0">
+              <a:rPr lang="tr-TR" sz="2400" dirty="0">
                 <a:solidFill>
                   <a:srgbClr val="404041"/>
                 </a:solidFill>
@@ -4458,7 +3969,7 @@
               <a:buChar char="ü"/>
             </a:pPr>
             <a:r>
-              <a:rPr lang="tr-TR" sz="2400" dirty="0" smtClean="0">
+              <a:rPr lang="tr-TR" sz="2400" dirty="0">
                 <a:solidFill>
                   <a:srgbClr val="404041"/>
                 </a:solidFill>
@@ -4467,7 +3978,7 @@
               <a:t>Aradığınız </a:t>
             </a:r>
             <a:r>
-              <a:rPr lang="tr-TR" sz="2400" dirty="0" err="1" smtClean="0">
+              <a:rPr lang="tr-TR" sz="2400" dirty="0" err="1">
                 <a:solidFill>
                   <a:srgbClr val="404041"/>
                 </a:solidFill>
@@ -4476,7 +3987,7 @@
               <a:t>fonksiyonaliteyi</a:t>
             </a:r>
             <a:r>
-              <a:rPr lang="tr-TR" sz="2400" dirty="0" smtClean="0">
+              <a:rPr lang="tr-TR" sz="2400" dirty="0">
                 <a:solidFill>
                   <a:srgbClr val="404041"/>
                 </a:solidFill>
@@ -4494,7 +4005,7 @@
               <a:buChar char="ü"/>
             </a:pPr>
             <a:r>
-              <a:rPr lang="tr-TR" sz="2400" dirty="0" smtClean="0">
+              <a:rPr lang="tr-TR" sz="2400" dirty="0">
                 <a:solidFill>
                   <a:srgbClr val="404041"/>
                 </a:solidFill>
@@ -4512,7 +4023,7 @@
               <a:buChar char="ü"/>
             </a:pPr>
             <a:r>
-              <a:rPr lang="tr-TR" sz="2400" dirty="0" smtClean="0">
+              <a:rPr lang="tr-TR" sz="2400" dirty="0">
                 <a:solidFill>
                   <a:srgbClr val="404041"/>
                 </a:solidFill>
@@ -4528,7 +4039,7 @@
               </a:lnSpc>
             </a:pPr>
             <a:r>
-              <a:rPr lang="tr-TR" sz="2400" dirty="0" smtClean="0">
+              <a:rPr lang="tr-TR" sz="2400" dirty="0">
                 <a:solidFill>
                   <a:srgbClr val="404041"/>
                 </a:solidFill>
@@ -4546,56 +4057,32 @@
               <a:buChar char="ü"/>
             </a:pPr>
             <a:r>
-              <a:rPr lang="tr-TR" sz="2400" dirty="0" smtClean="0">
+              <a:rPr lang="tr-TR" sz="2400" dirty="0">
                 <a:solidFill>
                   <a:srgbClr val="404041"/>
                 </a:solidFill>
                 <a:latin typeface="Roboto"/>
               </a:rPr>
-              <a:t>Zaten </a:t>
-            </a:r>
-            <a:r>
-              <a:rPr lang="tr-TR" sz="2400" dirty="0" smtClean="0">
+              <a:t>Zaten Yapısal API operasyonları bu </a:t>
+            </a:r>
+            <a:r>
+              <a:rPr lang="tr-TR" sz="2400" dirty="0" err="1">
                 <a:solidFill>
                   <a:srgbClr val="404041"/>
                 </a:solidFill>
                 <a:latin typeface="Roboto"/>
               </a:rPr>
-              <a:t>Yapısal </a:t>
-            </a:r>
-            <a:r>
-              <a:rPr lang="tr-TR" sz="2400" dirty="0" smtClean="0">
+              <a:t>API’ye</a:t>
+            </a:r>
+            <a:r>
+              <a:rPr lang="tr-TR" sz="2400" dirty="0">
                 <a:solidFill>
                   <a:srgbClr val="404041"/>
                 </a:solidFill>
                 <a:latin typeface="Roboto"/>
               </a:rPr>
-              <a:t>API operasyonları bu </a:t>
-            </a:r>
-            <a:r>
-              <a:rPr lang="tr-TR" sz="2400" dirty="0" err="1" smtClean="0">
-                <a:solidFill>
-                  <a:srgbClr val="404041"/>
-                </a:solidFill>
-                <a:latin typeface="Roboto"/>
-              </a:rPr>
-              <a:t>API’ye</a:t>
-            </a:r>
-            <a:r>
-              <a:rPr lang="tr-TR" sz="2400" dirty="0" smtClean="0">
-                <a:solidFill>
-                  <a:srgbClr val="404041"/>
-                </a:solidFill>
-                <a:latin typeface="Roboto"/>
-              </a:rPr>
               <a:t> çevriliyor</a:t>
             </a:r>
-            <a:endParaRPr lang="tr-TR" sz="2400" dirty="0" smtClean="0">
-              <a:solidFill>
-                <a:srgbClr val="404041"/>
-              </a:solidFill>
-              <a:latin typeface="Roboto"/>
-            </a:endParaRPr>
           </a:p>
           <a:p>
             <a:pPr marL="457200" indent="-457200">
@@ -4606,29 +4093,14 @@
               <a:buChar char="ü"/>
             </a:pPr>
             <a:r>
-              <a:rPr lang="tr-TR" sz="2400" dirty="0" smtClean="0">
+              <a:rPr lang="tr-TR" sz="2400" dirty="0">
                 <a:solidFill>
                   <a:srgbClr val="404041"/>
                 </a:solidFill>
                 <a:latin typeface="Roboto"/>
               </a:rPr>
-              <a:t>Hata anlama </a:t>
-            </a:r>
-            <a:r>
-              <a:rPr lang="tr-TR" sz="2400" dirty="0" smtClean="0">
-                <a:solidFill>
-                  <a:srgbClr val="404041"/>
-                </a:solidFill>
-                <a:latin typeface="Roboto"/>
-              </a:rPr>
-              <a:t>yeteneğini geliştirir</a:t>
-            </a:r>
-            <a:endParaRPr lang="tr-TR" sz="2400" dirty="0" smtClean="0">
-              <a:solidFill>
-                <a:srgbClr val="404041"/>
-              </a:solidFill>
-              <a:latin typeface="Roboto"/>
-            </a:endParaRPr>
+              <a:t>Hata anlama yeteneğini geliştirir</a:t>
+            </a:r>
           </a:p>
         </p:txBody>
       </p:sp>
@@ -4642,13 +4114,6 @@
   <p:clrMapOvr>
     <a:masterClrMapping/>
   </p:clrMapOvr>
-  <p:timing>
-    <p:tnLst>
-      <p:par>
-        <p:cTn id="1" dur="indefinite" restart="never" nodeType="tmRoot"/>
-      </p:par>
-    </p:tnLst>
-  </p:timing>
 </p:sld>
 </file>
 
@@ -4706,369 +4171,6 @@
           </a:fontRef>
         </p:style>
       </p:cxnSp>
-      <p:grpSp>
-        <p:nvGrpSpPr>
-          <p:cNvPr id="15" name="Grup 14"/>
-          <p:cNvGrpSpPr/>
-          <p:nvPr/>
-        </p:nvGrpSpPr>
-        <p:grpSpPr>
-          <a:xfrm>
-            <a:off x="228596" y="6231467"/>
-            <a:ext cx="3041654" cy="492576"/>
-            <a:chOff x="228596" y="6231467"/>
-            <a:chExt cx="3041654" cy="492576"/>
-          </a:xfrm>
-        </p:grpSpPr>
-        <p:grpSp>
-          <p:nvGrpSpPr>
-            <p:cNvPr id="8" name="Grup 7"/>
-            <p:cNvGrpSpPr/>
-            <p:nvPr/>
-          </p:nvGrpSpPr>
-          <p:grpSpPr>
-            <a:xfrm>
-              <a:off x="228596" y="6231467"/>
-              <a:ext cx="2802471" cy="457084"/>
-              <a:chOff x="127000" y="5901146"/>
-              <a:chExt cx="5156200" cy="838200"/>
-            </a:xfrm>
-          </p:grpSpPr>
-          <p:sp>
-            <p:nvSpPr>
-              <p:cNvPr id="7" name="Dikdörtgen 6"/>
-              <p:cNvSpPr/>
-              <p:nvPr/>
-            </p:nvSpPr>
-            <p:spPr>
-              <a:xfrm>
-                <a:off x="127000" y="5901146"/>
-                <a:ext cx="5156200" cy="838200"/>
-              </a:xfrm>
-              <a:prstGeom prst="rect">
-                <a:avLst/>
-              </a:prstGeom>
-              <a:solidFill>
-                <a:schemeClr val="bg1">
-                  <a:lumMod val="95000"/>
-                </a:schemeClr>
-              </a:solidFill>
-              <a:ln>
-                <a:noFill/>
-              </a:ln>
-            </p:spPr>
-            <p:style>
-              <a:lnRef idx="2">
-                <a:schemeClr val="accent1">
-                  <a:shade val="50000"/>
-                </a:schemeClr>
-              </a:lnRef>
-              <a:fillRef idx="1">
-                <a:schemeClr val="accent1"/>
-              </a:fillRef>
-              <a:effectRef idx="0">
-                <a:schemeClr val="accent1"/>
-              </a:effectRef>
-              <a:fontRef idx="minor">
-                <a:schemeClr val="lt1"/>
-              </a:fontRef>
-            </p:style>
-            <p:txBody>
-              <a:bodyPr rtlCol="0" anchor="ctr"/>
-              <a:lstStyle/>
-              <a:p>
-                <a:pPr algn="ctr"/>
-                <a:endParaRPr lang="en-US" sz="2000"/>
-              </a:p>
-            </p:txBody>
-          </p:sp>
-          <p:grpSp>
-            <p:nvGrpSpPr>
-              <p:cNvPr id="6" name="Grup 5"/>
-              <p:cNvGrpSpPr/>
-              <p:nvPr/>
-            </p:nvGrpSpPr>
-            <p:grpSpPr>
-              <a:xfrm>
-                <a:off x="211667" y="6019800"/>
-                <a:ext cx="5012266" cy="605115"/>
-                <a:chOff x="211667" y="6019800"/>
-                <a:chExt cx="5012266" cy="605115"/>
-              </a:xfrm>
-            </p:grpSpPr>
-            <p:pic>
-              <p:nvPicPr>
-                <p:cNvPr id="4" name="Resim 3"/>
-                <p:cNvPicPr>
-                  <a:picLocks noChangeAspect="1"/>
-                </p:cNvPicPr>
-                <p:nvPr/>
-              </p:nvPicPr>
-              <p:blipFill rotWithShape="1">
-                <a:blip r:embed="rId2" cstate="print">
-                  <a:extLst>
-                    <a:ext uri="{28A0092B-C50C-407E-A947-70E740481C1C}">
-                      <a14:useLocalDpi xmlns:a14="http://schemas.microsoft.com/office/drawing/2010/main" val="0"/>
-                    </a:ext>
-                  </a:extLst>
-                </a:blip>
-                <a:srcRect l="24387" t="8319" r="18355" b="50150"/>
-                <a:stretch/>
-              </p:blipFill>
-              <p:spPr>
-                <a:xfrm>
-                  <a:off x="211667" y="6019800"/>
-                  <a:ext cx="1072095" cy="600892"/>
-                </a:xfrm>
-                <a:prstGeom prst="rect">
-                  <a:avLst/>
-                </a:prstGeom>
-              </p:spPr>
-            </p:pic>
-            <p:sp>
-              <p:nvSpPr>
-                <p:cNvPr id="5" name="Unvan 1"/>
-                <p:cNvSpPr txBox="1">
-                  <a:spLocks/>
-                </p:cNvSpPr>
-                <p:nvPr/>
-              </p:nvSpPr>
-              <p:spPr>
-                <a:xfrm>
-                  <a:off x="1283763" y="6024023"/>
-                  <a:ext cx="3940170" cy="600892"/>
-                </a:xfrm>
-                <a:prstGeom prst="rect">
-                  <a:avLst/>
-                </a:prstGeom>
-              </p:spPr>
-              <p:txBody>
-                <a:bodyPr vert="horz" lIns="91440" tIns="45720" rIns="91440" bIns="45720" rtlCol="0" anchor="b">
-                  <a:noAutofit/>
-                </a:bodyPr>
-                <a:lstStyle>
-                  <a:lvl1pPr algn="ctr" defTabSz="914400" rtl="0" eaLnBrk="1" latinLnBrk="0" hangingPunct="1">
-                    <a:lnSpc>
-                      <a:spcPct val="90000"/>
-                    </a:lnSpc>
-                    <a:spcBef>
-                      <a:spcPct val="0"/>
-                    </a:spcBef>
-                    <a:buNone/>
-                    <a:defRPr sz="6000" kern="1200">
-                      <a:solidFill>
-                        <a:schemeClr val="tx1"/>
-                      </a:solidFill>
-                      <a:latin typeface="+mj-lt"/>
-                      <a:ea typeface="+mj-ea"/>
-                      <a:cs typeface="+mj-cs"/>
-                    </a:defRPr>
-                  </a:lvl1pPr>
-                </a:lstStyle>
-                <a:p>
-                  <a:pPr algn="l"/>
-                  <a:r>
-                    <a:rPr lang="tr-TR" sz="2000" dirty="0" smtClean="0">
-                      <a:solidFill>
-                        <a:srgbClr val="CB171F"/>
-                      </a:solidFill>
-                      <a:latin typeface="Constantia" panose="02030602050306030303" pitchFamily="18" charset="0"/>
-                      <a:ea typeface="Verdana" panose="020B0604030504040204" pitchFamily="34" charset="0"/>
-                      <a:cs typeface="Arial" panose="020B0604020202020204" pitchFamily="34" charset="0"/>
-                    </a:rPr>
-                    <a:t>Veri Bilimi Okulu</a:t>
-                  </a:r>
-                  <a:endParaRPr lang="en-US" sz="2000" dirty="0">
-                    <a:solidFill>
-                      <a:srgbClr val="CB171F"/>
-                    </a:solidFill>
-                    <a:latin typeface="Constantia" panose="02030602050306030303" pitchFamily="18" charset="0"/>
-                    <a:ea typeface="Verdana" panose="020B0604030504040204" pitchFamily="34" charset="0"/>
-                    <a:cs typeface="Arial" panose="020B0604020202020204" pitchFamily="34" charset="0"/>
-                  </a:endParaRPr>
-                </a:p>
-              </p:txBody>
-            </p:sp>
-          </p:grpSp>
-        </p:grpSp>
-        <p:sp>
-          <p:nvSpPr>
-            <p:cNvPr id="12" name="Metin kutusu 11"/>
-            <p:cNvSpPr txBox="1"/>
-            <p:nvPr/>
-          </p:nvSpPr>
-          <p:spPr>
-            <a:xfrm>
-              <a:off x="1582782" y="6493211"/>
-              <a:ext cx="1687468" cy="230832"/>
-            </a:xfrm>
-            <a:prstGeom prst="rect">
-              <a:avLst/>
-            </a:prstGeom>
-            <a:noFill/>
-          </p:spPr>
-          <p:txBody>
-            <a:bodyPr wrap="square" rtlCol="0">
-              <a:spAutoFit/>
-            </a:bodyPr>
-            <a:lstStyle/>
-            <a:p>
-              <a:r>
-                <a:rPr lang="en-US" sz="900" dirty="0" smtClean="0">
-                  <a:solidFill>
-                    <a:srgbClr val="0B8043"/>
-                  </a:solidFill>
-                </a:rPr>
-                <a:t>https:</a:t>
-              </a:r>
-              <a:r>
-                <a:rPr lang="en-US" sz="900" dirty="0" smtClean="0">
-                  <a:solidFill>
-                    <a:schemeClr val="bg1">
-                      <a:lumMod val="50000"/>
-                    </a:schemeClr>
-                  </a:solidFill>
-                </a:rPr>
-                <a:t>//www.veribilimi.co</a:t>
-              </a:r>
-              <a:endParaRPr lang="en-US" sz="900" dirty="0">
-                <a:solidFill>
-                  <a:schemeClr val="bg1">
-                    <a:lumMod val="50000"/>
-                  </a:schemeClr>
-                </a:solidFill>
-              </a:endParaRPr>
-            </a:p>
-          </p:txBody>
-        </p:sp>
-      </p:grpSp>
-      <p:grpSp>
-        <p:nvGrpSpPr>
-          <p:cNvPr id="11" name="Grup 10"/>
-          <p:cNvGrpSpPr/>
-          <p:nvPr/>
-        </p:nvGrpSpPr>
-        <p:grpSpPr>
-          <a:xfrm>
-            <a:off x="9194796" y="6231467"/>
-            <a:ext cx="2802471" cy="457084"/>
-            <a:chOff x="184993" y="5905369"/>
-            <a:chExt cx="5156200" cy="838200"/>
-          </a:xfrm>
-        </p:grpSpPr>
-        <p:sp>
-          <p:nvSpPr>
-            <p:cNvPr id="13" name="Dikdörtgen 12"/>
-            <p:cNvSpPr/>
-            <p:nvPr/>
-          </p:nvSpPr>
-          <p:spPr>
-            <a:xfrm>
-              <a:off x="184993" y="5905369"/>
-              <a:ext cx="5156200" cy="838200"/>
-            </a:xfrm>
-            <a:prstGeom prst="rect">
-              <a:avLst/>
-            </a:prstGeom>
-            <a:solidFill>
-              <a:schemeClr val="bg1">
-                <a:lumMod val="95000"/>
-              </a:schemeClr>
-            </a:solidFill>
-            <a:ln>
-              <a:noFill/>
-            </a:ln>
-          </p:spPr>
-          <p:style>
-            <a:lnRef idx="2">
-              <a:schemeClr val="accent1">
-                <a:shade val="50000"/>
-              </a:schemeClr>
-            </a:lnRef>
-            <a:fillRef idx="1">
-              <a:schemeClr val="accent1"/>
-            </a:fillRef>
-            <a:effectRef idx="0">
-              <a:schemeClr val="accent1"/>
-            </a:effectRef>
-            <a:fontRef idx="minor">
-              <a:schemeClr val="lt1"/>
-            </a:fontRef>
-          </p:style>
-          <p:txBody>
-            <a:bodyPr rtlCol="0" anchor="ctr"/>
-            <a:lstStyle/>
-            <a:p>
-              <a:pPr algn="ctr"/>
-              <a:endParaRPr lang="en-US" sz="2000"/>
-            </a:p>
-          </p:txBody>
-        </p:sp>
-        <p:sp>
-          <p:nvSpPr>
-            <p:cNvPr id="14" name="Unvan 1"/>
-            <p:cNvSpPr txBox="1">
-              <a:spLocks/>
-            </p:cNvSpPr>
-            <p:nvPr/>
-          </p:nvSpPr>
-          <p:spPr>
-            <a:xfrm>
-              <a:off x="302252" y="6024023"/>
-              <a:ext cx="4921678" cy="600892"/>
-            </a:xfrm>
-            <a:prstGeom prst="rect">
-              <a:avLst/>
-            </a:prstGeom>
-          </p:spPr>
-          <p:txBody>
-            <a:bodyPr vert="horz" lIns="91440" tIns="45720" rIns="91440" bIns="45720" rtlCol="0" anchor="b">
-              <a:noAutofit/>
-            </a:bodyPr>
-            <a:lstStyle>
-              <a:lvl1pPr algn="ctr" defTabSz="914400" rtl="0" eaLnBrk="1" latinLnBrk="0" hangingPunct="1">
-                <a:lnSpc>
-                  <a:spcPct val="90000"/>
-                </a:lnSpc>
-                <a:spcBef>
-                  <a:spcPct val="0"/>
-                </a:spcBef>
-                <a:buNone/>
-                <a:defRPr sz="6000" kern="1200">
-                  <a:solidFill>
-                    <a:schemeClr val="tx1"/>
-                  </a:solidFill>
-                  <a:latin typeface="+mj-lt"/>
-                  <a:ea typeface="+mj-ea"/>
-                  <a:cs typeface="+mj-cs"/>
-                </a:defRPr>
-              </a:lvl1pPr>
-            </a:lstStyle>
-            <a:p>
-              <a:pPr algn="l"/>
-              <a:r>
-                <a:rPr lang="tr-TR" sz="2000" dirty="0">
-                  <a:solidFill>
-                    <a:srgbClr val="CB171F"/>
-                  </a:solidFill>
-                  <a:latin typeface="Constantia" panose="02030602050306030303" pitchFamily="18" charset="0"/>
-                  <a:ea typeface="Verdana" panose="020B0604030504040204" pitchFamily="34" charset="0"/>
-                  <a:cs typeface="Arial" panose="020B0604020202020204" pitchFamily="34" charset="0"/>
-                </a:rPr>
-                <a:t>A’dan Z’ye Büyük Veri</a:t>
-              </a:r>
-              <a:endParaRPr lang="en-US" sz="2000" dirty="0">
-                <a:solidFill>
-                  <a:srgbClr val="CB171F"/>
-                </a:solidFill>
-                <a:latin typeface="Constantia" panose="02030602050306030303" pitchFamily="18" charset="0"/>
-                <a:ea typeface="Verdana" panose="020B0604030504040204" pitchFamily="34" charset="0"/>
-                <a:cs typeface="Arial" panose="020B0604020202020204" pitchFamily="34" charset="0"/>
-              </a:endParaRPr>
-            </a:p>
-          </p:txBody>
-        </p:sp>
-      </p:grpSp>
       <p:sp>
         <p:nvSpPr>
           <p:cNvPr id="16" name="Unvan 1"/>
@@ -5175,13 +4277,22 @@
               <a:buChar char="ü"/>
             </a:pPr>
             <a:r>
-              <a:rPr lang="en-US" sz="2400" dirty="0" smtClean="0">
+              <a:rPr lang="en-US" sz="2400" dirty="0">
                 <a:solidFill>
                   <a:srgbClr val="404041"/>
                 </a:solidFill>
                 <a:latin typeface="Roboto"/>
               </a:rPr>
-              <a:t>Resilient </a:t>
+              <a:t>Resilient Distributed</a:t>
+            </a:r>
+            <a:r>
+              <a:rPr lang="tr-TR" sz="2400" dirty="0">
+                <a:solidFill>
+                  <a:srgbClr val="404041"/>
+                </a:solidFill>
+                <a:latin typeface="Roboto"/>
+              </a:rPr>
+              <a:t> </a:t>
             </a:r>
             <a:r>
               <a:rPr lang="en-US" sz="2400" dirty="0">
@@ -5190,27 +4301,9 @@
                 </a:solidFill>
                 <a:latin typeface="Roboto"/>
               </a:rPr>
-              <a:t>Distributed</a:t>
-            </a:r>
-            <a:r>
-              <a:rPr lang="tr-TR" sz="2400" dirty="0">
-                <a:solidFill>
-                  <a:srgbClr val="404041"/>
-                </a:solidFill>
-                <a:latin typeface="Roboto"/>
-              </a:rPr>
-              <a:t> </a:t>
-            </a:r>
-            <a:r>
-              <a:rPr lang="en-US" sz="2400" dirty="0">
-                <a:solidFill>
-                  <a:srgbClr val="404041"/>
-                </a:solidFill>
-                <a:latin typeface="Roboto"/>
-              </a:rPr>
               <a:t>Dataset (RDD) </a:t>
             </a:r>
-            <a:endParaRPr lang="tr-TR" sz="2400" dirty="0" smtClean="0">
+            <a:endParaRPr lang="tr-TR" sz="2400" dirty="0">
               <a:solidFill>
                 <a:srgbClr val="404041"/>
               </a:solidFill>
@@ -5226,7 +4319,7 @@
               <a:buChar char="ü"/>
             </a:pPr>
             <a:r>
-              <a:rPr lang="tr-TR" sz="2400" dirty="0" smtClean="0">
+              <a:rPr lang="tr-TR" sz="2400" dirty="0">
                 <a:solidFill>
                   <a:srgbClr val="404041"/>
                 </a:solidFill>
@@ -5235,7 +4328,7 @@
               <a:t>Bir RDD bir çok </a:t>
             </a:r>
             <a:r>
-              <a:rPr lang="tr-TR" sz="2400" dirty="0" err="1" smtClean="0">
+              <a:rPr lang="tr-TR" sz="2400" dirty="0" err="1">
                 <a:solidFill>
                   <a:srgbClr val="404041"/>
                 </a:solidFill>
@@ -5244,7 +4337,7 @@
               <a:t>immutable</a:t>
             </a:r>
             <a:r>
-              <a:rPr lang="tr-TR" sz="2400" dirty="0" smtClean="0">
+              <a:rPr lang="tr-TR" sz="2400" dirty="0">
                 <a:solidFill>
                   <a:srgbClr val="404041"/>
                 </a:solidFill>
@@ -5253,7 +4346,7 @@
               <a:t> (sabit, değişmez) nesne yığınlarından oluşur</a:t>
             </a:r>
             <a:r>
-              <a:rPr lang="en-US" sz="2400" dirty="0" smtClean="0">
+              <a:rPr lang="en-US" sz="2400" dirty="0">
                 <a:solidFill>
                   <a:srgbClr val="404041"/>
                 </a:solidFill>
@@ -5261,7 +4354,7 @@
               </a:rPr>
               <a:t>.</a:t>
             </a:r>
-            <a:endParaRPr lang="tr-TR" sz="2400" dirty="0" smtClean="0">
+            <a:endParaRPr lang="tr-TR" sz="2400" dirty="0">
               <a:solidFill>
                 <a:srgbClr val="404041"/>
               </a:solidFill>
@@ -5277,7 +4370,7 @@
               <a:buChar char="ü"/>
             </a:pPr>
             <a:r>
-              <a:rPr lang="tr-TR" sz="2400" dirty="0" err="1" smtClean="0">
+              <a:rPr lang="tr-TR" sz="2400" dirty="0" err="1">
                 <a:solidFill>
                   <a:srgbClr val="404041"/>
                 </a:solidFill>
@@ -5286,7 +4379,7 @@
               <a:t>Spark’ta</a:t>
             </a:r>
             <a:r>
-              <a:rPr lang="tr-TR" sz="2400" dirty="0" smtClean="0">
+              <a:rPr lang="tr-TR" sz="2400" dirty="0">
                 <a:solidFill>
                   <a:srgbClr val="404041"/>
                 </a:solidFill>
@@ -5304,7 +4397,7 @@
               <a:buChar char="ü"/>
             </a:pPr>
             <a:r>
-              <a:rPr lang="tr-TR" sz="2400" dirty="0" smtClean="0">
+              <a:rPr lang="tr-TR" sz="2400" dirty="0">
                 <a:solidFill>
                   <a:srgbClr val="404041"/>
                 </a:solidFill>
@@ -5322,7 +4415,7 @@
               <a:buChar char="ü"/>
             </a:pPr>
             <a:r>
-              <a:rPr lang="tr-TR" sz="2400" dirty="0" smtClean="0">
+              <a:rPr lang="tr-TR" sz="2400" dirty="0">
                 <a:solidFill>
                   <a:srgbClr val="404041"/>
                 </a:solidFill>
@@ -5331,7 +4424,7 @@
               <a:t>Mevcut bir </a:t>
             </a:r>
             <a:r>
-              <a:rPr lang="tr-TR" sz="2400" dirty="0" err="1" smtClean="0">
+              <a:rPr lang="tr-TR" sz="2400" dirty="0" err="1">
                 <a:solidFill>
                   <a:srgbClr val="404041"/>
                 </a:solidFill>
@@ -5340,7 +4433,7 @@
               <a:t>RDD’yi</a:t>
             </a:r>
             <a:r>
-              <a:rPr lang="tr-TR" sz="2400" dirty="0" smtClean="0">
+              <a:rPr lang="tr-TR" sz="2400" dirty="0">
                 <a:solidFill>
                   <a:srgbClr val="404041"/>
                 </a:solidFill>
@@ -5349,7 +4442,7 @@
               <a:t> başka bir </a:t>
             </a:r>
             <a:r>
-              <a:rPr lang="tr-TR" sz="2400" dirty="0" err="1" smtClean="0">
+              <a:rPr lang="tr-TR" sz="2400" dirty="0" err="1">
                 <a:solidFill>
                   <a:srgbClr val="404041"/>
                 </a:solidFill>
@@ -5358,7 +4451,7 @@
               <a:t>RDD’ye</a:t>
             </a:r>
             <a:r>
-              <a:rPr lang="tr-TR" sz="2400" dirty="0" smtClean="0">
+              <a:rPr lang="tr-TR" sz="2400" dirty="0">
                 <a:solidFill>
                   <a:srgbClr val="404041"/>
                 </a:solidFill>
@@ -5376,7 +4469,7 @@
               <a:buChar char="ü"/>
             </a:pPr>
             <a:r>
-              <a:rPr lang="tr-TR" sz="2400" dirty="0" err="1" smtClean="0">
+              <a:rPr lang="tr-TR" sz="2400" dirty="0" err="1">
                 <a:solidFill>
                   <a:srgbClr val="404041"/>
                 </a:solidFill>
@@ -5385,7 +4478,7 @@
               <a:t>RDD’ler</a:t>
             </a:r>
             <a:r>
-              <a:rPr lang="tr-TR" sz="2400" dirty="0" smtClean="0">
+              <a:rPr lang="tr-TR" sz="2400" dirty="0">
                 <a:solidFill>
                   <a:srgbClr val="404041"/>
                 </a:solidFill>
@@ -5403,7 +4496,7 @@
               <a:buChar char="ü"/>
             </a:pPr>
             <a:r>
-              <a:rPr lang="tr-TR" sz="2400" dirty="0" smtClean="0">
+              <a:rPr lang="tr-TR" sz="2400" dirty="0">
                 <a:solidFill>
                   <a:srgbClr val="404041"/>
                 </a:solidFill>
@@ -5412,7 +4505,7 @@
               <a:t>Nesne yığınları/parçalar, </a:t>
             </a:r>
             <a:r>
-              <a:rPr lang="tr-TR" sz="2400" dirty="0" err="1" smtClean="0">
+              <a:rPr lang="tr-TR" sz="2400" dirty="0" err="1">
                 <a:solidFill>
                   <a:srgbClr val="404041"/>
                 </a:solidFill>
@@ -5421,7 +4514,7 @@
               <a:t>cluster</a:t>
             </a:r>
             <a:r>
-              <a:rPr lang="tr-TR" sz="2400" dirty="0" smtClean="0">
+              <a:rPr lang="tr-TR" sz="2400" dirty="0">
                 <a:solidFill>
                   <a:srgbClr val="404041"/>
                 </a:solidFill>
@@ -5429,12 +4522,6 @@
               </a:rPr>
               <a:t> üzerinde dağıtılır.</a:t>
             </a:r>
-            <a:endParaRPr lang="tr-TR" sz="2400" dirty="0" smtClean="0">
-              <a:solidFill>
-                <a:srgbClr val="404041"/>
-              </a:solidFill>
-              <a:latin typeface="Roboto"/>
-            </a:endParaRPr>
           </a:p>
         </p:txBody>
       </p:sp>
@@ -5448,13 +4535,6 @@
   <p:clrMapOvr>
     <a:masterClrMapping/>
   </p:clrMapOvr>
-  <p:timing>
-    <p:tnLst>
-      <p:par>
-        <p:cTn id="1" dur="indefinite" restart="never" nodeType="tmRoot"/>
-      </p:par>
-    </p:tnLst>
-  </p:timing>
 </p:sld>
 </file>
 
@@ -5512,369 +4592,6 @@
           </a:fontRef>
         </p:style>
       </p:cxnSp>
-      <p:grpSp>
-        <p:nvGrpSpPr>
-          <p:cNvPr id="15" name="Grup 14"/>
-          <p:cNvGrpSpPr/>
-          <p:nvPr/>
-        </p:nvGrpSpPr>
-        <p:grpSpPr>
-          <a:xfrm>
-            <a:off x="228596" y="6231467"/>
-            <a:ext cx="3041654" cy="492576"/>
-            <a:chOff x="228596" y="6231467"/>
-            <a:chExt cx="3041654" cy="492576"/>
-          </a:xfrm>
-        </p:grpSpPr>
-        <p:grpSp>
-          <p:nvGrpSpPr>
-            <p:cNvPr id="8" name="Grup 7"/>
-            <p:cNvGrpSpPr/>
-            <p:nvPr/>
-          </p:nvGrpSpPr>
-          <p:grpSpPr>
-            <a:xfrm>
-              <a:off x="228596" y="6231467"/>
-              <a:ext cx="2802471" cy="457084"/>
-              <a:chOff x="127000" y="5901146"/>
-              <a:chExt cx="5156200" cy="838200"/>
-            </a:xfrm>
-          </p:grpSpPr>
-          <p:sp>
-            <p:nvSpPr>
-              <p:cNvPr id="7" name="Dikdörtgen 6"/>
-              <p:cNvSpPr/>
-              <p:nvPr/>
-            </p:nvSpPr>
-            <p:spPr>
-              <a:xfrm>
-                <a:off x="127000" y="5901146"/>
-                <a:ext cx="5156200" cy="838200"/>
-              </a:xfrm>
-              <a:prstGeom prst="rect">
-                <a:avLst/>
-              </a:prstGeom>
-              <a:solidFill>
-                <a:schemeClr val="bg1">
-                  <a:lumMod val="95000"/>
-                </a:schemeClr>
-              </a:solidFill>
-              <a:ln>
-                <a:noFill/>
-              </a:ln>
-            </p:spPr>
-            <p:style>
-              <a:lnRef idx="2">
-                <a:schemeClr val="accent1">
-                  <a:shade val="50000"/>
-                </a:schemeClr>
-              </a:lnRef>
-              <a:fillRef idx="1">
-                <a:schemeClr val="accent1"/>
-              </a:fillRef>
-              <a:effectRef idx="0">
-                <a:schemeClr val="accent1"/>
-              </a:effectRef>
-              <a:fontRef idx="minor">
-                <a:schemeClr val="lt1"/>
-              </a:fontRef>
-            </p:style>
-            <p:txBody>
-              <a:bodyPr rtlCol="0" anchor="ctr"/>
-              <a:lstStyle/>
-              <a:p>
-                <a:pPr algn="ctr"/>
-                <a:endParaRPr lang="en-US" sz="2000"/>
-              </a:p>
-            </p:txBody>
-          </p:sp>
-          <p:grpSp>
-            <p:nvGrpSpPr>
-              <p:cNvPr id="6" name="Grup 5"/>
-              <p:cNvGrpSpPr/>
-              <p:nvPr/>
-            </p:nvGrpSpPr>
-            <p:grpSpPr>
-              <a:xfrm>
-                <a:off x="211667" y="6019800"/>
-                <a:ext cx="5012266" cy="605115"/>
-                <a:chOff x="211667" y="6019800"/>
-                <a:chExt cx="5012266" cy="605115"/>
-              </a:xfrm>
-            </p:grpSpPr>
-            <p:pic>
-              <p:nvPicPr>
-                <p:cNvPr id="4" name="Resim 3"/>
-                <p:cNvPicPr>
-                  <a:picLocks noChangeAspect="1"/>
-                </p:cNvPicPr>
-                <p:nvPr/>
-              </p:nvPicPr>
-              <p:blipFill rotWithShape="1">
-                <a:blip r:embed="rId2" cstate="print">
-                  <a:extLst>
-                    <a:ext uri="{28A0092B-C50C-407E-A947-70E740481C1C}">
-                      <a14:useLocalDpi xmlns:a14="http://schemas.microsoft.com/office/drawing/2010/main" val="0"/>
-                    </a:ext>
-                  </a:extLst>
-                </a:blip>
-                <a:srcRect l="24387" t="8319" r="18355" b="50150"/>
-                <a:stretch/>
-              </p:blipFill>
-              <p:spPr>
-                <a:xfrm>
-                  <a:off x="211667" y="6019800"/>
-                  <a:ext cx="1072095" cy="600892"/>
-                </a:xfrm>
-                <a:prstGeom prst="rect">
-                  <a:avLst/>
-                </a:prstGeom>
-              </p:spPr>
-            </p:pic>
-            <p:sp>
-              <p:nvSpPr>
-                <p:cNvPr id="5" name="Unvan 1"/>
-                <p:cNvSpPr txBox="1">
-                  <a:spLocks/>
-                </p:cNvSpPr>
-                <p:nvPr/>
-              </p:nvSpPr>
-              <p:spPr>
-                <a:xfrm>
-                  <a:off x="1283763" y="6024023"/>
-                  <a:ext cx="3940170" cy="600892"/>
-                </a:xfrm>
-                <a:prstGeom prst="rect">
-                  <a:avLst/>
-                </a:prstGeom>
-              </p:spPr>
-              <p:txBody>
-                <a:bodyPr vert="horz" lIns="91440" tIns="45720" rIns="91440" bIns="45720" rtlCol="0" anchor="b">
-                  <a:noAutofit/>
-                </a:bodyPr>
-                <a:lstStyle>
-                  <a:lvl1pPr algn="ctr" defTabSz="914400" rtl="0" eaLnBrk="1" latinLnBrk="0" hangingPunct="1">
-                    <a:lnSpc>
-                      <a:spcPct val="90000"/>
-                    </a:lnSpc>
-                    <a:spcBef>
-                      <a:spcPct val="0"/>
-                    </a:spcBef>
-                    <a:buNone/>
-                    <a:defRPr sz="6000" kern="1200">
-                      <a:solidFill>
-                        <a:schemeClr val="tx1"/>
-                      </a:solidFill>
-                      <a:latin typeface="+mj-lt"/>
-                      <a:ea typeface="+mj-ea"/>
-                      <a:cs typeface="+mj-cs"/>
-                    </a:defRPr>
-                  </a:lvl1pPr>
-                </a:lstStyle>
-                <a:p>
-                  <a:pPr algn="l"/>
-                  <a:r>
-                    <a:rPr lang="tr-TR" sz="2000" dirty="0" smtClean="0">
-                      <a:solidFill>
-                        <a:srgbClr val="CB171F"/>
-                      </a:solidFill>
-                      <a:latin typeface="Constantia" panose="02030602050306030303" pitchFamily="18" charset="0"/>
-                      <a:ea typeface="Verdana" panose="020B0604030504040204" pitchFamily="34" charset="0"/>
-                      <a:cs typeface="Arial" panose="020B0604020202020204" pitchFamily="34" charset="0"/>
-                    </a:rPr>
-                    <a:t>Veri Bilimi Okulu</a:t>
-                  </a:r>
-                  <a:endParaRPr lang="en-US" sz="2000" dirty="0">
-                    <a:solidFill>
-                      <a:srgbClr val="CB171F"/>
-                    </a:solidFill>
-                    <a:latin typeface="Constantia" panose="02030602050306030303" pitchFamily="18" charset="0"/>
-                    <a:ea typeface="Verdana" panose="020B0604030504040204" pitchFamily="34" charset="0"/>
-                    <a:cs typeface="Arial" panose="020B0604020202020204" pitchFamily="34" charset="0"/>
-                  </a:endParaRPr>
-                </a:p>
-              </p:txBody>
-            </p:sp>
-          </p:grpSp>
-        </p:grpSp>
-        <p:sp>
-          <p:nvSpPr>
-            <p:cNvPr id="12" name="Metin kutusu 11"/>
-            <p:cNvSpPr txBox="1"/>
-            <p:nvPr/>
-          </p:nvSpPr>
-          <p:spPr>
-            <a:xfrm>
-              <a:off x="1582782" y="6493211"/>
-              <a:ext cx="1687468" cy="230832"/>
-            </a:xfrm>
-            <a:prstGeom prst="rect">
-              <a:avLst/>
-            </a:prstGeom>
-            <a:noFill/>
-          </p:spPr>
-          <p:txBody>
-            <a:bodyPr wrap="square" rtlCol="0">
-              <a:spAutoFit/>
-            </a:bodyPr>
-            <a:lstStyle/>
-            <a:p>
-              <a:r>
-                <a:rPr lang="en-US" sz="900" dirty="0" smtClean="0">
-                  <a:solidFill>
-                    <a:srgbClr val="0B8043"/>
-                  </a:solidFill>
-                </a:rPr>
-                <a:t>https:</a:t>
-              </a:r>
-              <a:r>
-                <a:rPr lang="en-US" sz="900" dirty="0" smtClean="0">
-                  <a:solidFill>
-                    <a:schemeClr val="bg1">
-                      <a:lumMod val="50000"/>
-                    </a:schemeClr>
-                  </a:solidFill>
-                </a:rPr>
-                <a:t>//www.veribilimi.co</a:t>
-              </a:r>
-              <a:endParaRPr lang="en-US" sz="900" dirty="0">
-                <a:solidFill>
-                  <a:schemeClr val="bg1">
-                    <a:lumMod val="50000"/>
-                  </a:schemeClr>
-                </a:solidFill>
-              </a:endParaRPr>
-            </a:p>
-          </p:txBody>
-        </p:sp>
-      </p:grpSp>
-      <p:grpSp>
-        <p:nvGrpSpPr>
-          <p:cNvPr id="11" name="Grup 10"/>
-          <p:cNvGrpSpPr/>
-          <p:nvPr/>
-        </p:nvGrpSpPr>
-        <p:grpSpPr>
-          <a:xfrm>
-            <a:off x="9194796" y="6231467"/>
-            <a:ext cx="2802471" cy="457084"/>
-            <a:chOff x="184993" y="5905369"/>
-            <a:chExt cx="5156200" cy="838200"/>
-          </a:xfrm>
-        </p:grpSpPr>
-        <p:sp>
-          <p:nvSpPr>
-            <p:cNvPr id="13" name="Dikdörtgen 12"/>
-            <p:cNvSpPr/>
-            <p:nvPr/>
-          </p:nvSpPr>
-          <p:spPr>
-            <a:xfrm>
-              <a:off x="184993" y="5905369"/>
-              <a:ext cx="5156200" cy="838200"/>
-            </a:xfrm>
-            <a:prstGeom prst="rect">
-              <a:avLst/>
-            </a:prstGeom>
-            <a:solidFill>
-              <a:schemeClr val="bg1">
-                <a:lumMod val="95000"/>
-              </a:schemeClr>
-            </a:solidFill>
-            <a:ln>
-              <a:noFill/>
-            </a:ln>
-          </p:spPr>
-          <p:style>
-            <a:lnRef idx="2">
-              <a:schemeClr val="accent1">
-                <a:shade val="50000"/>
-              </a:schemeClr>
-            </a:lnRef>
-            <a:fillRef idx="1">
-              <a:schemeClr val="accent1"/>
-            </a:fillRef>
-            <a:effectRef idx="0">
-              <a:schemeClr val="accent1"/>
-            </a:effectRef>
-            <a:fontRef idx="minor">
-              <a:schemeClr val="lt1"/>
-            </a:fontRef>
-          </p:style>
-          <p:txBody>
-            <a:bodyPr rtlCol="0" anchor="ctr"/>
-            <a:lstStyle/>
-            <a:p>
-              <a:pPr algn="ctr"/>
-              <a:endParaRPr lang="en-US" sz="2000"/>
-            </a:p>
-          </p:txBody>
-        </p:sp>
-        <p:sp>
-          <p:nvSpPr>
-            <p:cNvPr id="14" name="Unvan 1"/>
-            <p:cNvSpPr txBox="1">
-              <a:spLocks/>
-            </p:cNvSpPr>
-            <p:nvPr/>
-          </p:nvSpPr>
-          <p:spPr>
-            <a:xfrm>
-              <a:off x="302252" y="6024023"/>
-              <a:ext cx="4921678" cy="600892"/>
-            </a:xfrm>
-            <a:prstGeom prst="rect">
-              <a:avLst/>
-            </a:prstGeom>
-          </p:spPr>
-          <p:txBody>
-            <a:bodyPr vert="horz" lIns="91440" tIns="45720" rIns="91440" bIns="45720" rtlCol="0" anchor="b">
-              <a:noAutofit/>
-            </a:bodyPr>
-            <a:lstStyle>
-              <a:lvl1pPr algn="ctr" defTabSz="914400" rtl="0" eaLnBrk="1" latinLnBrk="0" hangingPunct="1">
-                <a:lnSpc>
-                  <a:spcPct val="90000"/>
-                </a:lnSpc>
-                <a:spcBef>
-                  <a:spcPct val="0"/>
-                </a:spcBef>
-                <a:buNone/>
-                <a:defRPr sz="6000" kern="1200">
-                  <a:solidFill>
-                    <a:schemeClr val="tx1"/>
-                  </a:solidFill>
-                  <a:latin typeface="+mj-lt"/>
-                  <a:ea typeface="+mj-ea"/>
-                  <a:cs typeface="+mj-cs"/>
-                </a:defRPr>
-              </a:lvl1pPr>
-            </a:lstStyle>
-            <a:p>
-              <a:pPr algn="l"/>
-              <a:r>
-                <a:rPr lang="tr-TR" sz="2000" dirty="0">
-                  <a:solidFill>
-                    <a:srgbClr val="CB171F"/>
-                  </a:solidFill>
-                  <a:latin typeface="Constantia" panose="02030602050306030303" pitchFamily="18" charset="0"/>
-                  <a:ea typeface="Verdana" panose="020B0604030504040204" pitchFamily="34" charset="0"/>
-                  <a:cs typeface="Arial" panose="020B0604020202020204" pitchFamily="34" charset="0"/>
-                </a:rPr>
-                <a:t>A’dan Z’ye Büyük Veri</a:t>
-              </a:r>
-              <a:endParaRPr lang="en-US" sz="2000" dirty="0">
-                <a:solidFill>
-                  <a:srgbClr val="CB171F"/>
-                </a:solidFill>
-                <a:latin typeface="Constantia" panose="02030602050306030303" pitchFamily="18" charset="0"/>
-                <a:ea typeface="Verdana" panose="020B0604030504040204" pitchFamily="34" charset="0"/>
-                <a:cs typeface="Arial" panose="020B0604020202020204" pitchFamily="34" charset="0"/>
-              </a:endParaRPr>
-            </a:p>
-          </p:txBody>
-        </p:sp>
-      </p:grpSp>
       <p:sp>
         <p:nvSpPr>
           <p:cNvPr id="16" name="Unvan 1"/>
@@ -5898,7 +4615,7 @@
           <a:lstStyle/>
           <a:p>
             <a:r>
-              <a:rPr lang="tr-TR" sz="4200" b="1" dirty="0" smtClean="0">
+              <a:rPr lang="tr-TR" sz="4200" b="1" dirty="0">
                 <a:solidFill>
                   <a:srgbClr val="CD1F26"/>
                 </a:solidFill>
@@ -5948,7 +4665,7 @@
               <a:buChar char="ü"/>
             </a:pPr>
             <a:r>
-              <a:rPr lang="tr-TR" sz="2400" dirty="0" smtClean="0">
+              <a:rPr lang="tr-TR" sz="2400" dirty="0">
                 <a:solidFill>
                   <a:srgbClr val="404041"/>
                 </a:solidFill>
@@ -6044,19 +4761,10 @@
                 </a:solidFill>
                 <a:latin typeface="Consolas" panose="020B0609020204030204" pitchFamily="49" charset="0"/>
               </a:rPr>
-              <a:t>/benimDosyam.txt</a:t>
-            </a:r>
-            <a:r>
-              <a:rPr lang="tr-TR" sz="2400" dirty="0" smtClean="0">
-                <a:solidFill>
-                  <a:prstClr val="black"/>
-                </a:solidFill>
-                <a:latin typeface="Consolas" panose="020B0609020204030204" pitchFamily="49" charset="0"/>
-              </a:rPr>
-              <a:t>"</a:t>
-            </a:r>
-            <a:r>
-              <a:rPr lang="tr-TR" sz="2400" dirty="0" smtClean="0">
+              <a:t>/benimDosyam.txt"</a:t>
+            </a:r>
+            <a:r>
+              <a:rPr lang="tr-TR" sz="2400" dirty="0">
                 <a:solidFill>
                   <a:srgbClr val="404041"/>
                 </a:solidFill>
@@ -6064,7 +4772,7 @@
               </a:rPr>
               <a:t>)</a:t>
             </a:r>
-            <a:endParaRPr lang="tr-TR" sz="2400" dirty="0" smtClean="0">
+            <a:endParaRPr lang="tr-TR" sz="2400" dirty="0">
               <a:solidFill>
                 <a:srgbClr val="404041"/>
               </a:solidFill>
@@ -6079,7 +4787,7 @@
               <a:buFont typeface="Wingdings" panose="05000000000000000000" pitchFamily="2" charset="2"/>
               <a:buChar char="ü"/>
             </a:pPr>
-            <a:endParaRPr lang="tr-TR" sz="2400" dirty="0" smtClean="0">
+            <a:endParaRPr lang="tr-TR" sz="2400" dirty="0">
               <a:solidFill>
                 <a:srgbClr val="404041"/>
               </a:solidFill>
@@ -6095,7 +4803,7 @@
               <a:buChar char="ü"/>
             </a:pPr>
             <a:r>
-              <a:rPr lang="tr-TR" sz="2400" dirty="0" smtClean="0">
+              <a:rPr lang="tr-TR" sz="2400" dirty="0">
                 <a:solidFill>
                   <a:srgbClr val="404041"/>
                 </a:solidFill>
@@ -6104,7 +4812,7 @@
               <a:t>Mevcut bir veriyi parçalayıp </a:t>
             </a:r>
             <a:r>
-              <a:rPr lang="tr-TR" sz="2400" dirty="0" err="1" smtClean="0">
+              <a:rPr lang="tr-TR" sz="2400" dirty="0" err="1">
                 <a:solidFill>
                   <a:srgbClr val="404041"/>
                 </a:solidFill>
@@ -6113,7 +4821,7 @@
               <a:t>cluster</a:t>
             </a:r>
             <a:r>
-              <a:rPr lang="tr-TR" sz="2400" dirty="0" smtClean="0">
+              <a:rPr lang="tr-TR" sz="2400" dirty="0">
                 <a:solidFill>
                   <a:srgbClr val="404041"/>
                 </a:solidFill>
@@ -6202,7 +4910,7 @@
               </a:rPr>
               <a:t>(1,2,3,4,5,6,7,8))</a:t>
             </a:r>
-            <a:endParaRPr lang="tr-TR" sz="2400" dirty="0" smtClean="0">
+            <a:endParaRPr lang="tr-TR" sz="2400" dirty="0">
               <a:solidFill>
                 <a:srgbClr val="404041"/>
               </a:solidFill>
@@ -6217,7 +4925,7 @@
               <a:buFont typeface="Wingdings" panose="05000000000000000000" pitchFamily="2" charset="2"/>
               <a:buChar char="ü"/>
             </a:pPr>
-            <a:endParaRPr lang="tr-TR" sz="2400" dirty="0" smtClean="0">
+            <a:endParaRPr lang="tr-TR" sz="2400" dirty="0">
               <a:solidFill>
                 <a:srgbClr val="404041"/>
               </a:solidFill>
@@ -6236,13 +4944,6 @@
   <p:clrMapOvr>
     <a:masterClrMapping/>
   </p:clrMapOvr>
-  <p:timing>
-    <p:tnLst>
-      <p:par>
-        <p:cTn id="1" dur="indefinite" restart="never" nodeType="tmRoot"/>
-      </p:par>
-    </p:tnLst>
-  </p:timing>
 </p:sld>
 </file>
 
@@ -6300,369 +5001,6 @@
           </a:fontRef>
         </p:style>
       </p:cxnSp>
-      <p:grpSp>
-        <p:nvGrpSpPr>
-          <p:cNvPr id="15" name="Grup 14"/>
-          <p:cNvGrpSpPr/>
-          <p:nvPr/>
-        </p:nvGrpSpPr>
-        <p:grpSpPr>
-          <a:xfrm>
-            <a:off x="228596" y="6231467"/>
-            <a:ext cx="3041654" cy="492576"/>
-            <a:chOff x="228596" y="6231467"/>
-            <a:chExt cx="3041654" cy="492576"/>
-          </a:xfrm>
-        </p:grpSpPr>
-        <p:grpSp>
-          <p:nvGrpSpPr>
-            <p:cNvPr id="8" name="Grup 7"/>
-            <p:cNvGrpSpPr/>
-            <p:nvPr/>
-          </p:nvGrpSpPr>
-          <p:grpSpPr>
-            <a:xfrm>
-              <a:off x="228596" y="6231467"/>
-              <a:ext cx="2802471" cy="457084"/>
-              <a:chOff x="127000" y="5901146"/>
-              <a:chExt cx="5156200" cy="838200"/>
-            </a:xfrm>
-          </p:grpSpPr>
-          <p:sp>
-            <p:nvSpPr>
-              <p:cNvPr id="7" name="Dikdörtgen 6"/>
-              <p:cNvSpPr/>
-              <p:nvPr/>
-            </p:nvSpPr>
-            <p:spPr>
-              <a:xfrm>
-                <a:off x="127000" y="5901146"/>
-                <a:ext cx="5156200" cy="838200"/>
-              </a:xfrm>
-              <a:prstGeom prst="rect">
-                <a:avLst/>
-              </a:prstGeom>
-              <a:solidFill>
-                <a:schemeClr val="bg1">
-                  <a:lumMod val="95000"/>
-                </a:schemeClr>
-              </a:solidFill>
-              <a:ln>
-                <a:noFill/>
-              </a:ln>
-            </p:spPr>
-            <p:style>
-              <a:lnRef idx="2">
-                <a:schemeClr val="accent1">
-                  <a:shade val="50000"/>
-                </a:schemeClr>
-              </a:lnRef>
-              <a:fillRef idx="1">
-                <a:schemeClr val="accent1"/>
-              </a:fillRef>
-              <a:effectRef idx="0">
-                <a:schemeClr val="accent1"/>
-              </a:effectRef>
-              <a:fontRef idx="minor">
-                <a:schemeClr val="lt1"/>
-              </a:fontRef>
-            </p:style>
-            <p:txBody>
-              <a:bodyPr rtlCol="0" anchor="ctr"/>
-              <a:lstStyle/>
-              <a:p>
-                <a:pPr algn="ctr"/>
-                <a:endParaRPr lang="en-US" sz="2000"/>
-              </a:p>
-            </p:txBody>
-          </p:sp>
-          <p:grpSp>
-            <p:nvGrpSpPr>
-              <p:cNvPr id="6" name="Grup 5"/>
-              <p:cNvGrpSpPr/>
-              <p:nvPr/>
-            </p:nvGrpSpPr>
-            <p:grpSpPr>
-              <a:xfrm>
-                <a:off x="211667" y="6019800"/>
-                <a:ext cx="5012266" cy="605115"/>
-                <a:chOff x="211667" y="6019800"/>
-                <a:chExt cx="5012266" cy="605115"/>
-              </a:xfrm>
-            </p:grpSpPr>
-            <p:pic>
-              <p:nvPicPr>
-                <p:cNvPr id="4" name="Resim 3"/>
-                <p:cNvPicPr>
-                  <a:picLocks noChangeAspect="1"/>
-                </p:cNvPicPr>
-                <p:nvPr/>
-              </p:nvPicPr>
-              <p:blipFill rotWithShape="1">
-                <a:blip r:embed="rId2" cstate="print">
-                  <a:extLst>
-                    <a:ext uri="{28A0092B-C50C-407E-A947-70E740481C1C}">
-                      <a14:useLocalDpi xmlns:a14="http://schemas.microsoft.com/office/drawing/2010/main" val="0"/>
-                    </a:ext>
-                  </a:extLst>
-                </a:blip>
-                <a:srcRect l="24387" t="8319" r="18355" b="50150"/>
-                <a:stretch/>
-              </p:blipFill>
-              <p:spPr>
-                <a:xfrm>
-                  <a:off x="211667" y="6019800"/>
-                  <a:ext cx="1072095" cy="600892"/>
-                </a:xfrm>
-                <a:prstGeom prst="rect">
-                  <a:avLst/>
-                </a:prstGeom>
-              </p:spPr>
-            </p:pic>
-            <p:sp>
-              <p:nvSpPr>
-                <p:cNvPr id="5" name="Unvan 1"/>
-                <p:cNvSpPr txBox="1">
-                  <a:spLocks/>
-                </p:cNvSpPr>
-                <p:nvPr/>
-              </p:nvSpPr>
-              <p:spPr>
-                <a:xfrm>
-                  <a:off x="1283763" y="6024023"/>
-                  <a:ext cx="3940170" cy="600892"/>
-                </a:xfrm>
-                <a:prstGeom prst="rect">
-                  <a:avLst/>
-                </a:prstGeom>
-              </p:spPr>
-              <p:txBody>
-                <a:bodyPr vert="horz" lIns="91440" tIns="45720" rIns="91440" bIns="45720" rtlCol="0" anchor="b">
-                  <a:noAutofit/>
-                </a:bodyPr>
-                <a:lstStyle>
-                  <a:lvl1pPr algn="ctr" defTabSz="914400" rtl="0" eaLnBrk="1" latinLnBrk="0" hangingPunct="1">
-                    <a:lnSpc>
-                      <a:spcPct val="90000"/>
-                    </a:lnSpc>
-                    <a:spcBef>
-                      <a:spcPct val="0"/>
-                    </a:spcBef>
-                    <a:buNone/>
-                    <a:defRPr sz="6000" kern="1200">
-                      <a:solidFill>
-                        <a:schemeClr val="tx1"/>
-                      </a:solidFill>
-                      <a:latin typeface="+mj-lt"/>
-                      <a:ea typeface="+mj-ea"/>
-                      <a:cs typeface="+mj-cs"/>
-                    </a:defRPr>
-                  </a:lvl1pPr>
-                </a:lstStyle>
-                <a:p>
-                  <a:pPr algn="l"/>
-                  <a:r>
-                    <a:rPr lang="tr-TR" sz="2000" dirty="0" smtClean="0">
-                      <a:solidFill>
-                        <a:srgbClr val="CB171F"/>
-                      </a:solidFill>
-                      <a:latin typeface="Constantia" panose="02030602050306030303" pitchFamily="18" charset="0"/>
-                      <a:ea typeface="Verdana" panose="020B0604030504040204" pitchFamily="34" charset="0"/>
-                      <a:cs typeface="Arial" panose="020B0604020202020204" pitchFamily="34" charset="0"/>
-                    </a:rPr>
-                    <a:t>Veri Bilimi Okulu</a:t>
-                  </a:r>
-                  <a:endParaRPr lang="en-US" sz="2000" dirty="0">
-                    <a:solidFill>
-                      <a:srgbClr val="CB171F"/>
-                    </a:solidFill>
-                    <a:latin typeface="Constantia" panose="02030602050306030303" pitchFamily="18" charset="0"/>
-                    <a:ea typeface="Verdana" panose="020B0604030504040204" pitchFamily="34" charset="0"/>
-                    <a:cs typeface="Arial" panose="020B0604020202020204" pitchFamily="34" charset="0"/>
-                  </a:endParaRPr>
-                </a:p>
-              </p:txBody>
-            </p:sp>
-          </p:grpSp>
-        </p:grpSp>
-        <p:sp>
-          <p:nvSpPr>
-            <p:cNvPr id="12" name="Metin kutusu 11"/>
-            <p:cNvSpPr txBox="1"/>
-            <p:nvPr/>
-          </p:nvSpPr>
-          <p:spPr>
-            <a:xfrm>
-              <a:off x="1582782" y="6493211"/>
-              <a:ext cx="1687468" cy="230832"/>
-            </a:xfrm>
-            <a:prstGeom prst="rect">
-              <a:avLst/>
-            </a:prstGeom>
-            <a:noFill/>
-          </p:spPr>
-          <p:txBody>
-            <a:bodyPr wrap="square" rtlCol="0">
-              <a:spAutoFit/>
-            </a:bodyPr>
-            <a:lstStyle/>
-            <a:p>
-              <a:r>
-                <a:rPr lang="en-US" sz="900" dirty="0" smtClean="0">
-                  <a:solidFill>
-                    <a:srgbClr val="0B8043"/>
-                  </a:solidFill>
-                </a:rPr>
-                <a:t>https:</a:t>
-              </a:r>
-              <a:r>
-                <a:rPr lang="en-US" sz="900" dirty="0" smtClean="0">
-                  <a:solidFill>
-                    <a:schemeClr val="bg1">
-                      <a:lumMod val="50000"/>
-                    </a:schemeClr>
-                  </a:solidFill>
-                </a:rPr>
-                <a:t>//www.veribilimi.co</a:t>
-              </a:r>
-              <a:endParaRPr lang="en-US" sz="900" dirty="0">
-                <a:solidFill>
-                  <a:schemeClr val="bg1">
-                    <a:lumMod val="50000"/>
-                  </a:schemeClr>
-                </a:solidFill>
-              </a:endParaRPr>
-            </a:p>
-          </p:txBody>
-        </p:sp>
-      </p:grpSp>
-      <p:grpSp>
-        <p:nvGrpSpPr>
-          <p:cNvPr id="11" name="Grup 10"/>
-          <p:cNvGrpSpPr/>
-          <p:nvPr/>
-        </p:nvGrpSpPr>
-        <p:grpSpPr>
-          <a:xfrm>
-            <a:off x="9194796" y="6231467"/>
-            <a:ext cx="2802471" cy="457084"/>
-            <a:chOff x="184993" y="5905369"/>
-            <a:chExt cx="5156200" cy="838200"/>
-          </a:xfrm>
-        </p:grpSpPr>
-        <p:sp>
-          <p:nvSpPr>
-            <p:cNvPr id="13" name="Dikdörtgen 12"/>
-            <p:cNvSpPr/>
-            <p:nvPr/>
-          </p:nvSpPr>
-          <p:spPr>
-            <a:xfrm>
-              <a:off x="184993" y="5905369"/>
-              <a:ext cx="5156200" cy="838200"/>
-            </a:xfrm>
-            <a:prstGeom prst="rect">
-              <a:avLst/>
-            </a:prstGeom>
-            <a:solidFill>
-              <a:schemeClr val="bg1">
-                <a:lumMod val="95000"/>
-              </a:schemeClr>
-            </a:solidFill>
-            <a:ln>
-              <a:noFill/>
-            </a:ln>
-          </p:spPr>
-          <p:style>
-            <a:lnRef idx="2">
-              <a:schemeClr val="accent1">
-                <a:shade val="50000"/>
-              </a:schemeClr>
-            </a:lnRef>
-            <a:fillRef idx="1">
-              <a:schemeClr val="accent1"/>
-            </a:fillRef>
-            <a:effectRef idx="0">
-              <a:schemeClr val="accent1"/>
-            </a:effectRef>
-            <a:fontRef idx="minor">
-              <a:schemeClr val="lt1"/>
-            </a:fontRef>
-          </p:style>
-          <p:txBody>
-            <a:bodyPr rtlCol="0" anchor="ctr"/>
-            <a:lstStyle/>
-            <a:p>
-              <a:pPr algn="ctr"/>
-              <a:endParaRPr lang="en-US" sz="2000"/>
-            </a:p>
-          </p:txBody>
-        </p:sp>
-        <p:sp>
-          <p:nvSpPr>
-            <p:cNvPr id="14" name="Unvan 1"/>
-            <p:cNvSpPr txBox="1">
-              <a:spLocks/>
-            </p:cNvSpPr>
-            <p:nvPr/>
-          </p:nvSpPr>
-          <p:spPr>
-            <a:xfrm>
-              <a:off x="302252" y="6024023"/>
-              <a:ext cx="4921678" cy="600892"/>
-            </a:xfrm>
-            <a:prstGeom prst="rect">
-              <a:avLst/>
-            </a:prstGeom>
-          </p:spPr>
-          <p:txBody>
-            <a:bodyPr vert="horz" lIns="91440" tIns="45720" rIns="91440" bIns="45720" rtlCol="0" anchor="b">
-              <a:noAutofit/>
-            </a:bodyPr>
-            <a:lstStyle>
-              <a:lvl1pPr algn="ctr" defTabSz="914400" rtl="0" eaLnBrk="1" latinLnBrk="0" hangingPunct="1">
-                <a:lnSpc>
-                  <a:spcPct val="90000"/>
-                </a:lnSpc>
-                <a:spcBef>
-                  <a:spcPct val="0"/>
-                </a:spcBef>
-                <a:buNone/>
-                <a:defRPr sz="6000" kern="1200">
-                  <a:solidFill>
-                    <a:schemeClr val="tx1"/>
-                  </a:solidFill>
-                  <a:latin typeface="+mj-lt"/>
-                  <a:ea typeface="+mj-ea"/>
-                  <a:cs typeface="+mj-cs"/>
-                </a:defRPr>
-              </a:lvl1pPr>
-            </a:lstStyle>
-            <a:p>
-              <a:pPr algn="l"/>
-              <a:r>
-                <a:rPr lang="tr-TR" sz="2000" dirty="0">
-                  <a:solidFill>
-                    <a:srgbClr val="CB171F"/>
-                  </a:solidFill>
-                  <a:latin typeface="Constantia" panose="02030602050306030303" pitchFamily="18" charset="0"/>
-                  <a:ea typeface="Verdana" panose="020B0604030504040204" pitchFamily="34" charset="0"/>
-                  <a:cs typeface="Arial" panose="020B0604020202020204" pitchFamily="34" charset="0"/>
-                </a:rPr>
-                <a:t>A’dan Z’ye Büyük Veri</a:t>
-              </a:r>
-              <a:endParaRPr lang="en-US" sz="2000" dirty="0">
-                <a:solidFill>
-                  <a:srgbClr val="CB171F"/>
-                </a:solidFill>
-                <a:latin typeface="Constantia" panose="02030602050306030303" pitchFamily="18" charset="0"/>
-                <a:ea typeface="Verdana" panose="020B0604030504040204" pitchFamily="34" charset="0"/>
-                <a:cs typeface="Arial" panose="020B0604020202020204" pitchFamily="34" charset="0"/>
-              </a:endParaRPr>
-            </a:p>
-          </p:txBody>
-        </p:sp>
-      </p:grpSp>
       <p:sp>
         <p:nvSpPr>
           <p:cNvPr id="16" name="Unvan 1"/>
@@ -6686,7 +5024,7 @@
           <a:lstStyle/>
           <a:p>
             <a:r>
-              <a:rPr lang="tr-TR" sz="4200" b="1" dirty="0" smtClean="0">
+              <a:rPr lang="tr-TR" sz="4200" b="1" dirty="0">
                 <a:solidFill>
                   <a:srgbClr val="CD1F26"/>
                 </a:solidFill>
@@ -6736,7 +5074,7 @@
               <a:buChar char="ü"/>
             </a:pPr>
             <a:r>
-              <a:rPr lang="tr-TR" sz="2800" b="1" dirty="0" err="1" smtClean="0">
+              <a:rPr lang="tr-TR" sz="2800" b="1" dirty="0" err="1">
                 <a:solidFill>
                   <a:srgbClr val="0070C0"/>
                 </a:solidFill>
@@ -6744,7 +5082,7 @@
               </a:rPr>
               <a:t>Transformation</a:t>
             </a:r>
-            <a:endParaRPr lang="tr-TR" sz="2800" b="1" dirty="0" smtClean="0">
+            <a:endParaRPr lang="tr-TR" sz="2800" b="1" dirty="0">
               <a:solidFill>
                 <a:srgbClr val="0070C0"/>
               </a:solidFill>
@@ -6760,7 +5098,7 @@
               <a:buChar char="ü"/>
             </a:pPr>
             <a:r>
-              <a:rPr lang="tr-TR" sz="2400" dirty="0" err="1" smtClean="0">
+              <a:rPr lang="tr-TR" sz="2400" dirty="0" err="1">
                 <a:solidFill>
                   <a:srgbClr val="404041"/>
                 </a:solidFill>
@@ -6769,7 +5107,7 @@
               <a:t>map</a:t>
             </a:r>
             <a:r>
-              <a:rPr lang="tr-TR" sz="2400" dirty="0" smtClean="0">
+              <a:rPr lang="tr-TR" sz="2400" dirty="0">
                 <a:solidFill>
                   <a:srgbClr val="404041"/>
                 </a:solidFill>
@@ -6787,7 +5125,7 @@
               <a:buChar char="ü"/>
             </a:pPr>
             <a:r>
-              <a:rPr lang="tr-TR" sz="2400" dirty="0" err="1" smtClean="0">
+              <a:rPr lang="tr-TR" sz="2400" dirty="0" err="1">
                 <a:solidFill>
                   <a:srgbClr val="404041"/>
                 </a:solidFill>
@@ -6796,7 +5134,7 @@
               <a:t>filter</a:t>
             </a:r>
             <a:r>
-              <a:rPr lang="tr-TR" sz="2400" dirty="0" smtClean="0">
+              <a:rPr lang="tr-TR" sz="2400" dirty="0">
                 <a:solidFill>
                   <a:srgbClr val="404041"/>
                 </a:solidFill>
@@ -6814,7 +5152,7 @@
               <a:buChar char="ü"/>
             </a:pPr>
             <a:r>
-              <a:rPr lang="tr-TR" sz="2400" dirty="0" err="1" smtClean="0">
+              <a:rPr lang="tr-TR" sz="2400" dirty="0" err="1">
                 <a:solidFill>
                   <a:srgbClr val="404041"/>
                 </a:solidFill>
@@ -6823,7 +5161,7 @@
               <a:t>flatMap</a:t>
             </a:r>
             <a:r>
-              <a:rPr lang="tr-TR" sz="2400" dirty="0" smtClean="0">
+              <a:rPr lang="tr-TR" sz="2400" dirty="0">
                 <a:solidFill>
                   <a:srgbClr val="404041"/>
                 </a:solidFill>
@@ -6841,7 +5179,7 @@
               <a:buChar char="ü"/>
             </a:pPr>
             <a:r>
-              <a:rPr lang="tr-TR" sz="2400" dirty="0" err="1" smtClean="0">
+              <a:rPr lang="tr-TR" sz="2400" dirty="0" err="1">
                 <a:solidFill>
                   <a:srgbClr val="404041"/>
                 </a:solidFill>
@@ -6850,7 +5188,7 @@
               <a:t>sample</a:t>
             </a:r>
             <a:r>
-              <a:rPr lang="tr-TR" sz="2400" dirty="0" smtClean="0">
+              <a:rPr lang="tr-TR" sz="2400" dirty="0">
                 <a:solidFill>
                   <a:srgbClr val="404041"/>
                 </a:solidFill>
@@ -6868,7 +5206,7 @@
               <a:buChar char="ü"/>
             </a:pPr>
             <a:r>
-              <a:rPr lang="tr-TR" sz="2400" dirty="0" err="1" smtClean="0">
+              <a:rPr lang="tr-TR" sz="2400" dirty="0" err="1">
                 <a:solidFill>
                   <a:srgbClr val="404041"/>
                 </a:solidFill>
@@ -6877,7 +5215,7 @@
               <a:t>repartition</a:t>
             </a:r>
             <a:r>
-              <a:rPr lang="tr-TR" sz="2400" dirty="0" smtClean="0">
+              <a:rPr lang="tr-TR" sz="2400" dirty="0">
                 <a:solidFill>
                   <a:srgbClr val="404041"/>
                 </a:solidFill>
@@ -6895,7 +5233,7 @@
               <a:buChar char="ü"/>
             </a:pPr>
             <a:r>
-              <a:rPr lang="tr-TR" sz="2400" dirty="0" err="1" smtClean="0">
+              <a:rPr lang="tr-TR" sz="2400" dirty="0" err="1">
                 <a:solidFill>
                   <a:srgbClr val="404041"/>
                 </a:solidFill>
@@ -6904,7 +5242,7 @@
               <a:t>join</a:t>
             </a:r>
             <a:r>
-              <a:rPr lang="tr-TR" sz="2400" dirty="0" smtClean="0">
+              <a:rPr lang="tr-TR" sz="2400" dirty="0">
                 <a:solidFill>
                   <a:srgbClr val="404041"/>
                 </a:solidFill>
@@ -6962,7 +5300,7 @@
               <a:buChar char="•"/>
             </a:pPr>
             <a:r>
-              <a:rPr lang="tr-TR" sz="2400" dirty="0" err="1" smtClean="0">
+              <a:rPr lang="tr-TR" sz="2400" dirty="0" err="1">
                 <a:solidFill>
                   <a:srgbClr val="404041"/>
                 </a:solidFill>
@@ -6971,7 +5309,7 @@
               <a:t>reduce</a:t>
             </a:r>
             <a:r>
-              <a:rPr lang="tr-TR" sz="2400" dirty="0" smtClean="0">
+              <a:rPr lang="tr-TR" sz="2400" dirty="0">
                 <a:solidFill>
                   <a:srgbClr val="404041"/>
                 </a:solidFill>
@@ -6989,7 +5327,7 @@
               <a:buChar char="•"/>
             </a:pPr>
             <a:r>
-              <a:rPr lang="tr-TR" sz="2400" dirty="0" err="1" smtClean="0">
+              <a:rPr lang="tr-TR" sz="2400" dirty="0" err="1">
                 <a:solidFill>
                   <a:srgbClr val="404041"/>
                 </a:solidFill>
@@ -6998,7 +5336,7 @@
               <a:t>collect</a:t>
             </a:r>
             <a:r>
-              <a:rPr lang="tr-TR" sz="2400" dirty="0" smtClean="0">
+              <a:rPr lang="tr-TR" sz="2400" dirty="0">
                 <a:solidFill>
                   <a:srgbClr val="404041"/>
                 </a:solidFill>
@@ -7016,7 +5354,7 @@
               <a:buChar char="•"/>
             </a:pPr>
             <a:r>
-              <a:rPr lang="tr-TR" sz="2400" dirty="0" err="1" smtClean="0">
+              <a:rPr lang="tr-TR" sz="2400" dirty="0" err="1">
                 <a:solidFill>
                   <a:srgbClr val="404041"/>
                 </a:solidFill>
@@ -7025,7 +5363,7 @@
               <a:t>count</a:t>
             </a:r>
             <a:r>
-              <a:rPr lang="tr-TR" sz="2400" dirty="0" smtClean="0">
+              <a:rPr lang="tr-TR" sz="2400" dirty="0">
                 <a:solidFill>
                   <a:srgbClr val="404041"/>
                 </a:solidFill>
@@ -7043,7 +5381,7 @@
               <a:buChar char="•"/>
             </a:pPr>
             <a:r>
-              <a:rPr lang="tr-TR" sz="2400" dirty="0" err="1" smtClean="0">
+              <a:rPr lang="tr-TR" sz="2400" dirty="0" err="1">
                 <a:solidFill>
                   <a:srgbClr val="404041"/>
                 </a:solidFill>
@@ -7052,7 +5390,7 @@
               <a:t>take</a:t>
             </a:r>
             <a:r>
-              <a:rPr lang="tr-TR" sz="2400" dirty="0" smtClean="0">
+              <a:rPr lang="tr-TR" sz="2400" dirty="0">
                 <a:solidFill>
                   <a:srgbClr val="404041"/>
                 </a:solidFill>
@@ -7070,7 +5408,7 @@
               <a:buChar char="•"/>
             </a:pPr>
             <a:r>
-              <a:rPr lang="tr-TR" sz="2400" dirty="0" err="1" smtClean="0">
+              <a:rPr lang="tr-TR" sz="2400" dirty="0" err="1">
                 <a:solidFill>
                   <a:srgbClr val="404041"/>
                 </a:solidFill>
@@ -7079,7 +5417,7 @@
               <a:t>saveAsTextFile</a:t>
             </a:r>
             <a:r>
-              <a:rPr lang="tr-TR" sz="2400" dirty="0" smtClean="0">
+              <a:rPr lang="tr-TR" sz="2400" dirty="0">
                 <a:solidFill>
                   <a:srgbClr val="404041"/>
                 </a:solidFill>
@@ -7097,7 +5435,7 @@
               <a:buChar char="•"/>
             </a:pPr>
             <a:r>
-              <a:rPr lang="tr-TR" sz="2400" dirty="0" err="1" smtClean="0">
+              <a:rPr lang="tr-TR" sz="2400" dirty="0" err="1">
                 <a:solidFill>
                   <a:srgbClr val="404041"/>
                 </a:solidFill>
@@ -7106,7 +5444,7 @@
               <a:t>takeSample</a:t>
             </a:r>
             <a:r>
-              <a:rPr lang="tr-TR" sz="2400" dirty="0" smtClean="0">
+              <a:rPr lang="tr-TR" sz="2400" dirty="0">
                 <a:solidFill>
                   <a:srgbClr val="404041"/>
                 </a:solidFill>
@@ -7123,7 +5461,7 @@
               <a:buFont typeface="Wingdings" panose="05000000000000000000" pitchFamily="2" charset="2"/>
               <a:buChar char="ü"/>
             </a:pPr>
-            <a:endParaRPr lang="tr-TR" sz="2400" dirty="0" smtClean="0">
+            <a:endParaRPr lang="tr-TR" sz="2400" dirty="0">
               <a:solidFill>
                 <a:srgbClr val="404041"/>
               </a:solidFill>
@@ -7142,13 +5480,6 @@
   <p:clrMapOvr>
     <a:masterClrMapping/>
   </p:clrMapOvr>
-  <p:timing>
-    <p:tnLst>
-      <p:par>
-        <p:cTn id="1" dur="indefinite" restart="never" nodeType="tmRoot"/>
-      </p:par>
-    </p:tnLst>
-  </p:timing>
 </p:sld>
 </file>
 
@@ -7244,369 +5575,6 @@
           </a:fontRef>
         </p:style>
       </p:cxnSp>
-      <p:grpSp>
-        <p:nvGrpSpPr>
-          <p:cNvPr id="15" name="Grup 14"/>
-          <p:cNvGrpSpPr/>
-          <p:nvPr/>
-        </p:nvGrpSpPr>
-        <p:grpSpPr>
-          <a:xfrm>
-            <a:off x="228596" y="6231467"/>
-            <a:ext cx="3041654" cy="492576"/>
-            <a:chOff x="228596" y="6231467"/>
-            <a:chExt cx="3041654" cy="492576"/>
-          </a:xfrm>
-        </p:grpSpPr>
-        <p:grpSp>
-          <p:nvGrpSpPr>
-            <p:cNvPr id="8" name="Grup 7"/>
-            <p:cNvGrpSpPr/>
-            <p:nvPr/>
-          </p:nvGrpSpPr>
-          <p:grpSpPr>
-            <a:xfrm>
-              <a:off x="228596" y="6231467"/>
-              <a:ext cx="2802471" cy="457084"/>
-              <a:chOff x="127000" y="5901146"/>
-              <a:chExt cx="5156200" cy="838200"/>
-            </a:xfrm>
-          </p:grpSpPr>
-          <p:sp>
-            <p:nvSpPr>
-              <p:cNvPr id="7" name="Dikdörtgen 6"/>
-              <p:cNvSpPr/>
-              <p:nvPr/>
-            </p:nvSpPr>
-            <p:spPr>
-              <a:xfrm>
-                <a:off x="127000" y="5901146"/>
-                <a:ext cx="5156200" cy="838200"/>
-              </a:xfrm>
-              <a:prstGeom prst="rect">
-                <a:avLst/>
-              </a:prstGeom>
-              <a:solidFill>
-                <a:schemeClr val="bg1">
-                  <a:lumMod val="95000"/>
-                </a:schemeClr>
-              </a:solidFill>
-              <a:ln>
-                <a:noFill/>
-              </a:ln>
-            </p:spPr>
-            <p:style>
-              <a:lnRef idx="2">
-                <a:schemeClr val="accent1">
-                  <a:shade val="50000"/>
-                </a:schemeClr>
-              </a:lnRef>
-              <a:fillRef idx="1">
-                <a:schemeClr val="accent1"/>
-              </a:fillRef>
-              <a:effectRef idx="0">
-                <a:schemeClr val="accent1"/>
-              </a:effectRef>
-              <a:fontRef idx="minor">
-                <a:schemeClr val="lt1"/>
-              </a:fontRef>
-            </p:style>
-            <p:txBody>
-              <a:bodyPr rtlCol="0" anchor="ctr"/>
-              <a:lstStyle/>
-              <a:p>
-                <a:pPr algn="ctr"/>
-                <a:endParaRPr lang="en-US" sz="2000"/>
-              </a:p>
-            </p:txBody>
-          </p:sp>
-          <p:grpSp>
-            <p:nvGrpSpPr>
-              <p:cNvPr id="6" name="Grup 5"/>
-              <p:cNvGrpSpPr/>
-              <p:nvPr/>
-            </p:nvGrpSpPr>
-            <p:grpSpPr>
-              <a:xfrm>
-                <a:off x="211667" y="6019800"/>
-                <a:ext cx="5012266" cy="605115"/>
-                <a:chOff x="211667" y="6019800"/>
-                <a:chExt cx="5012266" cy="605115"/>
-              </a:xfrm>
-            </p:grpSpPr>
-            <p:pic>
-              <p:nvPicPr>
-                <p:cNvPr id="4" name="Resim 3"/>
-                <p:cNvPicPr>
-                  <a:picLocks noChangeAspect="1"/>
-                </p:cNvPicPr>
-                <p:nvPr/>
-              </p:nvPicPr>
-              <p:blipFill rotWithShape="1">
-                <a:blip r:embed="rId2" cstate="print">
-                  <a:extLst>
-                    <a:ext uri="{28A0092B-C50C-407E-A947-70E740481C1C}">
-                      <a14:useLocalDpi xmlns:a14="http://schemas.microsoft.com/office/drawing/2010/main" val="0"/>
-                    </a:ext>
-                  </a:extLst>
-                </a:blip>
-                <a:srcRect l="24387" t="8319" r="18355" b="50150"/>
-                <a:stretch/>
-              </p:blipFill>
-              <p:spPr>
-                <a:xfrm>
-                  <a:off x="211667" y="6019800"/>
-                  <a:ext cx="1072095" cy="600892"/>
-                </a:xfrm>
-                <a:prstGeom prst="rect">
-                  <a:avLst/>
-                </a:prstGeom>
-              </p:spPr>
-            </p:pic>
-            <p:sp>
-              <p:nvSpPr>
-                <p:cNvPr id="5" name="Unvan 1"/>
-                <p:cNvSpPr txBox="1">
-                  <a:spLocks/>
-                </p:cNvSpPr>
-                <p:nvPr/>
-              </p:nvSpPr>
-              <p:spPr>
-                <a:xfrm>
-                  <a:off x="1283763" y="6024023"/>
-                  <a:ext cx="3940170" cy="600892"/>
-                </a:xfrm>
-                <a:prstGeom prst="rect">
-                  <a:avLst/>
-                </a:prstGeom>
-              </p:spPr>
-              <p:txBody>
-                <a:bodyPr vert="horz" lIns="91440" tIns="45720" rIns="91440" bIns="45720" rtlCol="0" anchor="b">
-                  <a:noAutofit/>
-                </a:bodyPr>
-                <a:lstStyle>
-                  <a:lvl1pPr algn="ctr" defTabSz="914400" rtl="0" eaLnBrk="1" latinLnBrk="0" hangingPunct="1">
-                    <a:lnSpc>
-                      <a:spcPct val="90000"/>
-                    </a:lnSpc>
-                    <a:spcBef>
-                      <a:spcPct val="0"/>
-                    </a:spcBef>
-                    <a:buNone/>
-                    <a:defRPr sz="6000" kern="1200">
-                      <a:solidFill>
-                        <a:schemeClr val="tx1"/>
-                      </a:solidFill>
-                      <a:latin typeface="+mj-lt"/>
-                      <a:ea typeface="+mj-ea"/>
-                      <a:cs typeface="+mj-cs"/>
-                    </a:defRPr>
-                  </a:lvl1pPr>
-                </a:lstStyle>
-                <a:p>
-                  <a:pPr algn="l"/>
-                  <a:r>
-                    <a:rPr lang="tr-TR" sz="2000" dirty="0" smtClean="0">
-                      <a:solidFill>
-                        <a:srgbClr val="CB171F"/>
-                      </a:solidFill>
-                      <a:latin typeface="Constantia" panose="02030602050306030303" pitchFamily="18" charset="0"/>
-                      <a:ea typeface="Verdana" panose="020B0604030504040204" pitchFamily="34" charset="0"/>
-                      <a:cs typeface="Arial" panose="020B0604020202020204" pitchFamily="34" charset="0"/>
-                    </a:rPr>
-                    <a:t>Veri Bilimi Okulu</a:t>
-                  </a:r>
-                  <a:endParaRPr lang="en-US" sz="2000" dirty="0">
-                    <a:solidFill>
-                      <a:srgbClr val="CB171F"/>
-                    </a:solidFill>
-                    <a:latin typeface="Constantia" panose="02030602050306030303" pitchFamily="18" charset="0"/>
-                    <a:ea typeface="Verdana" panose="020B0604030504040204" pitchFamily="34" charset="0"/>
-                    <a:cs typeface="Arial" panose="020B0604020202020204" pitchFamily="34" charset="0"/>
-                  </a:endParaRPr>
-                </a:p>
-              </p:txBody>
-            </p:sp>
-          </p:grpSp>
-        </p:grpSp>
-        <p:sp>
-          <p:nvSpPr>
-            <p:cNvPr id="12" name="Metin kutusu 11"/>
-            <p:cNvSpPr txBox="1"/>
-            <p:nvPr/>
-          </p:nvSpPr>
-          <p:spPr>
-            <a:xfrm>
-              <a:off x="1582782" y="6493211"/>
-              <a:ext cx="1687468" cy="230832"/>
-            </a:xfrm>
-            <a:prstGeom prst="rect">
-              <a:avLst/>
-            </a:prstGeom>
-            <a:noFill/>
-          </p:spPr>
-          <p:txBody>
-            <a:bodyPr wrap="square" rtlCol="0">
-              <a:spAutoFit/>
-            </a:bodyPr>
-            <a:lstStyle/>
-            <a:p>
-              <a:r>
-                <a:rPr lang="en-US" sz="900" dirty="0" smtClean="0">
-                  <a:solidFill>
-                    <a:srgbClr val="0B8043"/>
-                  </a:solidFill>
-                </a:rPr>
-                <a:t>https:</a:t>
-              </a:r>
-              <a:r>
-                <a:rPr lang="en-US" sz="900" dirty="0" smtClean="0">
-                  <a:solidFill>
-                    <a:schemeClr val="bg1">
-                      <a:lumMod val="50000"/>
-                    </a:schemeClr>
-                  </a:solidFill>
-                </a:rPr>
-                <a:t>//www.veribilimi.co</a:t>
-              </a:r>
-              <a:endParaRPr lang="en-US" sz="900" dirty="0">
-                <a:solidFill>
-                  <a:schemeClr val="bg1">
-                    <a:lumMod val="50000"/>
-                  </a:schemeClr>
-                </a:solidFill>
-              </a:endParaRPr>
-            </a:p>
-          </p:txBody>
-        </p:sp>
-      </p:grpSp>
-      <p:grpSp>
-        <p:nvGrpSpPr>
-          <p:cNvPr id="11" name="Grup 10"/>
-          <p:cNvGrpSpPr/>
-          <p:nvPr/>
-        </p:nvGrpSpPr>
-        <p:grpSpPr>
-          <a:xfrm>
-            <a:off x="9194796" y="6231467"/>
-            <a:ext cx="2802471" cy="457084"/>
-            <a:chOff x="184993" y="5905369"/>
-            <a:chExt cx="5156200" cy="838200"/>
-          </a:xfrm>
-        </p:grpSpPr>
-        <p:sp>
-          <p:nvSpPr>
-            <p:cNvPr id="13" name="Dikdörtgen 12"/>
-            <p:cNvSpPr/>
-            <p:nvPr/>
-          </p:nvSpPr>
-          <p:spPr>
-            <a:xfrm>
-              <a:off x="184993" y="5905369"/>
-              <a:ext cx="5156200" cy="838200"/>
-            </a:xfrm>
-            <a:prstGeom prst="rect">
-              <a:avLst/>
-            </a:prstGeom>
-            <a:solidFill>
-              <a:schemeClr val="bg1">
-                <a:lumMod val="95000"/>
-              </a:schemeClr>
-            </a:solidFill>
-            <a:ln>
-              <a:noFill/>
-            </a:ln>
-          </p:spPr>
-          <p:style>
-            <a:lnRef idx="2">
-              <a:schemeClr val="accent1">
-                <a:shade val="50000"/>
-              </a:schemeClr>
-            </a:lnRef>
-            <a:fillRef idx="1">
-              <a:schemeClr val="accent1"/>
-            </a:fillRef>
-            <a:effectRef idx="0">
-              <a:schemeClr val="accent1"/>
-            </a:effectRef>
-            <a:fontRef idx="minor">
-              <a:schemeClr val="lt1"/>
-            </a:fontRef>
-          </p:style>
-          <p:txBody>
-            <a:bodyPr rtlCol="0" anchor="ctr"/>
-            <a:lstStyle/>
-            <a:p>
-              <a:pPr algn="ctr"/>
-              <a:endParaRPr lang="en-US" sz="2000"/>
-            </a:p>
-          </p:txBody>
-        </p:sp>
-        <p:sp>
-          <p:nvSpPr>
-            <p:cNvPr id="14" name="Unvan 1"/>
-            <p:cNvSpPr txBox="1">
-              <a:spLocks/>
-            </p:cNvSpPr>
-            <p:nvPr/>
-          </p:nvSpPr>
-          <p:spPr>
-            <a:xfrm>
-              <a:off x="302252" y="6024023"/>
-              <a:ext cx="4921678" cy="600892"/>
-            </a:xfrm>
-            <a:prstGeom prst="rect">
-              <a:avLst/>
-            </a:prstGeom>
-          </p:spPr>
-          <p:txBody>
-            <a:bodyPr vert="horz" lIns="91440" tIns="45720" rIns="91440" bIns="45720" rtlCol="0" anchor="b">
-              <a:noAutofit/>
-            </a:bodyPr>
-            <a:lstStyle>
-              <a:lvl1pPr algn="ctr" defTabSz="914400" rtl="0" eaLnBrk="1" latinLnBrk="0" hangingPunct="1">
-                <a:lnSpc>
-                  <a:spcPct val="90000"/>
-                </a:lnSpc>
-                <a:spcBef>
-                  <a:spcPct val="0"/>
-                </a:spcBef>
-                <a:buNone/>
-                <a:defRPr sz="6000" kern="1200">
-                  <a:solidFill>
-                    <a:schemeClr val="tx1"/>
-                  </a:solidFill>
-                  <a:latin typeface="+mj-lt"/>
-                  <a:ea typeface="+mj-ea"/>
-                  <a:cs typeface="+mj-cs"/>
-                </a:defRPr>
-              </a:lvl1pPr>
-            </a:lstStyle>
-            <a:p>
-              <a:pPr algn="l"/>
-              <a:r>
-                <a:rPr lang="tr-TR" sz="2000" dirty="0">
-                  <a:solidFill>
-                    <a:srgbClr val="CB171F"/>
-                  </a:solidFill>
-                  <a:latin typeface="Constantia" panose="02030602050306030303" pitchFamily="18" charset="0"/>
-                  <a:ea typeface="Verdana" panose="020B0604030504040204" pitchFamily="34" charset="0"/>
-                  <a:cs typeface="Arial" panose="020B0604020202020204" pitchFamily="34" charset="0"/>
-                </a:rPr>
-                <a:t>A’dan Z’ye Büyük Veri</a:t>
-              </a:r>
-              <a:endParaRPr lang="en-US" sz="2000" dirty="0">
-                <a:solidFill>
-                  <a:srgbClr val="CB171F"/>
-                </a:solidFill>
-                <a:latin typeface="Constantia" panose="02030602050306030303" pitchFamily="18" charset="0"/>
-                <a:ea typeface="Verdana" panose="020B0604030504040204" pitchFamily="34" charset="0"/>
-                <a:cs typeface="Arial" panose="020B0604020202020204" pitchFamily="34" charset="0"/>
-              </a:endParaRPr>
-            </a:p>
-          </p:txBody>
-        </p:sp>
-      </p:grpSp>
       <p:sp>
         <p:nvSpPr>
           <p:cNvPr id="16" name="Unvan 1"/>
@@ -7630,7 +5598,7 @@
           <a:lstStyle/>
           <a:p>
             <a:r>
-              <a:rPr lang="tr-TR" sz="3600" b="1" dirty="0" smtClean="0">
+              <a:rPr lang="tr-TR" sz="3600" b="1" dirty="0">
                 <a:solidFill>
                   <a:srgbClr val="CD1F26"/>
                 </a:solidFill>
@@ -8666,9 +6634,27 @@
                 <a:tableStyleId>{5940675A-B579-460E-94D1-54222C63F5DA}</a:tableStyleId>
               </a:tblPr>
               <a:tblGrid>
-                <a:gridCol w="373447"/>
-                <a:gridCol w="641035"/>
-                <a:gridCol w="507241"/>
+                <a:gridCol w="373447">
+                  <a:extLst>
+                    <a:ext uri="{9D8B030D-6E8A-4147-A177-3AD203B41FA5}">
+                      <a16:colId xmlns:a16="http://schemas.microsoft.com/office/drawing/2014/main" val="20000"/>
+                    </a:ext>
+                  </a:extLst>
+                </a:gridCol>
+                <a:gridCol w="641035">
+                  <a:extLst>
+                    <a:ext uri="{9D8B030D-6E8A-4147-A177-3AD203B41FA5}">
+                      <a16:colId xmlns:a16="http://schemas.microsoft.com/office/drawing/2014/main" val="20001"/>
+                    </a:ext>
+                  </a:extLst>
+                </a:gridCol>
+                <a:gridCol w="507241">
+                  <a:extLst>
+                    <a:ext uri="{9D8B030D-6E8A-4147-A177-3AD203B41FA5}">
+                      <a16:colId xmlns:a16="http://schemas.microsoft.com/office/drawing/2014/main" val="20002"/>
+                    </a:ext>
+                  </a:extLst>
+                </a:gridCol>
               </a:tblGrid>
               <a:tr h="260553">
                 <a:tc>
@@ -8677,7 +6663,7 @@
                     <a:lstStyle/>
                     <a:p>
                       <a:r>
-                        <a:rPr lang="tr-TR" sz="1000" dirty="0" smtClean="0"/>
+                        <a:rPr lang="tr-TR" sz="1000" dirty="0"/>
                         <a:t>1,</a:t>
                       </a:r>
                       <a:endParaRPr lang="en-US" sz="1000" dirty="0"/>
@@ -8712,7 +6698,7 @@
                     <a:lstStyle/>
                     <a:p>
                       <a:r>
-                        <a:rPr lang="tr-TR" sz="1000" dirty="0" smtClean="0"/>
+                        <a:rPr lang="tr-TR" sz="1000" dirty="0"/>
                         <a:t>Gülsüm,</a:t>
                       </a:r>
                       <a:endParaRPr lang="en-US" sz="1000" dirty="0"/>
@@ -8747,7 +6733,7 @@
                     <a:lstStyle/>
                     <a:p>
                       <a:r>
-                        <a:rPr lang="tr-TR" sz="1000" dirty="0" smtClean="0"/>
+                        <a:rPr lang="tr-TR" sz="1000" dirty="0"/>
                         <a:t>35</a:t>
                       </a:r>
                       <a:endParaRPr lang="en-US" sz="1000" dirty="0"/>
@@ -8776,6 +6762,11 @@
                     </a:lnBlToTr>
                   </a:tcPr>
                 </a:tc>
+                <a:extLst>
+                  <a:ext uri="{0D108BD9-81ED-4DB2-BD59-A6C34878D82A}">
+                    <a16:rowId xmlns:a16="http://schemas.microsoft.com/office/drawing/2014/main" val="10000"/>
+                  </a:ext>
+                </a:extLst>
               </a:tr>
               <a:tr h="260553">
                 <a:tc>
@@ -8784,7 +6775,7 @@
                     <a:lstStyle/>
                     <a:p>
                       <a:r>
-                        <a:rPr lang="tr-TR" sz="1000" dirty="0" smtClean="0"/>
+                        <a:rPr lang="tr-TR" sz="1000" dirty="0"/>
                         <a:t>2,</a:t>
                       </a:r>
                       <a:endParaRPr lang="en-US" sz="1000" dirty="0"/>
@@ -8819,7 +6810,7 @@
                     <a:lstStyle/>
                     <a:p>
                       <a:r>
-                        <a:rPr lang="tr-TR" sz="1000" dirty="0" smtClean="0"/>
+                        <a:rPr lang="tr-TR" sz="1000" dirty="0"/>
                         <a:t>Cemal,</a:t>
                       </a:r>
                       <a:endParaRPr lang="en-US" sz="1000" dirty="0"/>
@@ -8854,7 +6845,7 @@
                     <a:lstStyle/>
                     <a:p>
                       <a:r>
-                        <a:rPr lang="tr-TR" sz="1000" dirty="0" smtClean="0"/>
+                        <a:rPr lang="tr-TR" sz="1000" dirty="0"/>
                         <a:t>23</a:t>
                       </a:r>
                       <a:endParaRPr lang="en-US" sz="1000" dirty="0"/>
@@ -8883,6 +6874,11 @@
                     </a:lnBlToTr>
                   </a:tcPr>
                 </a:tc>
+                <a:extLst>
+                  <a:ext uri="{0D108BD9-81ED-4DB2-BD59-A6C34878D82A}">
+                    <a16:rowId xmlns:a16="http://schemas.microsoft.com/office/drawing/2014/main" val="10001"/>
+                  </a:ext>
+                </a:extLst>
               </a:tr>
             </a:tbl>
           </a:graphicData>
@@ -8913,9 +6909,27 @@
                 <a:tableStyleId>{5940675A-B579-460E-94D1-54222C63F5DA}</a:tableStyleId>
               </a:tblPr>
               <a:tblGrid>
-                <a:gridCol w="373448"/>
-                <a:gridCol w="641034"/>
-                <a:gridCol w="507241"/>
+                <a:gridCol w="373448">
+                  <a:extLst>
+                    <a:ext uri="{9D8B030D-6E8A-4147-A177-3AD203B41FA5}">
+                      <a16:colId xmlns:a16="http://schemas.microsoft.com/office/drawing/2014/main" val="20000"/>
+                    </a:ext>
+                  </a:extLst>
+                </a:gridCol>
+                <a:gridCol w="641034">
+                  <a:extLst>
+                    <a:ext uri="{9D8B030D-6E8A-4147-A177-3AD203B41FA5}">
+                      <a16:colId xmlns:a16="http://schemas.microsoft.com/office/drawing/2014/main" val="20001"/>
+                    </a:ext>
+                  </a:extLst>
+                </a:gridCol>
+                <a:gridCol w="507241">
+                  <a:extLst>
+                    <a:ext uri="{9D8B030D-6E8A-4147-A177-3AD203B41FA5}">
+                      <a16:colId xmlns:a16="http://schemas.microsoft.com/office/drawing/2014/main" val="20002"/>
+                    </a:ext>
+                  </a:extLst>
+                </a:gridCol>
               </a:tblGrid>
               <a:tr h="260553">
                 <a:tc>
@@ -8924,7 +6938,7 @@
                     <a:lstStyle/>
                     <a:p>
                       <a:r>
-                        <a:rPr lang="tr-TR" sz="1000" dirty="0" smtClean="0"/>
+                        <a:rPr lang="tr-TR" sz="1000" dirty="0"/>
                         <a:t>3,</a:t>
                       </a:r>
                       <a:endParaRPr lang="en-US" sz="1000" dirty="0"/>
@@ -8959,7 +6973,7 @@
                     <a:lstStyle/>
                     <a:p>
                       <a:r>
-                        <a:rPr lang="tr-TR" sz="1000" dirty="0" smtClean="0"/>
+                        <a:rPr lang="tr-TR" sz="1000" dirty="0"/>
                         <a:t>Elif,</a:t>
                       </a:r>
                       <a:endParaRPr lang="en-US" sz="1000" dirty="0"/>
@@ -8994,7 +7008,7 @@
                     <a:lstStyle/>
                     <a:p>
                       <a:r>
-                        <a:rPr lang="tr-TR" sz="1000" dirty="0" smtClean="0"/>
+                        <a:rPr lang="tr-TR" sz="1000" dirty="0"/>
                         <a:t>29</a:t>
                       </a:r>
                       <a:endParaRPr lang="en-US" sz="1000" dirty="0"/>
@@ -9023,6 +7037,11 @@
                     </a:lnBlToTr>
                   </a:tcPr>
                 </a:tc>
+                <a:extLst>
+                  <a:ext uri="{0D108BD9-81ED-4DB2-BD59-A6C34878D82A}">
+                    <a16:rowId xmlns:a16="http://schemas.microsoft.com/office/drawing/2014/main" val="10000"/>
+                  </a:ext>
+                </a:extLst>
               </a:tr>
               <a:tr h="260553">
                 <a:tc>
@@ -9031,7 +7050,7 @@
                     <a:lstStyle/>
                     <a:p>
                       <a:r>
-                        <a:rPr lang="tr-TR" sz="1000" dirty="0" smtClean="0"/>
+                        <a:rPr lang="tr-TR" sz="1000" dirty="0"/>
                         <a:t>4,</a:t>
                       </a:r>
                       <a:endParaRPr lang="en-US" sz="1000" dirty="0"/>
@@ -9066,7 +7085,7 @@
                     <a:lstStyle/>
                     <a:p>
                       <a:r>
-                        <a:rPr lang="tr-TR" sz="1000" dirty="0" smtClean="0"/>
+                        <a:rPr lang="tr-TR" sz="1000" dirty="0"/>
                         <a:t>Funda,</a:t>
                       </a:r>
                       <a:endParaRPr lang="en-US" sz="1000" dirty="0"/>
@@ -9101,7 +7120,7 @@
                     <a:lstStyle/>
                     <a:p>
                       <a:r>
-                        <a:rPr lang="tr-TR" sz="1000" dirty="0" smtClean="0"/>
+                        <a:rPr lang="tr-TR" sz="1000" dirty="0"/>
                         <a:t>41</a:t>
                       </a:r>
                       <a:endParaRPr lang="en-US" sz="1000" dirty="0"/>
@@ -9130,6 +7149,11 @@
                     </a:lnBlToTr>
                   </a:tcPr>
                 </a:tc>
+                <a:extLst>
+                  <a:ext uri="{0D108BD9-81ED-4DB2-BD59-A6C34878D82A}">
+                    <a16:rowId xmlns:a16="http://schemas.microsoft.com/office/drawing/2014/main" val="10001"/>
+                  </a:ext>
+                </a:extLst>
               </a:tr>
             </a:tbl>
           </a:graphicData>
@@ -9160,9 +7184,27 @@
                 <a:tableStyleId>{5940675A-B579-460E-94D1-54222C63F5DA}</a:tableStyleId>
               </a:tblPr>
               <a:tblGrid>
-                <a:gridCol w="370559"/>
-                <a:gridCol w="643924"/>
-                <a:gridCol w="507241"/>
+                <a:gridCol w="370559">
+                  <a:extLst>
+                    <a:ext uri="{9D8B030D-6E8A-4147-A177-3AD203B41FA5}">
+                      <a16:colId xmlns:a16="http://schemas.microsoft.com/office/drawing/2014/main" val="20000"/>
+                    </a:ext>
+                  </a:extLst>
+                </a:gridCol>
+                <a:gridCol w="643924">
+                  <a:extLst>
+                    <a:ext uri="{9D8B030D-6E8A-4147-A177-3AD203B41FA5}">
+                      <a16:colId xmlns:a16="http://schemas.microsoft.com/office/drawing/2014/main" val="20001"/>
+                    </a:ext>
+                  </a:extLst>
+                </a:gridCol>
+                <a:gridCol w="507241">
+                  <a:extLst>
+                    <a:ext uri="{9D8B030D-6E8A-4147-A177-3AD203B41FA5}">
+                      <a16:colId xmlns:a16="http://schemas.microsoft.com/office/drawing/2014/main" val="20002"/>
+                    </a:ext>
+                  </a:extLst>
+                </a:gridCol>
               </a:tblGrid>
               <a:tr h="260553">
                 <a:tc>
@@ -9171,7 +7213,7 @@
                     <a:lstStyle/>
                     <a:p>
                       <a:r>
-                        <a:rPr lang="tr-TR" sz="1000" dirty="0" smtClean="0"/>
+                        <a:rPr lang="tr-TR" sz="1000" dirty="0"/>
                         <a:t>5,</a:t>
                       </a:r>
                       <a:endParaRPr lang="en-US" sz="1000" dirty="0"/>
@@ -9206,7 +7248,7 @@
                     <a:lstStyle/>
                     <a:p>
                       <a:r>
-                        <a:rPr lang="tr-TR" sz="1000" dirty="0" smtClean="0"/>
+                        <a:rPr lang="tr-TR" sz="1000" dirty="0"/>
                         <a:t>Hamza,</a:t>
                       </a:r>
                       <a:endParaRPr lang="en-US" sz="1000" dirty="0"/>
@@ -9241,7 +7283,7 @@
                     <a:lstStyle/>
                     <a:p>
                       <a:r>
-                        <a:rPr lang="tr-TR" sz="1000" dirty="0" smtClean="0"/>
+                        <a:rPr lang="tr-TR" sz="1000" dirty="0"/>
                         <a:t>33</a:t>
                       </a:r>
                       <a:endParaRPr lang="en-US" sz="1000" dirty="0"/>
@@ -9270,6 +7312,11 @@
                     </a:lnBlToTr>
                   </a:tcPr>
                 </a:tc>
+                <a:extLst>
+                  <a:ext uri="{0D108BD9-81ED-4DB2-BD59-A6C34878D82A}">
+                    <a16:rowId xmlns:a16="http://schemas.microsoft.com/office/drawing/2014/main" val="10000"/>
+                  </a:ext>
+                </a:extLst>
               </a:tr>
               <a:tr h="260553">
                 <a:tc>
@@ -9278,7 +7325,7 @@
                     <a:lstStyle/>
                     <a:p>
                       <a:r>
-                        <a:rPr lang="tr-TR" sz="1000" dirty="0" smtClean="0"/>
+                        <a:rPr lang="tr-TR" sz="1000" dirty="0"/>
                         <a:t>6,</a:t>
                       </a:r>
                       <a:endParaRPr lang="en-US" sz="1000" dirty="0"/>
@@ -9313,7 +7360,7 @@
                     <a:lstStyle/>
                     <a:p>
                       <a:r>
-                        <a:rPr lang="tr-TR" sz="1000" dirty="0" smtClean="0"/>
+                        <a:rPr lang="tr-TR" sz="1000" dirty="0"/>
                         <a:t>Yalçın,</a:t>
                       </a:r>
                       <a:endParaRPr lang="en-US" sz="1000" dirty="0"/>
@@ -9348,7 +7395,7 @@
                     <a:lstStyle/>
                     <a:p>
                       <a:r>
-                        <a:rPr lang="tr-TR" sz="1000" dirty="0" smtClean="0"/>
+                        <a:rPr lang="tr-TR" sz="1000" dirty="0"/>
                         <a:t>45</a:t>
                       </a:r>
                       <a:endParaRPr lang="en-US" sz="1000" dirty="0"/>
@@ -9377,6 +7424,11 @@
                     </a:lnBlToTr>
                   </a:tcPr>
                 </a:tc>
+                <a:extLst>
+                  <a:ext uri="{0D108BD9-81ED-4DB2-BD59-A6C34878D82A}">
+                    <a16:rowId xmlns:a16="http://schemas.microsoft.com/office/drawing/2014/main" val="10001"/>
+                  </a:ext>
+                </a:extLst>
               </a:tr>
             </a:tbl>
           </a:graphicData>
@@ -9407,9 +7459,27 @@
                 <a:tableStyleId>{5940675A-B579-460E-94D1-54222C63F5DA}</a:tableStyleId>
               </a:tblPr>
               <a:tblGrid>
-                <a:gridCol w="383956"/>
-                <a:gridCol w="630526"/>
-                <a:gridCol w="507241"/>
+                <a:gridCol w="383956">
+                  <a:extLst>
+                    <a:ext uri="{9D8B030D-6E8A-4147-A177-3AD203B41FA5}">
+                      <a16:colId xmlns:a16="http://schemas.microsoft.com/office/drawing/2014/main" val="20000"/>
+                    </a:ext>
+                  </a:extLst>
+                </a:gridCol>
+                <a:gridCol w="630526">
+                  <a:extLst>
+                    <a:ext uri="{9D8B030D-6E8A-4147-A177-3AD203B41FA5}">
+                      <a16:colId xmlns:a16="http://schemas.microsoft.com/office/drawing/2014/main" val="20001"/>
+                    </a:ext>
+                  </a:extLst>
+                </a:gridCol>
+                <a:gridCol w="507241">
+                  <a:extLst>
+                    <a:ext uri="{9D8B030D-6E8A-4147-A177-3AD203B41FA5}">
+                      <a16:colId xmlns:a16="http://schemas.microsoft.com/office/drawing/2014/main" val="20002"/>
+                    </a:ext>
+                  </a:extLst>
+                </a:gridCol>
               </a:tblGrid>
               <a:tr h="260553">
                 <a:tc>
@@ -9418,7 +7488,7 @@
                     <a:lstStyle/>
                     <a:p>
                       <a:r>
-                        <a:rPr lang="tr-TR" sz="1000" dirty="0" smtClean="0"/>
+                        <a:rPr lang="tr-TR" sz="1000" dirty="0"/>
                         <a:t>7,</a:t>
                       </a:r>
                       <a:endParaRPr lang="en-US" sz="1000" dirty="0"/>
@@ -9453,7 +7523,7 @@
                     <a:lstStyle/>
                     <a:p>
                       <a:r>
-                        <a:rPr lang="tr-TR" sz="900" dirty="0" smtClean="0"/>
+                        <a:rPr lang="tr-TR" sz="900" dirty="0"/>
                         <a:t>Mehmet,</a:t>
                       </a:r>
                       <a:endParaRPr lang="en-US" sz="900" dirty="0"/>
@@ -9488,7 +7558,7 @@
                     <a:lstStyle/>
                     <a:p>
                       <a:r>
-                        <a:rPr lang="tr-TR" sz="1000" dirty="0" smtClean="0"/>
+                        <a:rPr lang="tr-TR" sz="1000" dirty="0"/>
                         <a:t>44</a:t>
                       </a:r>
                       <a:endParaRPr lang="en-US" sz="1000" dirty="0"/>
@@ -9517,6 +7587,11 @@
                     </a:lnBlToTr>
                   </a:tcPr>
                 </a:tc>
+                <a:extLst>
+                  <a:ext uri="{0D108BD9-81ED-4DB2-BD59-A6C34878D82A}">
+                    <a16:rowId xmlns:a16="http://schemas.microsoft.com/office/drawing/2014/main" val="10000"/>
+                  </a:ext>
+                </a:extLst>
               </a:tr>
               <a:tr h="260553">
                 <a:tc>
@@ -9525,7 +7600,7 @@
                     <a:lstStyle/>
                     <a:p>
                       <a:r>
-                        <a:rPr lang="tr-TR" sz="1000" dirty="0" smtClean="0"/>
+                        <a:rPr lang="tr-TR" sz="1000" dirty="0"/>
                         <a:t>8,</a:t>
                       </a:r>
                       <a:endParaRPr lang="en-US" sz="1000" dirty="0"/>
@@ -9560,7 +7635,7 @@
                     <a:lstStyle/>
                     <a:p>
                       <a:r>
-                        <a:rPr lang="tr-TR" sz="1000" dirty="0" smtClean="0"/>
+                        <a:rPr lang="tr-TR" sz="1000" dirty="0"/>
                         <a:t>Gülay,</a:t>
                       </a:r>
                       <a:endParaRPr lang="en-US" sz="1000" dirty="0"/>
@@ -9595,7 +7670,7 @@
                     <a:lstStyle/>
                     <a:p>
                       <a:r>
-                        <a:rPr lang="tr-TR" sz="1000" dirty="0" smtClean="0"/>
+                        <a:rPr lang="tr-TR" sz="1000" dirty="0"/>
                         <a:t>33</a:t>
                       </a:r>
                       <a:endParaRPr lang="en-US" sz="1000" dirty="0"/>
@@ -9624,6 +7699,11 @@
                     </a:lnBlToTr>
                   </a:tcPr>
                 </a:tc>
+                <a:extLst>
+                  <a:ext uri="{0D108BD9-81ED-4DB2-BD59-A6C34878D82A}">
+                    <a16:rowId xmlns:a16="http://schemas.microsoft.com/office/drawing/2014/main" val="10001"/>
+                  </a:ext>
+                </a:extLst>
               </a:tr>
             </a:tbl>
           </a:graphicData>
@@ -9654,9 +7734,27 @@
                 <a:tableStyleId>{5940675A-B579-460E-94D1-54222C63F5DA}</a:tableStyleId>
               </a:tblPr>
               <a:tblGrid>
-                <a:gridCol w="383957"/>
-                <a:gridCol w="630525"/>
-                <a:gridCol w="507241"/>
+                <a:gridCol w="383957">
+                  <a:extLst>
+                    <a:ext uri="{9D8B030D-6E8A-4147-A177-3AD203B41FA5}">
+                      <a16:colId xmlns:a16="http://schemas.microsoft.com/office/drawing/2014/main" val="20000"/>
+                    </a:ext>
+                  </a:extLst>
+                </a:gridCol>
+                <a:gridCol w="630525">
+                  <a:extLst>
+                    <a:ext uri="{9D8B030D-6E8A-4147-A177-3AD203B41FA5}">
+                      <a16:colId xmlns:a16="http://schemas.microsoft.com/office/drawing/2014/main" val="20001"/>
+                    </a:ext>
+                  </a:extLst>
+                </a:gridCol>
+                <a:gridCol w="507241">
+                  <a:extLst>
+                    <a:ext uri="{9D8B030D-6E8A-4147-A177-3AD203B41FA5}">
+                      <a16:colId xmlns:a16="http://schemas.microsoft.com/office/drawing/2014/main" val="20002"/>
+                    </a:ext>
+                  </a:extLst>
+                </a:gridCol>
               </a:tblGrid>
               <a:tr h="260553">
                 <a:tc>
@@ -9665,7 +7763,7 @@
                     <a:lstStyle/>
                     <a:p>
                       <a:r>
-                        <a:rPr lang="tr-TR" sz="1000" dirty="0" smtClean="0"/>
+                        <a:rPr lang="tr-TR" sz="1000" dirty="0"/>
                         <a:t>9,</a:t>
                       </a:r>
                       <a:endParaRPr lang="en-US" sz="1000" dirty="0"/>
@@ -9700,7 +7798,7 @@
                     <a:lstStyle/>
                     <a:p>
                       <a:r>
-                        <a:rPr lang="tr-TR" sz="1000" dirty="0" smtClean="0"/>
+                        <a:rPr lang="tr-TR" sz="1000" dirty="0"/>
                         <a:t>Cumhur,</a:t>
                       </a:r>
                       <a:endParaRPr lang="en-US" sz="1000" dirty="0"/>
@@ -9735,7 +7833,7 @@
                     <a:lstStyle/>
                     <a:p>
                       <a:r>
-                        <a:rPr lang="tr-TR" sz="1000" dirty="0" smtClean="0"/>
+                        <a:rPr lang="tr-TR" sz="1000" dirty="0"/>
                         <a:t>38</a:t>
                       </a:r>
                       <a:endParaRPr lang="en-US" sz="1000" dirty="0"/>
@@ -9764,6 +7862,11 @@
                     </a:lnBlToTr>
                   </a:tcPr>
                 </a:tc>
+                <a:extLst>
+                  <a:ext uri="{0D108BD9-81ED-4DB2-BD59-A6C34878D82A}">
+                    <a16:rowId xmlns:a16="http://schemas.microsoft.com/office/drawing/2014/main" val="10000"/>
+                  </a:ext>
+                </a:extLst>
               </a:tr>
               <a:tr h="260553">
                 <a:tc>
@@ -9772,7 +7875,7 @@
                     <a:lstStyle/>
                     <a:p>
                       <a:r>
-                        <a:rPr lang="tr-TR" sz="1000" dirty="0" smtClean="0"/>
+                        <a:rPr lang="tr-TR" sz="1000" dirty="0"/>
                         <a:t>10,</a:t>
                       </a:r>
                       <a:endParaRPr lang="en-US" sz="1000" dirty="0"/>
@@ -9807,7 +7910,7 @@
                     <a:lstStyle/>
                     <a:p>
                       <a:r>
-                        <a:rPr lang="tr-TR" sz="1000" dirty="0" smtClean="0"/>
+                        <a:rPr lang="tr-TR" sz="1000" dirty="0"/>
                         <a:t>Burcu,</a:t>
                       </a:r>
                       <a:endParaRPr lang="en-US" sz="1000" dirty="0"/>
@@ -9842,7 +7945,7 @@
                     <a:lstStyle/>
                     <a:p>
                       <a:r>
-                        <a:rPr lang="tr-TR" sz="1000" dirty="0" smtClean="0"/>
+                        <a:rPr lang="tr-TR" sz="1000" dirty="0"/>
                         <a:t>41</a:t>
                       </a:r>
                       <a:endParaRPr lang="en-US" sz="1000" dirty="0"/>
@@ -9871,6 +7974,11 @@
                     </a:lnBlToTr>
                   </a:tcPr>
                 </a:tc>
+                <a:extLst>
+                  <a:ext uri="{0D108BD9-81ED-4DB2-BD59-A6C34878D82A}">
+                    <a16:rowId xmlns:a16="http://schemas.microsoft.com/office/drawing/2014/main" val="10001"/>
+                  </a:ext>
+                </a:extLst>
               </a:tr>
             </a:tbl>
           </a:graphicData>
@@ -9901,9 +8009,27 @@
                 <a:tableStyleId>{5940675A-B579-460E-94D1-54222C63F5DA}</a:tableStyleId>
               </a:tblPr>
               <a:tblGrid>
-                <a:gridCol w="381068"/>
-                <a:gridCol w="633415"/>
-                <a:gridCol w="507241"/>
+                <a:gridCol w="381068">
+                  <a:extLst>
+                    <a:ext uri="{9D8B030D-6E8A-4147-A177-3AD203B41FA5}">
+                      <a16:colId xmlns:a16="http://schemas.microsoft.com/office/drawing/2014/main" val="20000"/>
+                    </a:ext>
+                  </a:extLst>
+                </a:gridCol>
+                <a:gridCol w="633415">
+                  <a:extLst>
+                    <a:ext uri="{9D8B030D-6E8A-4147-A177-3AD203B41FA5}">
+                      <a16:colId xmlns:a16="http://schemas.microsoft.com/office/drawing/2014/main" val="20001"/>
+                    </a:ext>
+                  </a:extLst>
+                </a:gridCol>
+                <a:gridCol w="507241">
+                  <a:extLst>
+                    <a:ext uri="{9D8B030D-6E8A-4147-A177-3AD203B41FA5}">
+                      <a16:colId xmlns:a16="http://schemas.microsoft.com/office/drawing/2014/main" val="20002"/>
+                    </a:ext>
+                  </a:extLst>
+                </a:gridCol>
               </a:tblGrid>
               <a:tr h="260553">
                 <a:tc>
@@ -9912,7 +8038,7 @@
                     <a:lstStyle/>
                     <a:p>
                       <a:r>
-                        <a:rPr lang="tr-TR" sz="1000" dirty="0" smtClean="0"/>
+                        <a:rPr lang="tr-TR" sz="1000" dirty="0"/>
                         <a:t>11,</a:t>
                       </a:r>
                       <a:endParaRPr lang="en-US" sz="1000" dirty="0"/>
@@ -9947,7 +8073,7 @@
                     <a:lstStyle/>
                     <a:p>
                       <a:r>
-                        <a:rPr lang="tr-TR" sz="1000" dirty="0" smtClean="0"/>
+                        <a:rPr lang="tr-TR" sz="1000" dirty="0"/>
                         <a:t>Metin,</a:t>
                       </a:r>
                       <a:endParaRPr lang="en-US" sz="1000" dirty="0"/>
@@ -9982,7 +8108,7 @@
                     <a:lstStyle/>
                     <a:p>
                       <a:r>
-                        <a:rPr lang="tr-TR" sz="1000" dirty="0" smtClean="0"/>
+                        <a:rPr lang="tr-TR" sz="1000" dirty="0"/>
                         <a:t>47</a:t>
                       </a:r>
                       <a:endParaRPr lang="en-US" sz="1000" dirty="0"/>
@@ -10011,6 +8137,11 @@
                     </a:lnBlToTr>
                   </a:tcPr>
                 </a:tc>
+                <a:extLst>
+                  <a:ext uri="{0D108BD9-81ED-4DB2-BD59-A6C34878D82A}">
+                    <a16:rowId xmlns:a16="http://schemas.microsoft.com/office/drawing/2014/main" val="10000"/>
+                  </a:ext>
+                </a:extLst>
               </a:tr>
               <a:tr h="260553">
                 <a:tc>
@@ -10019,7 +8150,7 @@
                     <a:lstStyle/>
                     <a:p>
                       <a:r>
-                        <a:rPr lang="tr-TR" sz="1000" dirty="0" smtClean="0"/>
+                        <a:rPr lang="tr-TR" sz="1000" dirty="0"/>
                         <a:t>12,</a:t>
                       </a:r>
                       <a:endParaRPr lang="en-US" sz="1000" dirty="0"/>
@@ -10054,7 +8185,7 @@
                     <a:lstStyle/>
                     <a:p>
                       <a:r>
-                        <a:rPr lang="tr-TR" sz="1000" dirty="0" smtClean="0"/>
+                        <a:rPr lang="tr-TR" sz="1000" dirty="0"/>
                         <a:t>Veysel,</a:t>
                       </a:r>
                       <a:endParaRPr lang="en-US" sz="1000" dirty="0"/>
@@ -10089,7 +8220,7 @@
                     <a:lstStyle/>
                     <a:p>
                       <a:r>
-                        <a:rPr lang="tr-TR" sz="1000" dirty="0" smtClean="0"/>
+                        <a:rPr lang="tr-TR" sz="1000" dirty="0"/>
                         <a:t>53</a:t>
                       </a:r>
                       <a:endParaRPr lang="en-US" sz="1000" dirty="0"/>
@@ -10118,6 +8249,11 @@
                     </a:lnBlToTr>
                   </a:tcPr>
                 </a:tc>
+                <a:extLst>
+                  <a:ext uri="{0D108BD9-81ED-4DB2-BD59-A6C34878D82A}">
+                    <a16:rowId xmlns:a16="http://schemas.microsoft.com/office/drawing/2014/main" val="10001"/>
+                  </a:ext>
+                </a:extLst>
               </a:tr>
             </a:tbl>
           </a:graphicData>
@@ -10168,13 +8304,13 @@
               </a:rPr>
               <a:t> = </a:t>
             </a:r>
-            <a:endParaRPr lang="tr-TR" sz="1400" dirty="0" smtClean="0">
+            <a:endParaRPr lang="tr-TR" sz="1400" dirty="0">
               <a:latin typeface="Consolas" panose="020B0609020204030204" pitchFamily="49" charset="0"/>
             </a:endParaRPr>
           </a:p>
           <a:p>
             <a:r>
-              <a:rPr lang="en-US" sz="1400" dirty="0" err="1" smtClean="0">
+              <a:rPr lang="en-US" sz="1400" dirty="0" err="1">
                 <a:latin typeface="Consolas" panose="020B0609020204030204" pitchFamily="49" charset="0"/>
               </a:rPr>
               <a:t>sc.textFile</a:t>
@@ -10222,42 +8358,30 @@
           <a:lstStyle/>
           <a:p>
             <a:r>
-              <a:rPr lang="en-US" sz="1400" dirty="0" err="1" smtClean="0">
+              <a:rPr lang="en-US" sz="1400" dirty="0" err="1">
                 <a:latin typeface="Consolas" panose="020B0609020204030204" pitchFamily="49" charset="0"/>
               </a:rPr>
               <a:t>insanlarSplittedRDD</a:t>
             </a:r>
-            <a:endParaRPr lang="tr-TR" sz="1400" dirty="0" smtClean="0">
+            <a:endParaRPr lang="tr-TR" sz="1400" dirty="0">
               <a:latin typeface="Consolas" panose="020B0609020204030204" pitchFamily="49" charset="0"/>
             </a:endParaRPr>
           </a:p>
           <a:p>
             <a:r>
-              <a:rPr lang="en-US" sz="1400" dirty="0" smtClean="0">
-                <a:latin typeface="Consolas" panose="020B0609020204030204" pitchFamily="49" charset="0"/>
-              </a:rPr>
-              <a:t>.map(x </a:t>
-            </a:r>
-            <a:r>
               <a:rPr lang="en-US" sz="1400" dirty="0">
                 <a:latin typeface="Consolas" panose="020B0609020204030204" pitchFamily="49" charset="0"/>
               </a:rPr>
-              <a:t>=&gt; </a:t>
-            </a:r>
-            <a:r>
-              <a:rPr lang="en-US" sz="1400" dirty="0" smtClean="0">
-                <a:latin typeface="Consolas" panose="020B0609020204030204" pitchFamily="49" charset="0"/>
-              </a:rPr>
-              <a:t>x(</a:t>
-            </a:r>
-            <a:r>
-              <a:rPr lang="tr-TR" sz="1400" dirty="0" smtClean="0">
+              <a:t>.map(x =&gt; x(</a:t>
+            </a:r>
+            <a:r>
+              <a:rPr lang="tr-TR" sz="1400" dirty="0">
                 <a:latin typeface="Consolas" panose="020B0609020204030204" pitchFamily="49" charset="0"/>
               </a:rPr>
               <a:t>2</a:t>
             </a:r>
             <a:r>
-              <a:rPr lang="en-US" sz="1400" dirty="0" smtClean="0">
+              <a:rPr lang="en-US" sz="1400" dirty="0">
                 <a:latin typeface="Consolas" panose="020B0609020204030204" pitchFamily="49" charset="0"/>
               </a:rPr>
               <a:t>).</a:t>
@@ -10269,27 +8393,21 @@
               <a:t>toDouble</a:t>
             </a:r>
             <a:r>
-              <a:rPr lang="en-US" sz="1400" dirty="0" smtClean="0">
+              <a:rPr lang="en-US" sz="1400" dirty="0">
                 <a:latin typeface="Consolas" panose="020B0609020204030204" pitchFamily="49" charset="0"/>
               </a:rPr>
               <a:t>)</a:t>
             </a:r>
-            <a:endParaRPr lang="tr-TR" sz="1400" dirty="0" smtClean="0">
+            <a:endParaRPr lang="tr-TR" sz="1400" dirty="0">
               <a:latin typeface="Consolas" panose="020B0609020204030204" pitchFamily="49" charset="0"/>
             </a:endParaRPr>
           </a:p>
           <a:p>
             <a:r>
-              <a:rPr lang="en-US" sz="1400" dirty="0" smtClean="0">
-                <a:latin typeface="Consolas" panose="020B0609020204030204" pitchFamily="49" charset="0"/>
-              </a:rPr>
-              <a:t>.</a:t>
-            </a:r>
-            <a:r>
               <a:rPr lang="en-US" sz="1400" dirty="0">
                 <a:latin typeface="Consolas" panose="020B0609020204030204" pitchFamily="49" charset="0"/>
               </a:rPr>
-              <a:t>reduce((</a:t>
+              <a:t>.reduce((</a:t>
             </a:r>
             <a:r>
               <a:rPr lang="en-US" sz="1400" dirty="0" err="1">
@@ -10351,28 +8469,22 @@
               </a:rPr>
               <a:t> = </a:t>
             </a:r>
-            <a:endParaRPr lang="tr-TR" sz="1400" dirty="0" smtClean="0">
+            <a:endParaRPr lang="tr-TR" sz="1400" dirty="0">
               <a:latin typeface="Consolas" panose="020B0609020204030204" pitchFamily="49" charset="0"/>
             </a:endParaRPr>
           </a:p>
           <a:p>
             <a:r>
-              <a:rPr lang="en-US" sz="1400" dirty="0" err="1" smtClean="0">
+              <a:rPr lang="en-US" sz="1400" dirty="0" err="1">
                 <a:latin typeface="Consolas" panose="020B0609020204030204" pitchFamily="49" charset="0"/>
               </a:rPr>
               <a:t>insanlarRDD.map</a:t>
             </a:r>
             <a:r>
-              <a:rPr lang="en-US" sz="1400" dirty="0" smtClean="0">
-                <a:latin typeface="Consolas" panose="020B0609020204030204" pitchFamily="49" charset="0"/>
-              </a:rPr>
-              <a:t>(x </a:t>
-            </a:r>
-            <a:r>
               <a:rPr lang="en-US" sz="1400" dirty="0">
                 <a:latin typeface="Consolas" panose="020B0609020204030204" pitchFamily="49" charset="0"/>
               </a:rPr>
-              <a:t>=&gt; </a:t>
+              <a:t>(x =&gt; </a:t>
             </a:r>
             <a:r>
               <a:rPr lang="en-US" sz="1400" dirty="0" err="1">
@@ -10467,16 +8579,10 @@
           </a:p>
           <a:p>
             <a:r>
-              <a:rPr lang="en-US" sz="1200" dirty="0" smtClean="0">
-                <a:latin typeface="Consolas" panose="020B0609020204030204" pitchFamily="49" charset="0"/>
-              </a:rPr>
-              <a:t>res92</a:t>
-            </a:r>
-            <a:r>
               <a:rPr lang="en-US" sz="1200" dirty="0">
                 <a:latin typeface="Consolas" panose="020B0609020204030204" pitchFamily="49" charset="0"/>
               </a:rPr>
-              <a:t>: Array[String] = Array(1,"Gülsüm",35, 2,"Cemal",23, 3,"Elif",29, 4,"Funda",41, 5,"Hamza",33, 6,"Yalçın",45, 7,"Mehmet",44, 8,"Gülay",33, 9,"Cumhur",38, 10,"Burcu",41, 11,"Metin",47, 12,"Veysel",53)</a:t>
+              <a:t>res92: Array[String] = Array(1,"Gülsüm",35, 2,"Cemal",23, 3,"Elif",29, 4,"Funda",41, 5,"Hamza",33, 6,"Yalçın",45, 7,"Mehmet",44, 8,"Gülay",33, 9,"Cumhur",38, 10,"Burcu",41, 11,"Metin",47, 12,"Veysel",53)</a:t>
             </a:r>
           </a:p>
         </p:txBody>
@@ -10577,44 +8683,32 @@
           </a:p>
           <a:p>
             <a:r>
-              <a:rPr lang="en-US" sz="1200" dirty="0" smtClean="0">
-                <a:latin typeface="Consolas" panose="020B0609020204030204" pitchFamily="49" charset="0"/>
-              </a:rPr>
-              <a:t>res90</a:t>
-            </a:r>
-            <a:r>
               <a:rPr lang="en-US" sz="1200" dirty="0">
                 <a:latin typeface="Consolas" panose="020B0609020204030204" pitchFamily="49" charset="0"/>
               </a:rPr>
-              <a:t>: Array[Array[String]] = </a:t>
-            </a:r>
-            <a:endParaRPr lang="tr-TR" sz="1200" dirty="0" smtClean="0">
+              <a:t>res90: Array[Array[String]] = </a:t>
+            </a:r>
+            <a:endParaRPr lang="tr-TR" sz="1200" dirty="0">
               <a:latin typeface="Consolas" panose="020B0609020204030204" pitchFamily="49" charset="0"/>
             </a:endParaRPr>
           </a:p>
           <a:p>
             <a:r>
-              <a:rPr lang="en-US" sz="1200" dirty="0" smtClean="0">
+              <a:rPr lang="en-US" sz="1200" dirty="0">
                 <a:latin typeface="Consolas" panose="020B0609020204030204" pitchFamily="49" charset="0"/>
               </a:rPr>
               <a:t>Array(</a:t>
             </a:r>
-            <a:endParaRPr lang="tr-TR" sz="1200" dirty="0" smtClean="0">
+            <a:endParaRPr lang="tr-TR" sz="1200" dirty="0">
               <a:latin typeface="Consolas" panose="020B0609020204030204" pitchFamily="49" charset="0"/>
             </a:endParaRPr>
           </a:p>
           <a:p>
             <a:r>
-              <a:rPr lang="en-US" sz="1200" dirty="0" smtClean="0">
-                <a:latin typeface="Consolas" panose="020B0609020204030204" pitchFamily="49" charset="0"/>
-              </a:rPr>
-              <a:t>Array(1</a:t>
-            </a:r>
-            <a:r>
               <a:rPr lang="en-US" sz="1200" dirty="0">
                 <a:latin typeface="Consolas" panose="020B0609020204030204" pitchFamily="49" charset="0"/>
               </a:rPr>
-              <a:t>, "</a:t>
+              <a:t>Array(1, "</a:t>
             </a:r>
             <a:r>
               <a:rPr lang="en-US" sz="1200" dirty="0" err="1">
@@ -10628,22 +8722,16 @@
               </a:rPr>
               <a:t>", 35), </a:t>
             </a:r>
-            <a:endParaRPr lang="tr-TR" sz="1200" dirty="0" smtClean="0">
+            <a:endParaRPr lang="tr-TR" sz="1200" dirty="0">
               <a:latin typeface="Consolas" panose="020B0609020204030204" pitchFamily="49" charset="0"/>
             </a:endParaRPr>
           </a:p>
           <a:p>
             <a:r>
-              <a:rPr lang="en-US" sz="1200" dirty="0" smtClean="0">
-                <a:latin typeface="Consolas" panose="020B0609020204030204" pitchFamily="49" charset="0"/>
-              </a:rPr>
-              <a:t>Array(2</a:t>
-            </a:r>
-            <a:r>
               <a:rPr lang="en-US" sz="1200" dirty="0">
                 <a:latin typeface="Consolas" panose="020B0609020204030204" pitchFamily="49" charset="0"/>
               </a:rPr>
-              <a:t>, "</a:t>
+              <a:t>Array(2, "</a:t>
             </a:r>
             <a:r>
               <a:rPr lang="en-US" sz="1200" dirty="0" err="1">
@@ -10657,22 +8745,16 @@
               </a:rPr>
               <a:t>", 23), </a:t>
             </a:r>
-            <a:endParaRPr lang="tr-TR" sz="1200" dirty="0" smtClean="0">
+            <a:endParaRPr lang="tr-TR" sz="1200" dirty="0">
               <a:latin typeface="Consolas" panose="020B0609020204030204" pitchFamily="49" charset="0"/>
             </a:endParaRPr>
           </a:p>
           <a:p>
             <a:r>
-              <a:rPr lang="en-US" sz="1200" dirty="0" smtClean="0">
-                <a:latin typeface="Consolas" panose="020B0609020204030204" pitchFamily="49" charset="0"/>
-              </a:rPr>
-              <a:t>Array(3</a:t>
-            </a:r>
-            <a:r>
               <a:rPr lang="en-US" sz="1200" dirty="0">
                 <a:latin typeface="Consolas" panose="020B0609020204030204" pitchFamily="49" charset="0"/>
               </a:rPr>
-              <a:t>, "</a:t>
+              <a:t>Array(3, "</a:t>
             </a:r>
             <a:r>
               <a:rPr lang="en-US" sz="1200" dirty="0" err="1">
@@ -10686,22 +8768,16 @@
               </a:rPr>
               <a:t>", 29), </a:t>
             </a:r>
-            <a:endParaRPr lang="tr-TR" sz="1200" dirty="0" smtClean="0">
+            <a:endParaRPr lang="tr-TR" sz="1200" dirty="0">
               <a:latin typeface="Consolas" panose="020B0609020204030204" pitchFamily="49" charset="0"/>
             </a:endParaRPr>
           </a:p>
           <a:p>
             <a:r>
-              <a:rPr lang="en-US" sz="1200" dirty="0" smtClean="0">
-                <a:latin typeface="Consolas" panose="020B0609020204030204" pitchFamily="49" charset="0"/>
-              </a:rPr>
-              <a:t>Array(4</a:t>
-            </a:r>
-            <a:r>
               <a:rPr lang="en-US" sz="1200" dirty="0">
                 <a:latin typeface="Consolas" panose="020B0609020204030204" pitchFamily="49" charset="0"/>
               </a:rPr>
-              <a:t>, "</a:t>
+              <a:t>Array(4, "</a:t>
             </a:r>
             <a:r>
               <a:rPr lang="en-US" sz="1200" dirty="0" err="1">
@@ -10715,39 +8791,27 @@
               </a:rPr>
               <a:t>", 41), </a:t>
             </a:r>
-            <a:endParaRPr lang="tr-TR" sz="1200" dirty="0" smtClean="0">
+            <a:endParaRPr lang="tr-TR" sz="1200" dirty="0">
               <a:latin typeface="Consolas" panose="020B0609020204030204" pitchFamily="49" charset="0"/>
             </a:endParaRPr>
           </a:p>
           <a:p>
             <a:r>
-              <a:rPr lang="en-US" sz="1200" dirty="0" smtClean="0">
-                <a:latin typeface="Consolas" panose="020B0609020204030204" pitchFamily="49" charset="0"/>
-              </a:rPr>
-              <a:t>Array(5</a:t>
-            </a:r>
-            <a:r>
               <a:rPr lang="en-US" sz="1200" dirty="0">
                 <a:latin typeface="Consolas" panose="020B0609020204030204" pitchFamily="49" charset="0"/>
               </a:rPr>
-              <a:t>, "Hamza", 33), </a:t>
-            </a:r>
-            <a:endParaRPr lang="tr-TR" sz="1200" dirty="0" smtClean="0">
+              <a:t>Array(5, "Hamza", 33), </a:t>
+            </a:r>
+            <a:endParaRPr lang="tr-TR" sz="1200" dirty="0">
               <a:latin typeface="Consolas" panose="020B0609020204030204" pitchFamily="49" charset="0"/>
             </a:endParaRPr>
           </a:p>
           <a:p>
             <a:r>
-              <a:rPr lang="en-US" sz="1200" dirty="0" smtClean="0">
-                <a:latin typeface="Consolas" panose="020B0609020204030204" pitchFamily="49" charset="0"/>
-              </a:rPr>
-              <a:t>Array(6</a:t>
-            </a:r>
-            <a:r>
               <a:rPr lang="en-US" sz="1200" dirty="0">
                 <a:latin typeface="Consolas" panose="020B0609020204030204" pitchFamily="49" charset="0"/>
               </a:rPr>
-              <a:t>, "</a:t>
+              <a:t>Array(6, "</a:t>
             </a:r>
             <a:r>
               <a:rPr lang="en-US" sz="1200" dirty="0" err="1">
@@ -10761,39 +8825,27 @@
               </a:rPr>
               <a:t>", 45), </a:t>
             </a:r>
-            <a:endParaRPr lang="tr-TR" sz="1200" dirty="0" smtClean="0">
+            <a:endParaRPr lang="tr-TR" sz="1200" dirty="0">
               <a:latin typeface="Consolas" panose="020B0609020204030204" pitchFamily="49" charset="0"/>
             </a:endParaRPr>
           </a:p>
           <a:p>
             <a:r>
-              <a:rPr lang="en-US" sz="1200" dirty="0" smtClean="0">
-                <a:latin typeface="Consolas" panose="020B0609020204030204" pitchFamily="49" charset="0"/>
-              </a:rPr>
-              <a:t>Array(7</a:t>
-            </a:r>
-            <a:r>
               <a:rPr lang="en-US" sz="1200" dirty="0">
                 <a:latin typeface="Consolas" panose="020B0609020204030204" pitchFamily="49" charset="0"/>
               </a:rPr>
-              <a:t>, "Mehmet", 44), </a:t>
-            </a:r>
-            <a:endParaRPr lang="tr-TR" sz="1200" dirty="0" smtClean="0">
+              <a:t>Array(7, "Mehmet", 44), </a:t>
+            </a:r>
+            <a:endParaRPr lang="tr-TR" sz="1200" dirty="0">
               <a:latin typeface="Consolas" panose="020B0609020204030204" pitchFamily="49" charset="0"/>
             </a:endParaRPr>
           </a:p>
           <a:p>
             <a:r>
-              <a:rPr lang="en-US" sz="1200" dirty="0" smtClean="0">
-                <a:latin typeface="Consolas" panose="020B0609020204030204" pitchFamily="49" charset="0"/>
-              </a:rPr>
-              <a:t>Array(8</a:t>
-            </a:r>
-            <a:r>
               <a:rPr lang="en-US" sz="1200" dirty="0">
                 <a:latin typeface="Consolas" panose="020B0609020204030204" pitchFamily="49" charset="0"/>
               </a:rPr>
-              <a:t>, "</a:t>
+              <a:t>Array(8, "</a:t>
             </a:r>
             <a:r>
               <a:rPr lang="en-US" sz="1200" dirty="0" err="1">
@@ -10807,22 +8859,16 @@
               </a:rPr>
               <a:t>", 33), </a:t>
             </a:r>
-            <a:endParaRPr lang="tr-TR" sz="1200" dirty="0" smtClean="0">
+            <a:endParaRPr lang="tr-TR" sz="1200" dirty="0">
               <a:latin typeface="Consolas" panose="020B0609020204030204" pitchFamily="49" charset="0"/>
             </a:endParaRPr>
           </a:p>
           <a:p>
             <a:r>
-              <a:rPr lang="en-US" sz="1200" dirty="0" smtClean="0">
-                <a:latin typeface="Consolas" panose="020B0609020204030204" pitchFamily="49" charset="0"/>
-              </a:rPr>
-              <a:t>Array(9</a:t>
-            </a:r>
-            <a:r>
               <a:rPr lang="en-US" sz="1200" dirty="0">
                 <a:latin typeface="Consolas" panose="020B0609020204030204" pitchFamily="49" charset="0"/>
               </a:rPr>
-              <a:t>, "</a:t>
+              <a:t>Array(9, "</a:t>
             </a:r>
             <a:r>
               <a:rPr lang="en-US" sz="1200" dirty="0" err="1">
@@ -10836,22 +8882,16 @@
               </a:rPr>
               <a:t>", 38), </a:t>
             </a:r>
-            <a:endParaRPr lang="tr-TR" sz="1200" dirty="0" smtClean="0">
+            <a:endParaRPr lang="tr-TR" sz="1200" dirty="0">
               <a:latin typeface="Consolas" panose="020B0609020204030204" pitchFamily="49" charset="0"/>
             </a:endParaRPr>
           </a:p>
           <a:p>
             <a:r>
-              <a:rPr lang="en-US" sz="1200" dirty="0" smtClean="0">
-                <a:latin typeface="Consolas" panose="020B0609020204030204" pitchFamily="49" charset="0"/>
-              </a:rPr>
-              <a:t>Array(10</a:t>
-            </a:r>
-            <a:r>
               <a:rPr lang="en-US" sz="1200" dirty="0">
                 <a:latin typeface="Consolas" panose="020B0609020204030204" pitchFamily="49" charset="0"/>
               </a:rPr>
-              <a:t>, "</a:t>
+              <a:t>Array(10, "</a:t>
             </a:r>
             <a:r>
               <a:rPr lang="en-US" sz="1200" dirty="0" err="1">
@@ -10863,16 +8903,10 @@
               <a:rPr lang="en-US" sz="1200" dirty="0">
                 <a:latin typeface="Consolas" panose="020B0609020204030204" pitchFamily="49" charset="0"/>
               </a:rPr>
-              <a:t>", 41</a:t>
-            </a:r>
-            <a:r>
-              <a:rPr lang="en-US" sz="1200" dirty="0" smtClean="0">
-                <a:latin typeface="Consolas" panose="020B0609020204030204" pitchFamily="49" charset="0"/>
-              </a:rPr>
-              <a:t>)</a:t>
-            </a:r>
-            <a:r>
-              <a:rPr lang="tr-TR" sz="1200" dirty="0" smtClean="0">
+              <a:t>", 41)</a:t>
+            </a:r>
+            <a:r>
+              <a:rPr lang="tr-TR" sz="1200" dirty="0">
                 <a:latin typeface="Consolas" panose="020B0609020204030204" pitchFamily="49" charset="0"/>
               </a:rPr>
               <a:t>,</a:t>
@@ -10897,22 +8931,16 @@
               </a:rPr>
               <a:t>", 47), </a:t>
             </a:r>
-            <a:endParaRPr lang="tr-TR" sz="1200" dirty="0" smtClean="0">
+            <a:endParaRPr lang="tr-TR" sz="1200" dirty="0">
               <a:latin typeface="Consolas" panose="020B0609020204030204" pitchFamily="49" charset="0"/>
             </a:endParaRPr>
           </a:p>
           <a:p>
             <a:r>
-              <a:rPr lang="en-US" sz="1200" dirty="0" smtClean="0">
-                <a:latin typeface="Consolas" panose="020B0609020204030204" pitchFamily="49" charset="0"/>
-              </a:rPr>
-              <a:t>Array(12</a:t>
-            </a:r>
-            <a:r>
               <a:rPr lang="en-US" sz="1200" dirty="0">
                 <a:latin typeface="Consolas" panose="020B0609020204030204" pitchFamily="49" charset="0"/>
               </a:rPr>
-              <a:t>, "</a:t>
+              <a:t>Array(12, "</a:t>
             </a:r>
             <a:r>
               <a:rPr lang="en-US" sz="1200" dirty="0" err="1">
@@ -10924,26 +8952,20 @@
               <a:rPr lang="en-US" sz="1200" dirty="0">
                 <a:latin typeface="Consolas" panose="020B0609020204030204" pitchFamily="49" charset="0"/>
               </a:rPr>
-              <a:t>", 53</a:t>
-            </a:r>
-            <a:r>
-              <a:rPr lang="en-US" sz="1200" dirty="0" smtClean="0">
-                <a:latin typeface="Consolas" panose="020B0609020204030204" pitchFamily="49" charset="0"/>
-              </a:rPr>
-              <a:t>)</a:t>
-            </a:r>
-            <a:endParaRPr lang="tr-TR" sz="1200" dirty="0" smtClean="0">
+              <a:t>", 53)</a:t>
+            </a:r>
+            <a:endParaRPr lang="tr-TR" sz="1200" dirty="0">
               <a:latin typeface="Consolas" panose="020B0609020204030204" pitchFamily="49" charset="0"/>
             </a:endParaRPr>
           </a:p>
           <a:p>
             <a:r>
-              <a:rPr lang="en-US" sz="1200" dirty="0" smtClean="0">
+              <a:rPr lang="en-US" sz="1200" dirty="0">
                 <a:latin typeface="Consolas" panose="020B0609020204030204" pitchFamily="49" charset="0"/>
               </a:rPr>
               <a:t>)</a:t>
             </a:r>
-            <a:endParaRPr lang="tr-TR" sz="1200" dirty="0" smtClean="0">
+            <a:endParaRPr lang="tr-TR" sz="1200" dirty="0">
               <a:latin typeface="Consolas" panose="020B0609020204030204" pitchFamily="49" charset="0"/>
             </a:endParaRPr>
           </a:p>
@@ -12001,7 +10023,7 @@
               <a:t>Gülsüm</a:t>
             </a:r>
             <a:r>
-              <a:rPr lang="en-US" sz="1000" dirty="0" smtClean="0">
+              <a:rPr lang="en-US" sz="1000" dirty="0">
                 <a:solidFill>
                   <a:schemeClr val="bg1">
                     <a:lumMod val="85000"/>
@@ -12012,7 +10034,7 @@
               <a:t>",</a:t>
             </a:r>
             <a:r>
-              <a:rPr lang="tr-TR" sz="1000" dirty="0" smtClean="0">
+              <a:rPr lang="tr-TR" sz="1000" dirty="0">
                 <a:solidFill>
                   <a:schemeClr val="bg1">
                     <a:lumMod val="85000"/>
@@ -12023,7 +10045,7 @@
               <a:t>   </a:t>
             </a:r>
             <a:r>
-              <a:rPr lang="en-US" sz="1000" dirty="0" smtClean="0">
+              <a:rPr lang="en-US" sz="1000" dirty="0">
                 <a:solidFill>
                   <a:schemeClr val="bg1">
                     <a:lumMod val="85000"/>
@@ -12033,7 +10055,64 @@
               </a:rPr>
               <a:t>), </a:t>
             </a:r>
-            <a:endParaRPr lang="en-US" sz="1000" dirty="0">
+          </a:p>
+          <a:p>
+            <a:r>
+              <a:rPr lang="en-US" sz="1000" dirty="0">
+                <a:solidFill>
+                  <a:schemeClr val="bg1">
+                    <a:lumMod val="85000"/>
+                  </a:schemeClr>
+                </a:solidFill>
+                <a:latin typeface="Consolas" panose="020B0609020204030204" pitchFamily="49" charset="0"/>
+              </a:rPr>
+              <a:t>Array(2, "</a:t>
+            </a:r>
+            <a:r>
+              <a:rPr lang="en-US" sz="1000" dirty="0" err="1">
+                <a:solidFill>
+                  <a:schemeClr val="bg1">
+                    <a:lumMod val="85000"/>
+                  </a:schemeClr>
+                </a:solidFill>
+                <a:latin typeface="Consolas" panose="020B0609020204030204" pitchFamily="49" charset="0"/>
+              </a:rPr>
+              <a:t>Cemal</a:t>
+            </a:r>
+            <a:r>
+              <a:rPr lang="en-US" sz="1000" dirty="0">
+                <a:solidFill>
+                  <a:schemeClr val="bg1">
+                    <a:lumMod val="85000"/>
+                  </a:schemeClr>
+                </a:solidFill>
+                <a:latin typeface="Consolas" panose="020B0609020204030204" pitchFamily="49" charset="0"/>
+              </a:rPr>
+              <a:t>",</a:t>
+            </a:r>
+            <a:r>
+              <a:rPr lang="tr-TR" sz="1000" dirty="0">
+                <a:solidFill>
+                  <a:schemeClr val="bg1">
+                    <a:lumMod val="85000"/>
+                  </a:schemeClr>
+                </a:solidFill>
+                <a:latin typeface="Consolas" panose="020B0609020204030204" pitchFamily="49" charset="0"/>
+              </a:rPr>
+              <a:t>   </a:t>
+            </a:r>
+            <a:r>
+              <a:rPr lang="en-US" sz="1000" dirty="0">
+                <a:solidFill>
+                  <a:schemeClr val="bg1">
+                    <a:lumMod val="85000"/>
+                  </a:schemeClr>
+                </a:solidFill>
+                <a:latin typeface="Consolas" panose="020B0609020204030204" pitchFamily="49" charset="0"/>
+              </a:rPr>
+              <a:t>),</a:t>
+            </a:r>
+            <a:endParaRPr lang="tr-TR" sz="1000" dirty="0">
               <a:solidFill>
                 <a:schemeClr val="bg1">
                   <a:lumMod val="85000"/>
@@ -12052,10 +10131,10 @@
                 </a:solidFill>
                 <a:latin typeface="Consolas" panose="020B0609020204030204" pitchFamily="49" charset="0"/>
               </a:rPr>
-              <a:t>Array(2, "</a:t>
-            </a:r>
-            <a:r>
-              <a:rPr lang="en-US" sz="1000" dirty="0" err="1">
+              <a:t>Array(7, "Mehmet",</a:t>
+            </a:r>
+            <a:r>
+              <a:rPr lang="tr-TR" sz="1000" dirty="0">
                 <a:solidFill>
                   <a:schemeClr val="bg1">
                     <a:lumMod val="85000"/>
@@ -12063,10 +10142,10 @@
                 </a:solidFill>
                 <a:latin typeface="Consolas" panose="020B0609020204030204" pitchFamily="49" charset="0"/>
               </a:rPr>
-              <a:t>Cemal</a:t>
-            </a:r>
-            <a:r>
-              <a:rPr lang="en-US" sz="1000" dirty="0" smtClean="0">
+              <a:t>   </a:t>
+            </a:r>
+            <a:r>
+              <a:rPr lang="en-US" sz="1000" dirty="0">
                 <a:solidFill>
                   <a:schemeClr val="bg1">
                     <a:lumMod val="85000"/>
@@ -12074,10 +10153,12 @@
                 </a:solidFill>
                 <a:latin typeface="Consolas" panose="020B0609020204030204" pitchFamily="49" charset="0"/>
               </a:rPr>
-              <a:t>",</a:t>
-            </a:r>
-            <a:r>
-              <a:rPr lang="tr-TR" sz="1000" dirty="0" smtClean="0">
+              <a:t>), </a:t>
+            </a:r>
+          </a:p>
+          <a:p>
+            <a:r>
+              <a:rPr lang="en-US" sz="1000" dirty="0">
                 <a:solidFill>
                   <a:schemeClr val="bg1">
                     <a:lumMod val="85000"/>
@@ -12085,10 +10166,10 @@
                 </a:solidFill>
                 <a:latin typeface="Consolas" panose="020B0609020204030204" pitchFamily="49" charset="0"/>
               </a:rPr>
-              <a:t>   </a:t>
-            </a:r>
-            <a:r>
-              <a:rPr lang="en-US" sz="1000" dirty="0" smtClean="0">
+              <a:t>Array(8, "</a:t>
+            </a:r>
+            <a:r>
+              <a:rPr lang="en-US" sz="1000" dirty="0" err="1">
                 <a:solidFill>
                   <a:schemeClr val="bg1">
                     <a:lumMod val="85000"/>
@@ -12096,9 +10177,42 @@
                 </a:solidFill>
                 <a:latin typeface="Consolas" panose="020B0609020204030204" pitchFamily="49" charset="0"/>
               </a:rPr>
-              <a:t>),</a:t>
-            </a:r>
-            <a:endParaRPr lang="tr-TR" sz="1000" dirty="0" smtClean="0">
+              <a:t>Gülay</a:t>
+            </a:r>
+            <a:r>
+              <a:rPr lang="en-US" sz="1000" dirty="0">
+                <a:solidFill>
+                  <a:schemeClr val="bg1">
+                    <a:lumMod val="85000"/>
+                  </a:schemeClr>
+                </a:solidFill>
+                <a:latin typeface="Consolas" panose="020B0609020204030204" pitchFamily="49" charset="0"/>
+              </a:rPr>
+              <a:t>", </a:t>
+            </a:r>
+            <a:r>
+              <a:rPr lang="tr-TR" sz="1000" dirty="0">
+                <a:solidFill>
+                  <a:schemeClr val="bg1">
+                    <a:lumMod val="85000"/>
+                  </a:schemeClr>
+                </a:solidFill>
+                <a:latin typeface="Consolas" panose="020B0609020204030204" pitchFamily="49" charset="0"/>
+              </a:rPr>
+              <a:t>   </a:t>
+            </a:r>
+            <a:r>
+              <a:rPr lang="en-US" sz="1000" dirty="0">
+                <a:solidFill>
+                  <a:schemeClr val="bg1">
+                    <a:lumMod val="85000"/>
+                  </a:schemeClr>
+                </a:solidFill>
+                <a:latin typeface="Consolas" panose="020B0609020204030204" pitchFamily="49" charset="0"/>
+              </a:rPr>
+              <a:t>)</a:t>
+            </a:r>
+            <a:endParaRPr lang="tr-TR" sz="1000" dirty="0">
               <a:solidFill>
                 <a:schemeClr val="bg1">
                   <a:lumMod val="85000"/>
@@ -12109,7 +10223,7 @@
           </a:p>
           <a:p>
             <a:r>
-              <a:rPr lang="en-US" sz="1000" dirty="0" smtClean="0">
+              <a:rPr lang="tr-TR" sz="1000" dirty="0">
                 <a:solidFill>
                   <a:schemeClr val="bg1">
                     <a:lumMod val="85000"/>
@@ -12117,7 +10231,7 @@
                 </a:solidFill>
                 <a:latin typeface="Consolas" panose="020B0609020204030204" pitchFamily="49" charset="0"/>
               </a:rPr>
-              <a:t>Array(7</a:t>
+              <a:t>)</a:t>
             </a:r>
             <a:r>
               <a:rPr lang="en-US" sz="1000" dirty="0">
@@ -12128,146 +10242,8 @@
                 </a:solidFill>
                 <a:latin typeface="Consolas" panose="020B0609020204030204" pitchFamily="49" charset="0"/>
               </a:rPr>
-              <a:t>, "Mehmet</a:t>
-            </a:r>
-            <a:r>
-              <a:rPr lang="en-US" sz="1000" dirty="0" smtClean="0">
-                <a:solidFill>
-                  <a:schemeClr val="bg1">
-                    <a:lumMod val="85000"/>
-                  </a:schemeClr>
-                </a:solidFill>
-                <a:latin typeface="Consolas" panose="020B0609020204030204" pitchFamily="49" charset="0"/>
-              </a:rPr>
-              <a:t>",</a:t>
-            </a:r>
-            <a:r>
-              <a:rPr lang="tr-TR" sz="1000" dirty="0" smtClean="0">
-                <a:solidFill>
-                  <a:schemeClr val="bg1">
-                    <a:lumMod val="85000"/>
-                  </a:schemeClr>
-                </a:solidFill>
-                <a:latin typeface="Consolas" panose="020B0609020204030204" pitchFamily="49" charset="0"/>
-              </a:rPr>
-              <a:t>   </a:t>
-            </a:r>
-            <a:r>
-              <a:rPr lang="en-US" sz="1000" dirty="0" smtClean="0">
-                <a:solidFill>
-                  <a:schemeClr val="bg1">
-                    <a:lumMod val="85000"/>
-                  </a:schemeClr>
-                </a:solidFill>
-                <a:latin typeface="Consolas" panose="020B0609020204030204" pitchFamily="49" charset="0"/>
-              </a:rPr>
-              <a:t>), </a:t>
-            </a:r>
-            <a:endParaRPr lang="en-US" sz="1000" dirty="0">
-              <a:solidFill>
-                <a:schemeClr val="bg1">
-                  <a:lumMod val="85000"/>
-                </a:schemeClr>
-              </a:solidFill>
-              <a:latin typeface="Consolas" panose="020B0609020204030204" pitchFamily="49" charset="0"/>
-            </a:endParaRPr>
-          </a:p>
-          <a:p>
-            <a:r>
-              <a:rPr lang="en-US" sz="1000" dirty="0">
-                <a:solidFill>
-                  <a:schemeClr val="bg1">
-                    <a:lumMod val="85000"/>
-                  </a:schemeClr>
-                </a:solidFill>
-                <a:latin typeface="Consolas" panose="020B0609020204030204" pitchFamily="49" charset="0"/>
-              </a:rPr>
-              <a:t>Array(8, "</a:t>
-            </a:r>
-            <a:r>
-              <a:rPr lang="en-US" sz="1000" dirty="0" err="1">
-                <a:solidFill>
-                  <a:schemeClr val="bg1">
-                    <a:lumMod val="85000"/>
-                  </a:schemeClr>
-                </a:solidFill>
-                <a:latin typeface="Consolas" panose="020B0609020204030204" pitchFamily="49" charset="0"/>
-              </a:rPr>
-              <a:t>Gülay</a:t>
-            </a:r>
-            <a:r>
-              <a:rPr lang="en-US" sz="1000" dirty="0">
-                <a:solidFill>
-                  <a:schemeClr val="bg1">
-                    <a:lumMod val="85000"/>
-                  </a:schemeClr>
-                </a:solidFill>
-                <a:latin typeface="Consolas" panose="020B0609020204030204" pitchFamily="49" charset="0"/>
-              </a:rPr>
-              <a:t>", </a:t>
-            </a:r>
-            <a:r>
-              <a:rPr lang="tr-TR" sz="1000" dirty="0" smtClean="0">
-                <a:solidFill>
-                  <a:schemeClr val="bg1">
-                    <a:lumMod val="85000"/>
-                  </a:schemeClr>
-                </a:solidFill>
-                <a:latin typeface="Consolas" panose="020B0609020204030204" pitchFamily="49" charset="0"/>
-              </a:rPr>
-              <a:t>   </a:t>
-            </a:r>
-            <a:r>
-              <a:rPr lang="en-US" sz="1000" dirty="0" smtClean="0">
-                <a:solidFill>
-                  <a:schemeClr val="bg1">
-                    <a:lumMod val="85000"/>
-                  </a:schemeClr>
-                </a:solidFill>
-                <a:latin typeface="Consolas" panose="020B0609020204030204" pitchFamily="49" charset="0"/>
-              </a:rPr>
-              <a:t>)</a:t>
-            </a:r>
-            <a:endParaRPr lang="tr-TR" sz="1000" dirty="0" smtClean="0">
-              <a:solidFill>
-                <a:schemeClr val="bg1">
-                  <a:lumMod val="85000"/>
-                </a:schemeClr>
-              </a:solidFill>
-              <a:latin typeface="Consolas" panose="020B0609020204030204" pitchFamily="49" charset="0"/>
-            </a:endParaRPr>
-          </a:p>
-          <a:p>
-            <a:r>
-              <a:rPr lang="tr-TR" sz="1000" dirty="0" smtClean="0">
-                <a:solidFill>
-                  <a:schemeClr val="bg1">
-                    <a:lumMod val="85000"/>
-                  </a:schemeClr>
-                </a:solidFill>
-                <a:latin typeface="Consolas" panose="020B0609020204030204" pitchFamily="49" charset="0"/>
-              </a:rPr>
-              <a:t>)</a:t>
-            </a:r>
-            <a:r>
-              <a:rPr lang="en-US" sz="1000" dirty="0" smtClean="0">
-                <a:solidFill>
-                  <a:schemeClr val="bg1">
-                    <a:lumMod val="85000"/>
-                  </a:schemeClr>
-                </a:solidFill>
-                <a:latin typeface="Consolas" panose="020B0609020204030204" pitchFamily="49" charset="0"/>
-              </a:rPr>
               <a:t> </a:t>
             </a:r>
-            <a:endParaRPr lang="en-US" sz="1000" dirty="0">
-              <a:solidFill>
-                <a:schemeClr val="bg1">
-                  <a:lumMod val="85000"/>
-                </a:schemeClr>
-              </a:solidFill>
-              <a:latin typeface="Consolas" panose="020B0609020204030204" pitchFamily="49" charset="0"/>
-            </a:endParaRPr>
           </a:p>
         </p:txBody>
       </p:sp>
@@ -12328,7 +10304,7 @@
               <a:t>Elif</a:t>
             </a:r>
             <a:r>
-              <a:rPr lang="en-US" sz="1000" dirty="0" smtClean="0">
+              <a:rPr lang="en-US" sz="1000" dirty="0">
                 <a:solidFill>
                   <a:schemeClr val="bg1">
                     <a:lumMod val="85000"/>
@@ -12339,7 +10315,7 @@
               <a:t>",</a:t>
             </a:r>
             <a:r>
-              <a:rPr lang="tr-TR" sz="1000" dirty="0" smtClean="0">
+              <a:rPr lang="tr-TR" sz="1000" dirty="0">
                 <a:solidFill>
                   <a:schemeClr val="bg1">
                     <a:lumMod val="85000"/>
@@ -12350,7 +10326,7 @@
               <a:t>    </a:t>
             </a:r>
             <a:r>
-              <a:rPr lang="en-US" sz="1000" dirty="0" smtClean="0">
+              <a:rPr lang="en-US" sz="1000" dirty="0">
                 <a:solidFill>
                   <a:schemeClr val="bg1">
                     <a:lumMod val="85000"/>
@@ -12360,7 +10336,178 @@
               </a:rPr>
               <a:t>), </a:t>
             </a:r>
-            <a:endParaRPr lang="en-US" sz="1000" dirty="0">
+          </a:p>
+          <a:p>
+            <a:r>
+              <a:rPr lang="en-US" sz="1000" dirty="0">
+                <a:solidFill>
+                  <a:schemeClr val="bg1">
+                    <a:lumMod val="85000"/>
+                  </a:schemeClr>
+                </a:solidFill>
+                <a:latin typeface="Consolas" panose="020B0609020204030204" pitchFamily="49" charset="0"/>
+              </a:rPr>
+              <a:t>Array(4, "</a:t>
+            </a:r>
+            <a:r>
+              <a:rPr lang="en-US" sz="1000" dirty="0" err="1">
+                <a:solidFill>
+                  <a:schemeClr val="bg1">
+                    <a:lumMod val="85000"/>
+                  </a:schemeClr>
+                </a:solidFill>
+                <a:latin typeface="Consolas" panose="020B0609020204030204" pitchFamily="49" charset="0"/>
+              </a:rPr>
+              <a:t>Funda</a:t>
+            </a:r>
+            <a:r>
+              <a:rPr lang="en-US" sz="1000" dirty="0">
+                <a:solidFill>
+                  <a:schemeClr val="bg1">
+                    <a:lumMod val="85000"/>
+                  </a:schemeClr>
+                </a:solidFill>
+                <a:latin typeface="Consolas" panose="020B0609020204030204" pitchFamily="49" charset="0"/>
+              </a:rPr>
+              <a:t>", </a:t>
+            </a:r>
+            <a:r>
+              <a:rPr lang="tr-TR" sz="1000" dirty="0">
+                <a:solidFill>
+                  <a:schemeClr val="bg1">
+                    <a:lumMod val="85000"/>
+                  </a:schemeClr>
+                </a:solidFill>
+                <a:latin typeface="Consolas" panose="020B0609020204030204" pitchFamily="49" charset="0"/>
+              </a:rPr>
+              <a:t>   </a:t>
+            </a:r>
+            <a:r>
+              <a:rPr lang="en-US" sz="1000" dirty="0">
+                <a:solidFill>
+                  <a:schemeClr val="bg1">
+                    <a:lumMod val="85000"/>
+                  </a:schemeClr>
+                </a:solidFill>
+                <a:latin typeface="Consolas" panose="020B0609020204030204" pitchFamily="49" charset="0"/>
+              </a:rPr>
+              <a:t>), </a:t>
+            </a:r>
+          </a:p>
+          <a:p>
+            <a:r>
+              <a:rPr lang="en-US" sz="1000" dirty="0">
+                <a:solidFill>
+                  <a:schemeClr val="bg1">
+                    <a:lumMod val="85000"/>
+                  </a:schemeClr>
+                </a:solidFill>
+                <a:latin typeface="Consolas" panose="020B0609020204030204" pitchFamily="49" charset="0"/>
+              </a:rPr>
+              <a:t>Array(9, "</a:t>
+            </a:r>
+            <a:r>
+              <a:rPr lang="en-US" sz="1000" dirty="0" err="1">
+                <a:solidFill>
+                  <a:schemeClr val="bg1">
+                    <a:lumMod val="85000"/>
+                  </a:schemeClr>
+                </a:solidFill>
+                <a:latin typeface="Consolas" panose="020B0609020204030204" pitchFamily="49" charset="0"/>
+              </a:rPr>
+              <a:t>Cumhur</a:t>
+            </a:r>
+            <a:r>
+              <a:rPr lang="en-US" sz="1000" dirty="0">
+                <a:solidFill>
+                  <a:schemeClr val="bg1">
+                    <a:lumMod val="85000"/>
+                  </a:schemeClr>
+                </a:solidFill>
+                <a:latin typeface="Consolas" panose="020B0609020204030204" pitchFamily="49" charset="0"/>
+              </a:rPr>
+              <a:t>", </a:t>
+            </a:r>
+            <a:r>
+              <a:rPr lang="tr-TR" sz="1000" dirty="0">
+                <a:solidFill>
+                  <a:schemeClr val="bg1">
+                    <a:lumMod val="85000"/>
+                  </a:schemeClr>
+                </a:solidFill>
+                <a:latin typeface="Consolas" panose="020B0609020204030204" pitchFamily="49" charset="0"/>
+              </a:rPr>
+              <a:t>   </a:t>
+            </a:r>
+            <a:r>
+              <a:rPr lang="en-US" sz="1000" dirty="0">
+                <a:solidFill>
+                  <a:schemeClr val="bg1">
+                    <a:lumMod val="85000"/>
+                  </a:schemeClr>
+                </a:solidFill>
+                <a:latin typeface="Consolas" panose="020B0609020204030204" pitchFamily="49" charset="0"/>
+              </a:rPr>
+              <a:t>), </a:t>
+            </a:r>
+          </a:p>
+          <a:p>
+            <a:r>
+              <a:rPr lang="en-US" sz="1000" dirty="0">
+                <a:solidFill>
+                  <a:schemeClr val="bg1">
+                    <a:lumMod val="85000"/>
+                  </a:schemeClr>
+                </a:solidFill>
+                <a:latin typeface="Consolas" panose="020B0609020204030204" pitchFamily="49" charset="0"/>
+              </a:rPr>
+              <a:t>Array(10, "</a:t>
+            </a:r>
+            <a:r>
+              <a:rPr lang="en-US" sz="1000" dirty="0" err="1">
+                <a:solidFill>
+                  <a:schemeClr val="bg1">
+                    <a:lumMod val="85000"/>
+                  </a:schemeClr>
+                </a:solidFill>
+                <a:latin typeface="Consolas" panose="020B0609020204030204" pitchFamily="49" charset="0"/>
+              </a:rPr>
+              <a:t>Burcu</a:t>
+            </a:r>
+            <a:r>
+              <a:rPr lang="en-US" sz="1000" dirty="0">
+                <a:solidFill>
+                  <a:schemeClr val="bg1">
+                    <a:lumMod val="85000"/>
+                  </a:schemeClr>
+                </a:solidFill>
+                <a:latin typeface="Consolas" panose="020B0609020204030204" pitchFamily="49" charset="0"/>
+              </a:rPr>
+              <a:t>",</a:t>
+            </a:r>
+            <a:r>
+              <a:rPr lang="tr-TR" sz="1000" dirty="0">
+                <a:solidFill>
+                  <a:schemeClr val="bg1">
+                    <a:lumMod val="85000"/>
+                  </a:schemeClr>
+                </a:solidFill>
+                <a:latin typeface="Consolas" panose="020B0609020204030204" pitchFamily="49" charset="0"/>
+              </a:rPr>
+              <a:t>    </a:t>
+            </a:r>
+            <a:r>
+              <a:rPr lang="en-US" sz="1000" dirty="0">
+                <a:solidFill>
+                  <a:schemeClr val="bg1">
+                    <a:lumMod val="85000"/>
+                  </a:schemeClr>
+                </a:solidFill>
+                <a:latin typeface="Consolas" panose="020B0609020204030204" pitchFamily="49" charset="0"/>
+              </a:rPr>
+              <a:t>)</a:t>
+            </a:r>
+            <a:endParaRPr lang="tr-TR" sz="1000" dirty="0">
               <a:solidFill>
                 <a:schemeClr val="bg1">
                   <a:lumMod val="85000"/>
@@ -12371,7 +10518,7 @@
           </a:p>
           <a:p>
             <a:r>
-              <a:rPr lang="en-US" sz="1000" dirty="0">
+              <a:rPr lang="tr-TR" sz="1000" dirty="0">
                 <a:solidFill>
                   <a:schemeClr val="bg1">
                     <a:lumMod val="85000"/>
@@ -12379,10 +10526,10 @@
                 </a:solidFill>
                 <a:latin typeface="Consolas" panose="020B0609020204030204" pitchFamily="49" charset="0"/>
               </a:rPr>
-              <a:t>Array(4, "</a:t>
-            </a:r>
-            <a:r>
-              <a:rPr lang="en-US" sz="1000" dirty="0" err="1">
+              <a:t>)</a:t>
+            </a:r>
+            <a:r>
+              <a:rPr lang="en-US" sz="1000" dirty="0">
                 <a:solidFill>
                   <a:schemeClr val="bg1">
                     <a:lumMod val="85000"/>
@@ -12390,211 +10537,8 @@
                 </a:solidFill>
                 <a:latin typeface="Consolas" panose="020B0609020204030204" pitchFamily="49" charset="0"/>
               </a:rPr>
-              <a:t>Funda</a:t>
-            </a:r>
-            <a:r>
-              <a:rPr lang="en-US" sz="1000" dirty="0">
-                <a:solidFill>
-                  <a:schemeClr val="bg1">
-                    <a:lumMod val="85000"/>
-                  </a:schemeClr>
-                </a:solidFill>
-                <a:latin typeface="Consolas" panose="020B0609020204030204" pitchFamily="49" charset="0"/>
-              </a:rPr>
-              <a:t>", </a:t>
-            </a:r>
-            <a:r>
-              <a:rPr lang="tr-TR" sz="1000" dirty="0" smtClean="0">
-                <a:solidFill>
-                  <a:schemeClr val="bg1">
-                    <a:lumMod val="85000"/>
-                  </a:schemeClr>
-                </a:solidFill>
-                <a:latin typeface="Consolas" panose="020B0609020204030204" pitchFamily="49" charset="0"/>
-              </a:rPr>
-              <a:t>   </a:t>
-            </a:r>
-            <a:r>
-              <a:rPr lang="en-US" sz="1000" dirty="0" smtClean="0">
-                <a:solidFill>
-                  <a:schemeClr val="bg1">
-                    <a:lumMod val="85000"/>
-                  </a:schemeClr>
-                </a:solidFill>
-                <a:latin typeface="Consolas" panose="020B0609020204030204" pitchFamily="49" charset="0"/>
-              </a:rPr>
-              <a:t>), </a:t>
-            </a:r>
-            <a:endParaRPr lang="en-US" sz="1000" dirty="0">
-              <a:solidFill>
-                <a:schemeClr val="bg1">
-                  <a:lumMod val="85000"/>
-                </a:schemeClr>
-              </a:solidFill>
-              <a:latin typeface="Consolas" panose="020B0609020204030204" pitchFamily="49" charset="0"/>
-            </a:endParaRPr>
-          </a:p>
-          <a:p>
-            <a:r>
-              <a:rPr lang="en-US" sz="1000" dirty="0">
-                <a:solidFill>
-                  <a:schemeClr val="bg1">
-                    <a:lumMod val="85000"/>
-                  </a:schemeClr>
-                </a:solidFill>
-                <a:latin typeface="Consolas" panose="020B0609020204030204" pitchFamily="49" charset="0"/>
-              </a:rPr>
-              <a:t>Array(9, "</a:t>
-            </a:r>
-            <a:r>
-              <a:rPr lang="en-US" sz="1000" dirty="0" err="1">
-                <a:solidFill>
-                  <a:schemeClr val="bg1">
-                    <a:lumMod val="85000"/>
-                  </a:schemeClr>
-                </a:solidFill>
-                <a:latin typeface="Consolas" panose="020B0609020204030204" pitchFamily="49" charset="0"/>
-              </a:rPr>
-              <a:t>Cumhur</a:t>
-            </a:r>
-            <a:r>
-              <a:rPr lang="en-US" sz="1000" dirty="0">
-                <a:solidFill>
-                  <a:schemeClr val="bg1">
-                    <a:lumMod val="85000"/>
-                  </a:schemeClr>
-                </a:solidFill>
-                <a:latin typeface="Consolas" panose="020B0609020204030204" pitchFamily="49" charset="0"/>
-              </a:rPr>
-              <a:t>", </a:t>
-            </a:r>
-            <a:r>
-              <a:rPr lang="tr-TR" sz="1000" dirty="0" smtClean="0">
-                <a:solidFill>
-                  <a:schemeClr val="bg1">
-                    <a:lumMod val="85000"/>
-                  </a:schemeClr>
-                </a:solidFill>
-                <a:latin typeface="Consolas" panose="020B0609020204030204" pitchFamily="49" charset="0"/>
-              </a:rPr>
-              <a:t>   </a:t>
-            </a:r>
-            <a:r>
-              <a:rPr lang="en-US" sz="1000" dirty="0" smtClean="0">
-                <a:solidFill>
-                  <a:schemeClr val="bg1">
-                    <a:lumMod val="85000"/>
-                  </a:schemeClr>
-                </a:solidFill>
-                <a:latin typeface="Consolas" panose="020B0609020204030204" pitchFamily="49" charset="0"/>
-              </a:rPr>
-              <a:t>), </a:t>
-            </a:r>
-            <a:endParaRPr lang="en-US" sz="1000" dirty="0">
-              <a:solidFill>
-                <a:schemeClr val="bg1">
-                  <a:lumMod val="85000"/>
-                </a:schemeClr>
-              </a:solidFill>
-              <a:latin typeface="Consolas" panose="020B0609020204030204" pitchFamily="49" charset="0"/>
-            </a:endParaRPr>
-          </a:p>
-          <a:p>
-            <a:r>
-              <a:rPr lang="en-US" sz="1000" dirty="0">
-                <a:solidFill>
-                  <a:schemeClr val="bg1">
-                    <a:lumMod val="85000"/>
-                  </a:schemeClr>
-                </a:solidFill>
-                <a:latin typeface="Consolas" panose="020B0609020204030204" pitchFamily="49" charset="0"/>
-              </a:rPr>
-              <a:t>Array(10, "</a:t>
-            </a:r>
-            <a:r>
-              <a:rPr lang="en-US" sz="1000" dirty="0" err="1">
-                <a:solidFill>
-                  <a:schemeClr val="bg1">
-                    <a:lumMod val="85000"/>
-                  </a:schemeClr>
-                </a:solidFill>
-                <a:latin typeface="Consolas" panose="020B0609020204030204" pitchFamily="49" charset="0"/>
-              </a:rPr>
-              <a:t>Burcu</a:t>
-            </a:r>
-            <a:r>
-              <a:rPr lang="en-US" sz="1000" dirty="0" smtClean="0">
-                <a:solidFill>
-                  <a:schemeClr val="bg1">
-                    <a:lumMod val="85000"/>
-                  </a:schemeClr>
-                </a:solidFill>
-                <a:latin typeface="Consolas" panose="020B0609020204030204" pitchFamily="49" charset="0"/>
-              </a:rPr>
-              <a:t>",</a:t>
-            </a:r>
-            <a:r>
-              <a:rPr lang="tr-TR" sz="1000" dirty="0" smtClean="0">
-                <a:solidFill>
-                  <a:schemeClr val="bg1">
-                    <a:lumMod val="85000"/>
-                  </a:schemeClr>
-                </a:solidFill>
-                <a:latin typeface="Consolas" panose="020B0609020204030204" pitchFamily="49" charset="0"/>
-              </a:rPr>
-              <a:t>    </a:t>
-            </a:r>
-            <a:r>
-              <a:rPr lang="en-US" sz="1000" dirty="0" smtClean="0">
-                <a:solidFill>
-                  <a:schemeClr val="bg1">
-                    <a:lumMod val="85000"/>
-                  </a:schemeClr>
-                </a:solidFill>
-                <a:latin typeface="Consolas" panose="020B0609020204030204" pitchFamily="49" charset="0"/>
-              </a:rPr>
-              <a:t>)</a:t>
-            </a:r>
-            <a:endParaRPr lang="tr-TR" sz="1000" dirty="0" smtClean="0">
-              <a:solidFill>
-                <a:schemeClr val="bg1">
-                  <a:lumMod val="85000"/>
-                </a:schemeClr>
-              </a:solidFill>
-              <a:latin typeface="Consolas" panose="020B0609020204030204" pitchFamily="49" charset="0"/>
-            </a:endParaRPr>
-          </a:p>
-          <a:p>
-            <a:r>
-              <a:rPr lang="tr-TR" sz="1000" dirty="0" smtClean="0">
-                <a:solidFill>
-                  <a:schemeClr val="bg1">
-                    <a:lumMod val="85000"/>
-                  </a:schemeClr>
-                </a:solidFill>
-                <a:latin typeface="Consolas" panose="020B0609020204030204" pitchFamily="49" charset="0"/>
-              </a:rPr>
-              <a:t>)</a:t>
-            </a:r>
-            <a:r>
-              <a:rPr lang="en-US" sz="1000" dirty="0" smtClean="0">
-                <a:solidFill>
-                  <a:schemeClr val="bg1">
-                    <a:lumMod val="85000"/>
-                  </a:schemeClr>
-                </a:solidFill>
-                <a:latin typeface="Consolas" panose="020B0609020204030204" pitchFamily="49" charset="0"/>
-              </a:rPr>
               <a:t> </a:t>
             </a:r>
-            <a:endParaRPr lang="en-US" sz="1000" dirty="0">
-              <a:solidFill>
-                <a:schemeClr val="bg1">
-                  <a:lumMod val="85000"/>
-                </a:schemeClr>
-              </a:solidFill>
-              <a:latin typeface="Consolas" panose="020B0609020204030204" pitchFamily="49" charset="0"/>
-            </a:endParaRPr>
           </a:p>
         </p:txBody>
       </p:sp>
@@ -12641,10 +10585,10 @@
                 </a:solidFill>
                 <a:latin typeface="Consolas" panose="020B0609020204030204" pitchFamily="49" charset="0"/>
               </a:rPr>
-              <a:t>Array(5, "Hamza</a:t>
-            </a:r>
-            <a:r>
-              <a:rPr lang="en-US" sz="1000" dirty="0" smtClean="0">
+              <a:t>Array(5, "Hamza",</a:t>
+            </a:r>
+            <a:r>
+              <a:rPr lang="tr-TR" sz="1000" dirty="0">
                 <a:solidFill>
                   <a:schemeClr val="bg1">
                     <a:lumMod val="85000"/>
@@ -12652,10 +10596,10 @@
                 </a:solidFill>
                 <a:latin typeface="Consolas" panose="020B0609020204030204" pitchFamily="49" charset="0"/>
               </a:rPr>
-              <a:t>",</a:t>
-            </a:r>
-            <a:r>
-              <a:rPr lang="tr-TR" sz="1000" dirty="0" smtClean="0">
+              <a:t>    </a:t>
+            </a:r>
+            <a:r>
+              <a:rPr lang="en-US" sz="1000" dirty="0">
                 <a:solidFill>
                   <a:schemeClr val="bg1">
                     <a:lumMod val="85000"/>
@@ -12663,10 +10607,12 @@
                 </a:solidFill>
                 <a:latin typeface="Consolas" panose="020B0609020204030204" pitchFamily="49" charset="0"/>
               </a:rPr>
-              <a:t>    </a:t>
-            </a:r>
-            <a:r>
-              <a:rPr lang="en-US" sz="1000" dirty="0" smtClean="0">
+              <a:t>), </a:t>
+            </a:r>
+          </a:p>
+          <a:p>
+            <a:r>
+              <a:rPr lang="en-US" sz="1000" dirty="0">
                 <a:solidFill>
                   <a:schemeClr val="bg1">
                     <a:lumMod val="85000"/>
@@ -12674,20 +10620,10 @@
                 </a:solidFill>
                 <a:latin typeface="Consolas" panose="020B0609020204030204" pitchFamily="49" charset="0"/>
               </a:rPr>
-              <a:t>), </a:t>
-            </a:r>
-            <a:endParaRPr lang="en-US" sz="1000" dirty="0">
-              <a:solidFill>
-                <a:schemeClr val="bg1">
-                  <a:lumMod val="85000"/>
-                </a:schemeClr>
-              </a:solidFill>
-              <a:latin typeface="Consolas" panose="020B0609020204030204" pitchFamily="49" charset="0"/>
-            </a:endParaRPr>
-          </a:p>
-          <a:p>
-            <a:r>
-              <a:rPr lang="en-US" sz="1000" dirty="0">
+              <a:t>Array(6, "</a:t>
+            </a:r>
+            <a:r>
+              <a:rPr lang="en-US" sz="1000" dirty="0" err="1">
                 <a:solidFill>
                   <a:schemeClr val="bg1">
                     <a:lumMod val="85000"/>
@@ -12695,10 +10631,10 @@
                 </a:solidFill>
                 <a:latin typeface="Consolas" panose="020B0609020204030204" pitchFamily="49" charset="0"/>
               </a:rPr>
-              <a:t>Array(6, "</a:t>
-            </a:r>
-            <a:r>
-              <a:rPr lang="en-US" sz="1000" dirty="0" err="1">
+              <a:t>Yalçın</a:t>
+            </a:r>
+            <a:r>
+              <a:rPr lang="en-US" sz="1000" dirty="0">
                 <a:solidFill>
                   <a:schemeClr val="bg1">
                     <a:lumMod val="85000"/>
@@ -12706,10 +10642,10 @@
                 </a:solidFill>
                 <a:latin typeface="Consolas" panose="020B0609020204030204" pitchFamily="49" charset="0"/>
               </a:rPr>
-              <a:t>Yalçın</a:t>
-            </a:r>
-            <a:r>
-              <a:rPr lang="en-US" sz="1000" dirty="0" smtClean="0">
+              <a:t>",</a:t>
+            </a:r>
+            <a:r>
+              <a:rPr lang="tr-TR" sz="1000" dirty="0">
                 <a:solidFill>
                   <a:schemeClr val="bg1">
                     <a:lumMod val="85000"/>
@@ -12717,10 +10653,10 @@
                 </a:solidFill>
                 <a:latin typeface="Consolas" panose="020B0609020204030204" pitchFamily="49" charset="0"/>
               </a:rPr>
-              <a:t>",</a:t>
-            </a:r>
-            <a:r>
-              <a:rPr lang="tr-TR" sz="1000" dirty="0" smtClean="0">
+              <a:t>   </a:t>
+            </a:r>
+            <a:r>
+              <a:rPr lang="en-US" sz="1000" dirty="0">
                 <a:solidFill>
                   <a:schemeClr val="bg1">
                     <a:lumMod val="85000"/>
@@ -12728,10 +10664,12 @@
                 </a:solidFill>
                 <a:latin typeface="Consolas" panose="020B0609020204030204" pitchFamily="49" charset="0"/>
               </a:rPr>
-              <a:t>   </a:t>
-            </a:r>
-            <a:r>
-              <a:rPr lang="en-US" sz="1000" dirty="0" smtClean="0">
+              <a:t>), </a:t>
+            </a:r>
+          </a:p>
+          <a:p>
+            <a:r>
+              <a:rPr lang="en-US" sz="1000" dirty="0">
                 <a:solidFill>
                   <a:schemeClr val="bg1">
                     <a:lumMod val="85000"/>
@@ -12739,20 +10677,10 @@
                 </a:solidFill>
                 <a:latin typeface="Consolas" panose="020B0609020204030204" pitchFamily="49" charset="0"/>
               </a:rPr>
-              <a:t>), </a:t>
-            </a:r>
-            <a:endParaRPr lang="en-US" sz="1000" dirty="0">
-              <a:solidFill>
-                <a:schemeClr val="bg1">
-                  <a:lumMod val="85000"/>
-                </a:schemeClr>
-              </a:solidFill>
-              <a:latin typeface="Consolas" panose="020B0609020204030204" pitchFamily="49" charset="0"/>
-            </a:endParaRPr>
-          </a:p>
-          <a:p>
-            <a:r>
-              <a:rPr lang="en-US" sz="1000" dirty="0">
+              <a:t>Array(11, "</a:t>
+            </a:r>
+            <a:r>
+              <a:rPr lang="en-US" sz="1000" dirty="0" err="1">
                 <a:solidFill>
                   <a:schemeClr val="bg1">
                     <a:lumMod val="85000"/>
@@ -12760,10 +10688,10 @@
                 </a:solidFill>
                 <a:latin typeface="Consolas" panose="020B0609020204030204" pitchFamily="49" charset="0"/>
               </a:rPr>
-              <a:t>Array(11, "</a:t>
-            </a:r>
-            <a:r>
-              <a:rPr lang="en-US" sz="1000" dirty="0" err="1">
+              <a:t>Metin</a:t>
+            </a:r>
+            <a:r>
+              <a:rPr lang="en-US" sz="1000" dirty="0">
                 <a:solidFill>
                   <a:schemeClr val="bg1">
                     <a:lumMod val="85000"/>
@@ -12771,10 +10699,10 @@
                 </a:solidFill>
                 <a:latin typeface="Consolas" panose="020B0609020204030204" pitchFamily="49" charset="0"/>
               </a:rPr>
-              <a:t>Metin</a:t>
-            </a:r>
-            <a:r>
-              <a:rPr lang="en-US" sz="1000" dirty="0" smtClean="0">
+              <a:t>",</a:t>
+            </a:r>
+            <a:r>
+              <a:rPr lang="tr-TR" sz="1000" dirty="0">
                 <a:solidFill>
                   <a:schemeClr val="bg1">
                     <a:lumMod val="85000"/>
@@ -12782,10 +10710,10 @@
                 </a:solidFill>
                 <a:latin typeface="Consolas" panose="020B0609020204030204" pitchFamily="49" charset="0"/>
               </a:rPr>
-              <a:t>",</a:t>
-            </a:r>
-            <a:r>
-              <a:rPr lang="tr-TR" sz="1000" dirty="0" smtClean="0">
+              <a:t>   </a:t>
+            </a:r>
+            <a:r>
+              <a:rPr lang="en-US" sz="1000" dirty="0">
                 <a:solidFill>
                   <a:schemeClr val="bg1">
                     <a:lumMod val="85000"/>
@@ -12793,10 +10721,10 @@
                 </a:solidFill>
                 <a:latin typeface="Consolas" panose="020B0609020204030204" pitchFamily="49" charset="0"/>
               </a:rPr>
-              <a:t>   </a:t>
-            </a:r>
-            <a:r>
-              <a:rPr lang="en-US" sz="1000" dirty="0" smtClean="0">
+              <a:t>), Array(12, "</a:t>
+            </a:r>
+            <a:r>
+              <a:rPr lang="en-US" sz="1000" dirty="0" err="1">
                 <a:solidFill>
                   <a:schemeClr val="bg1">
                     <a:lumMod val="85000"/>
@@ -12804,7 +10732,7 @@
                 </a:solidFill>
                 <a:latin typeface="Consolas" panose="020B0609020204030204" pitchFamily="49" charset="0"/>
               </a:rPr>
-              <a:t>), </a:t>
+              <a:t>Veysel</a:t>
             </a:r>
             <a:r>
               <a:rPr lang="en-US" sz="1000" dirty="0">
@@ -12815,10 +10743,10 @@
                 </a:solidFill>
                 <a:latin typeface="Consolas" panose="020B0609020204030204" pitchFamily="49" charset="0"/>
               </a:rPr>
-              <a:t>Array(12, "</a:t>
-            </a:r>
-            <a:r>
-              <a:rPr lang="en-US" sz="1000" dirty="0" err="1">
+              <a:t>", </a:t>
+            </a:r>
+            <a:r>
+              <a:rPr lang="tr-TR" sz="1000" dirty="0">
                 <a:solidFill>
                   <a:schemeClr val="bg1">
                     <a:lumMod val="85000"/>
@@ -12826,7 +10754,7 @@
                 </a:solidFill>
                 <a:latin typeface="Consolas" panose="020B0609020204030204" pitchFamily="49" charset="0"/>
               </a:rPr>
-              <a:t>Veysel</a:t>
+              <a:t>  </a:t>
             </a:r>
             <a:r>
               <a:rPr lang="en-US" sz="1000" dirty="0">
@@ -12837,10 +10765,12 @@
                 </a:solidFill>
                 <a:latin typeface="Consolas" panose="020B0609020204030204" pitchFamily="49" charset="0"/>
               </a:rPr>
-              <a:t>", </a:t>
-            </a:r>
-            <a:r>
-              <a:rPr lang="tr-TR" sz="1000" dirty="0" smtClean="0">
+              <a:t>)</a:t>
+            </a:r>
+          </a:p>
+          <a:p>
+            <a:r>
+              <a:rPr lang="tr-TR" sz="1000" dirty="0">
                 <a:solidFill>
                   <a:schemeClr val="bg1">
                     <a:lumMod val="85000"/>
@@ -12848,10 +10778,10 @@
                 </a:solidFill>
                 <a:latin typeface="Consolas" panose="020B0609020204030204" pitchFamily="49" charset="0"/>
               </a:rPr>
-              <a:t>  </a:t>
-            </a:r>
-            <a:r>
-              <a:rPr lang="en-US" sz="1000" dirty="0" smtClean="0">
+              <a:t>)</a:t>
+            </a:r>
+            <a:r>
+              <a:rPr lang="en-US" sz="1000" dirty="0">
                 <a:solidFill>
                   <a:schemeClr val="bg1">
                     <a:lumMod val="85000"/>
@@ -12859,48 +10789,8 @@
                 </a:solidFill>
                 <a:latin typeface="Consolas" panose="020B0609020204030204" pitchFamily="49" charset="0"/>
               </a:rPr>
-              <a:t>)</a:t>
-            </a:r>
-            <a:endParaRPr lang="en-US" sz="1000" dirty="0">
-              <a:solidFill>
-                <a:schemeClr val="bg1">
-                  <a:lumMod val="85000"/>
-                </a:schemeClr>
-              </a:solidFill>
-              <a:latin typeface="Consolas" panose="020B0609020204030204" pitchFamily="49" charset="0"/>
-            </a:endParaRPr>
-          </a:p>
-          <a:p>
-            <a:r>
-              <a:rPr lang="tr-TR" sz="1000" dirty="0" smtClean="0">
-                <a:solidFill>
-                  <a:schemeClr val="bg1">
-                    <a:lumMod val="85000"/>
-                  </a:schemeClr>
-                </a:solidFill>
-                <a:latin typeface="Consolas" panose="020B0609020204030204" pitchFamily="49" charset="0"/>
-              </a:rPr>
-              <a:t>)</a:t>
-            </a:r>
-            <a:r>
-              <a:rPr lang="en-US" sz="1000" dirty="0" smtClean="0">
-                <a:solidFill>
-                  <a:schemeClr val="bg1">
-                    <a:lumMod val="85000"/>
-                  </a:schemeClr>
-                </a:solidFill>
-                <a:latin typeface="Consolas" panose="020B0609020204030204" pitchFamily="49" charset="0"/>
-              </a:rPr>
               <a:t> </a:t>
             </a:r>
-            <a:endParaRPr lang="en-US" sz="1000" dirty="0">
-              <a:solidFill>
-                <a:schemeClr val="bg1">
-                  <a:lumMod val="85000"/>
-                </a:schemeClr>
-              </a:solidFill>
-              <a:latin typeface="Consolas" panose="020B0609020204030204" pitchFamily="49" charset="0"/>
-            </a:endParaRPr>
           </a:p>
         </p:txBody>
       </p:sp>
@@ -12913,7 +10803,7 @@
           <p:nvPr/>
         </p:nvPicPr>
         <p:blipFill>
-          <a:blip r:embed="rId3" cstate="print">
+          <a:blip r:embed="rId2" cstate="print">
             <a:extLst>
               <a:ext uri="{28A0092B-C50C-407E-A947-70E740481C1C}">
                 <a14:useLocalDpi xmlns:a14="http://schemas.microsoft.com/office/drawing/2010/main" val="0"/>
@@ -12976,7 +10866,7 @@
           <p:nvPr/>
         </p:nvPicPr>
         <p:blipFill>
-          <a:blip r:embed="rId3" cstate="print">
+          <a:blip r:embed="rId2" cstate="print">
             <a:extLst>
               <a:ext uri="{28A0092B-C50C-407E-A947-70E740481C1C}">
                 <a14:useLocalDpi xmlns:a14="http://schemas.microsoft.com/office/drawing/2010/main" val="0"/>
@@ -13006,7 +10896,7 @@
           <p:nvPr/>
         </p:nvPicPr>
         <p:blipFill>
-          <a:blip r:embed="rId3" cstate="print">
+          <a:blip r:embed="rId2" cstate="print">
             <a:extLst>
               <a:ext uri="{28A0092B-C50C-407E-A947-70E740481C1C}">
                 <a14:useLocalDpi xmlns:a14="http://schemas.microsoft.com/office/drawing/2010/main" val="0"/>
@@ -13083,7 +10973,7 @@
           <a:p>
             <a:pPr algn="ctr"/>
             <a:r>
-              <a:rPr lang="tr-TR" sz="1200" dirty="0" smtClean="0">
+              <a:rPr lang="tr-TR" sz="1200" dirty="0">
                 <a:solidFill>
                   <a:srgbClr val="FF0000"/>
                 </a:solidFill>
@@ -13123,7 +11013,7 @@
           <a:p>
             <a:pPr algn="ctr"/>
             <a:r>
-              <a:rPr lang="tr-TR" sz="1200" dirty="0" smtClean="0">
+              <a:rPr lang="tr-TR" sz="1200" dirty="0">
                 <a:solidFill>
                   <a:srgbClr val="FF0000"/>
                 </a:solidFill>
@@ -13163,7 +11053,7 @@
           <a:p>
             <a:pPr algn="ctr"/>
             <a:r>
-              <a:rPr lang="tr-TR" sz="1200" dirty="0" smtClean="0">
+              <a:rPr lang="tr-TR" sz="1200" dirty="0">
                 <a:solidFill>
                   <a:srgbClr val="FF0000"/>
                 </a:solidFill>
@@ -13203,7 +11093,7 @@
           <a:p>
             <a:pPr algn="ctr"/>
             <a:r>
-              <a:rPr lang="tr-TR" sz="1200" dirty="0" smtClean="0">
+              <a:rPr lang="tr-TR" sz="1200" dirty="0">
                 <a:solidFill>
                   <a:srgbClr val="FF0000"/>
                 </a:solidFill>
@@ -13243,7 +11133,7 @@
           <a:p>
             <a:pPr algn="ctr"/>
             <a:r>
-              <a:rPr lang="tr-TR" sz="1200" dirty="0" smtClean="0">
+              <a:rPr lang="tr-TR" sz="1200" dirty="0">
                 <a:solidFill>
                   <a:srgbClr val="FF0000"/>
                 </a:solidFill>
@@ -13283,7 +11173,7 @@
           <a:p>
             <a:pPr algn="ctr"/>
             <a:r>
-              <a:rPr lang="tr-TR" sz="1200" dirty="0" smtClean="0">
+              <a:rPr lang="tr-TR" sz="1200" dirty="0">
                 <a:solidFill>
                   <a:srgbClr val="FF0000"/>
                 </a:solidFill>
@@ -13323,7 +11213,7 @@
           <a:p>
             <a:pPr algn="ctr"/>
             <a:r>
-              <a:rPr lang="tr-TR" sz="1200" dirty="0" smtClean="0">
+              <a:rPr lang="tr-TR" sz="1200" dirty="0">
                 <a:solidFill>
                   <a:srgbClr val="FF0000"/>
                 </a:solidFill>
@@ -13363,7 +11253,7 @@
           <a:p>
             <a:pPr algn="ctr"/>
             <a:r>
-              <a:rPr lang="tr-TR" sz="1200" dirty="0" smtClean="0">
+              <a:rPr lang="tr-TR" sz="1200" dirty="0">
                 <a:solidFill>
                   <a:srgbClr val="FF0000"/>
                 </a:solidFill>
@@ -13403,7 +11293,7 @@
           <a:p>
             <a:pPr algn="ctr"/>
             <a:r>
-              <a:rPr lang="tr-TR" sz="1200" dirty="0" smtClean="0">
+              <a:rPr lang="tr-TR" sz="1200" dirty="0">
                 <a:solidFill>
                   <a:srgbClr val="FF0000"/>
                 </a:solidFill>
@@ -13443,7 +11333,7 @@
           <a:p>
             <a:pPr algn="ctr"/>
             <a:r>
-              <a:rPr lang="tr-TR" sz="1200" dirty="0" smtClean="0">
+              <a:rPr lang="tr-TR" sz="1200" dirty="0">
                 <a:solidFill>
                   <a:srgbClr val="FF0000"/>
                 </a:solidFill>
@@ -13483,7 +11373,7 @@
           <a:p>
             <a:pPr algn="ctr"/>
             <a:r>
-              <a:rPr lang="tr-TR" sz="1200" dirty="0" smtClean="0">
+              <a:rPr lang="tr-TR" sz="1200" dirty="0">
                 <a:solidFill>
                   <a:srgbClr val="FF0000"/>
                 </a:solidFill>
@@ -13591,7 +11481,7 @@
           <a:p>
             <a:pPr algn="ctr"/>
             <a:r>
-              <a:rPr lang="tr-TR" sz="2400" dirty="0" smtClean="0">
+              <a:rPr lang="tr-TR" sz="2400" dirty="0">
                 <a:solidFill>
                   <a:schemeClr val="tx1">
                     <a:lumMod val="85000"/>
@@ -16321,369 +14211,6 @@
           </a:fontRef>
         </p:style>
       </p:cxnSp>
-      <p:grpSp>
-        <p:nvGrpSpPr>
-          <p:cNvPr id="15" name="Grup 14"/>
-          <p:cNvGrpSpPr/>
-          <p:nvPr/>
-        </p:nvGrpSpPr>
-        <p:grpSpPr>
-          <a:xfrm>
-            <a:off x="228596" y="6231467"/>
-            <a:ext cx="3041654" cy="492576"/>
-            <a:chOff x="228596" y="6231467"/>
-            <a:chExt cx="3041654" cy="492576"/>
-          </a:xfrm>
-        </p:grpSpPr>
-        <p:grpSp>
-          <p:nvGrpSpPr>
-            <p:cNvPr id="8" name="Grup 7"/>
-            <p:cNvGrpSpPr/>
-            <p:nvPr/>
-          </p:nvGrpSpPr>
-          <p:grpSpPr>
-            <a:xfrm>
-              <a:off x="228596" y="6231467"/>
-              <a:ext cx="2802471" cy="457084"/>
-              <a:chOff x="127000" y="5901146"/>
-              <a:chExt cx="5156200" cy="838200"/>
-            </a:xfrm>
-          </p:grpSpPr>
-          <p:sp>
-            <p:nvSpPr>
-              <p:cNvPr id="7" name="Dikdörtgen 6"/>
-              <p:cNvSpPr/>
-              <p:nvPr/>
-            </p:nvSpPr>
-            <p:spPr>
-              <a:xfrm>
-                <a:off x="127000" y="5901146"/>
-                <a:ext cx="5156200" cy="838200"/>
-              </a:xfrm>
-              <a:prstGeom prst="rect">
-                <a:avLst/>
-              </a:prstGeom>
-              <a:solidFill>
-                <a:schemeClr val="bg1">
-                  <a:lumMod val="95000"/>
-                </a:schemeClr>
-              </a:solidFill>
-              <a:ln>
-                <a:noFill/>
-              </a:ln>
-            </p:spPr>
-            <p:style>
-              <a:lnRef idx="2">
-                <a:schemeClr val="accent1">
-                  <a:shade val="50000"/>
-                </a:schemeClr>
-              </a:lnRef>
-              <a:fillRef idx="1">
-                <a:schemeClr val="accent1"/>
-              </a:fillRef>
-              <a:effectRef idx="0">
-                <a:schemeClr val="accent1"/>
-              </a:effectRef>
-              <a:fontRef idx="minor">
-                <a:schemeClr val="lt1"/>
-              </a:fontRef>
-            </p:style>
-            <p:txBody>
-              <a:bodyPr rtlCol="0" anchor="ctr"/>
-              <a:lstStyle/>
-              <a:p>
-                <a:pPr algn="ctr"/>
-                <a:endParaRPr lang="en-US" sz="2000"/>
-              </a:p>
-            </p:txBody>
-          </p:sp>
-          <p:grpSp>
-            <p:nvGrpSpPr>
-              <p:cNvPr id="6" name="Grup 5"/>
-              <p:cNvGrpSpPr/>
-              <p:nvPr/>
-            </p:nvGrpSpPr>
-            <p:grpSpPr>
-              <a:xfrm>
-                <a:off x="211667" y="6019800"/>
-                <a:ext cx="5012266" cy="605115"/>
-                <a:chOff x="211667" y="6019800"/>
-                <a:chExt cx="5012266" cy="605115"/>
-              </a:xfrm>
-            </p:grpSpPr>
-            <p:pic>
-              <p:nvPicPr>
-                <p:cNvPr id="4" name="Resim 3"/>
-                <p:cNvPicPr>
-                  <a:picLocks noChangeAspect="1"/>
-                </p:cNvPicPr>
-                <p:nvPr/>
-              </p:nvPicPr>
-              <p:blipFill rotWithShape="1">
-                <a:blip r:embed="rId2" cstate="print">
-                  <a:extLst>
-                    <a:ext uri="{28A0092B-C50C-407E-A947-70E740481C1C}">
-                      <a14:useLocalDpi xmlns:a14="http://schemas.microsoft.com/office/drawing/2010/main" val="0"/>
-                    </a:ext>
-                  </a:extLst>
-                </a:blip>
-                <a:srcRect l="24387" t="8319" r="18355" b="50150"/>
-                <a:stretch/>
-              </p:blipFill>
-              <p:spPr>
-                <a:xfrm>
-                  <a:off x="211667" y="6019800"/>
-                  <a:ext cx="1072095" cy="600892"/>
-                </a:xfrm>
-                <a:prstGeom prst="rect">
-                  <a:avLst/>
-                </a:prstGeom>
-              </p:spPr>
-            </p:pic>
-            <p:sp>
-              <p:nvSpPr>
-                <p:cNvPr id="5" name="Unvan 1"/>
-                <p:cNvSpPr txBox="1">
-                  <a:spLocks/>
-                </p:cNvSpPr>
-                <p:nvPr/>
-              </p:nvSpPr>
-              <p:spPr>
-                <a:xfrm>
-                  <a:off x="1283763" y="6024023"/>
-                  <a:ext cx="3940170" cy="600892"/>
-                </a:xfrm>
-                <a:prstGeom prst="rect">
-                  <a:avLst/>
-                </a:prstGeom>
-              </p:spPr>
-              <p:txBody>
-                <a:bodyPr vert="horz" lIns="91440" tIns="45720" rIns="91440" bIns="45720" rtlCol="0" anchor="b">
-                  <a:noAutofit/>
-                </a:bodyPr>
-                <a:lstStyle>
-                  <a:lvl1pPr algn="ctr" defTabSz="914400" rtl="0" eaLnBrk="1" latinLnBrk="0" hangingPunct="1">
-                    <a:lnSpc>
-                      <a:spcPct val="90000"/>
-                    </a:lnSpc>
-                    <a:spcBef>
-                      <a:spcPct val="0"/>
-                    </a:spcBef>
-                    <a:buNone/>
-                    <a:defRPr sz="6000" kern="1200">
-                      <a:solidFill>
-                        <a:schemeClr val="tx1"/>
-                      </a:solidFill>
-                      <a:latin typeface="+mj-lt"/>
-                      <a:ea typeface="+mj-ea"/>
-                      <a:cs typeface="+mj-cs"/>
-                    </a:defRPr>
-                  </a:lvl1pPr>
-                </a:lstStyle>
-                <a:p>
-                  <a:pPr algn="l"/>
-                  <a:r>
-                    <a:rPr lang="tr-TR" sz="2000" dirty="0" smtClean="0">
-                      <a:solidFill>
-                        <a:srgbClr val="CB171F"/>
-                      </a:solidFill>
-                      <a:latin typeface="Constantia" panose="02030602050306030303" pitchFamily="18" charset="0"/>
-                      <a:ea typeface="Verdana" panose="020B0604030504040204" pitchFamily="34" charset="0"/>
-                      <a:cs typeface="Arial" panose="020B0604020202020204" pitchFamily="34" charset="0"/>
-                    </a:rPr>
-                    <a:t>Veri Bilimi Okulu</a:t>
-                  </a:r>
-                  <a:endParaRPr lang="en-US" sz="2000" dirty="0">
-                    <a:solidFill>
-                      <a:srgbClr val="CB171F"/>
-                    </a:solidFill>
-                    <a:latin typeface="Constantia" panose="02030602050306030303" pitchFamily="18" charset="0"/>
-                    <a:ea typeface="Verdana" panose="020B0604030504040204" pitchFamily="34" charset="0"/>
-                    <a:cs typeface="Arial" panose="020B0604020202020204" pitchFamily="34" charset="0"/>
-                  </a:endParaRPr>
-                </a:p>
-              </p:txBody>
-            </p:sp>
-          </p:grpSp>
-        </p:grpSp>
-        <p:sp>
-          <p:nvSpPr>
-            <p:cNvPr id="12" name="Metin kutusu 11"/>
-            <p:cNvSpPr txBox="1"/>
-            <p:nvPr/>
-          </p:nvSpPr>
-          <p:spPr>
-            <a:xfrm>
-              <a:off x="1582782" y="6493211"/>
-              <a:ext cx="1687468" cy="230832"/>
-            </a:xfrm>
-            <a:prstGeom prst="rect">
-              <a:avLst/>
-            </a:prstGeom>
-            <a:noFill/>
-          </p:spPr>
-          <p:txBody>
-            <a:bodyPr wrap="square" rtlCol="0">
-              <a:spAutoFit/>
-            </a:bodyPr>
-            <a:lstStyle/>
-            <a:p>
-              <a:r>
-                <a:rPr lang="en-US" sz="900" dirty="0" smtClean="0">
-                  <a:solidFill>
-                    <a:srgbClr val="0B8043"/>
-                  </a:solidFill>
-                </a:rPr>
-                <a:t>https:</a:t>
-              </a:r>
-              <a:r>
-                <a:rPr lang="en-US" sz="900" dirty="0" smtClean="0">
-                  <a:solidFill>
-                    <a:schemeClr val="bg1">
-                      <a:lumMod val="50000"/>
-                    </a:schemeClr>
-                  </a:solidFill>
-                </a:rPr>
-                <a:t>//www.veribilimi.co</a:t>
-              </a:r>
-              <a:endParaRPr lang="en-US" sz="900" dirty="0">
-                <a:solidFill>
-                  <a:schemeClr val="bg1">
-                    <a:lumMod val="50000"/>
-                  </a:schemeClr>
-                </a:solidFill>
-              </a:endParaRPr>
-            </a:p>
-          </p:txBody>
-        </p:sp>
-      </p:grpSp>
-      <p:grpSp>
-        <p:nvGrpSpPr>
-          <p:cNvPr id="11" name="Grup 10"/>
-          <p:cNvGrpSpPr/>
-          <p:nvPr/>
-        </p:nvGrpSpPr>
-        <p:grpSpPr>
-          <a:xfrm>
-            <a:off x="9194796" y="6231467"/>
-            <a:ext cx="2802471" cy="457084"/>
-            <a:chOff x="184993" y="5905369"/>
-            <a:chExt cx="5156200" cy="838200"/>
-          </a:xfrm>
-        </p:grpSpPr>
-        <p:sp>
-          <p:nvSpPr>
-            <p:cNvPr id="13" name="Dikdörtgen 12"/>
-            <p:cNvSpPr/>
-            <p:nvPr/>
-          </p:nvSpPr>
-          <p:spPr>
-            <a:xfrm>
-              <a:off x="184993" y="5905369"/>
-              <a:ext cx="5156200" cy="838200"/>
-            </a:xfrm>
-            <a:prstGeom prst="rect">
-              <a:avLst/>
-            </a:prstGeom>
-            <a:solidFill>
-              <a:schemeClr val="bg1">
-                <a:lumMod val="95000"/>
-              </a:schemeClr>
-            </a:solidFill>
-            <a:ln>
-              <a:noFill/>
-            </a:ln>
-          </p:spPr>
-          <p:style>
-            <a:lnRef idx="2">
-              <a:schemeClr val="accent1">
-                <a:shade val="50000"/>
-              </a:schemeClr>
-            </a:lnRef>
-            <a:fillRef idx="1">
-              <a:schemeClr val="accent1"/>
-            </a:fillRef>
-            <a:effectRef idx="0">
-              <a:schemeClr val="accent1"/>
-            </a:effectRef>
-            <a:fontRef idx="minor">
-              <a:schemeClr val="lt1"/>
-            </a:fontRef>
-          </p:style>
-          <p:txBody>
-            <a:bodyPr rtlCol="0" anchor="ctr"/>
-            <a:lstStyle/>
-            <a:p>
-              <a:pPr algn="ctr"/>
-              <a:endParaRPr lang="en-US" sz="2000"/>
-            </a:p>
-          </p:txBody>
-        </p:sp>
-        <p:sp>
-          <p:nvSpPr>
-            <p:cNvPr id="14" name="Unvan 1"/>
-            <p:cNvSpPr txBox="1">
-              <a:spLocks/>
-            </p:cNvSpPr>
-            <p:nvPr/>
-          </p:nvSpPr>
-          <p:spPr>
-            <a:xfrm>
-              <a:off x="302252" y="6024023"/>
-              <a:ext cx="4921678" cy="600892"/>
-            </a:xfrm>
-            <a:prstGeom prst="rect">
-              <a:avLst/>
-            </a:prstGeom>
-          </p:spPr>
-          <p:txBody>
-            <a:bodyPr vert="horz" lIns="91440" tIns="45720" rIns="91440" bIns="45720" rtlCol="0" anchor="b">
-              <a:noAutofit/>
-            </a:bodyPr>
-            <a:lstStyle>
-              <a:lvl1pPr algn="ctr" defTabSz="914400" rtl="0" eaLnBrk="1" latinLnBrk="0" hangingPunct="1">
-                <a:lnSpc>
-                  <a:spcPct val="90000"/>
-                </a:lnSpc>
-                <a:spcBef>
-                  <a:spcPct val="0"/>
-                </a:spcBef>
-                <a:buNone/>
-                <a:defRPr sz="6000" kern="1200">
-                  <a:solidFill>
-                    <a:schemeClr val="tx1"/>
-                  </a:solidFill>
-                  <a:latin typeface="+mj-lt"/>
-                  <a:ea typeface="+mj-ea"/>
-                  <a:cs typeface="+mj-cs"/>
-                </a:defRPr>
-              </a:lvl1pPr>
-            </a:lstStyle>
-            <a:p>
-              <a:pPr algn="l"/>
-              <a:r>
-                <a:rPr lang="tr-TR" sz="2000" dirty="0">
-                  <a:solidFill>
-                    <a:srgbClr val="CB171F"/>
-                  </a:solidFill>
-                  <a:latin typeface="Constantia" panose="02030602050306030303" pitchFamily="18" charset="0"/>
-                  <a:ea typeface="Verdana" panose="020B0604030504040204" pitchFamily="34" charset="0"/>
-                  <a:cs typeface="Arial" panose="020B0604020202020204" pitchFamily="34" charset="0"/>
-                </a:rPr>
-                <a:t>A’dan Z’ye Büyük Veri</a:t>
-              </a:r>
-              <a:endParaRPr lang="en-US" sz="2000" dirty="0">
-                <a:solidFill>
-                  <a:srgbClr val="CB171F"/>
-                </a:solidFill>
-                <a:latin typeface="Constantia" panose="02030602050306030303" pitchFamily="18" charset="0"/>
-                <a:ea typeface="Verdana" panose="020B0604030504040204" pitchFamily="34" charset="0"/>
-                <a:cs typeface="Arial" panose="020B0604020202020204" pitchFamily="34" charset="0"/>
-              </a:endParaRPr>
-            </a:p>
-          </p:txBody>
-        </p:sp>
-      </p:grpSp>
       <p:sp>
         <p:nvSpPr>
           <p:cNvPr id="16" name="Unvan 1"/>
@@ -16707,7 +14234,7 @@
           <a:lstStyle/>
           <a:p>
             <a:r>
-              <a:rPr lang="tr-TR" sz="4200" b="1" dirty="0" err="1" smtClean="0">
+              <a:rPr lang="tr-TR" sz="4200" b="1" dirty="0" err="1">
                 <a:solidFill>
                   <a:srgbClr val="CD1F26"/>
                 </a:solidFill>
@@ -16755,38 +14282,14 @@
               </a:lnSpc>
             </a:pPr>
             <a:r>
-              <a:rPr lang="tr-TR" sz="2400" dirty="0" smtClean="0">
+              <a:rPr lang="tr-TR" sz="2400" dirty="0">
                 <a:solidFill>
                   <a:srgbClr val="404041"/>
                 </a:solidFill>
                 <a:latin typeface="Roboto"/>
               </a:rPr>
-              <a:t>Uygulamanın çalışacağı ortam </a:t>
-            </a:r>
-            <a:r>
-              <a:rPr lang="tr-TR" sz="2400" dirty="0" smtClean="0">
-                <a:solidFill>
-                  <a:srgbClr val="404041"/>
-                </a:solidFill>
-                <a:latin typeface="Roboto"/>
-              </a:rPr>
-              <a:t>ile ilgili </a:t>
-            </a:r>
-            <a:r>
-              <a:rPr lang="tr-TR" sz="2400" dirty="0" smtClean="0">
-                <a:solidFill>
-                  <a:srgbClr val="404041"/>
-                </a:solidFill>
-                <a:latin typeface="Roboto"/>
-              </a:rPr>
-              <a:t>konfigürasyon bilgilerini tutan nesne.</a:t>
-            </a:r>
-            <a:endParaRPr lang="tr-TR" sz="2400" dirty="0" smtClean="0">
-              <a:solidFill>
-                <a:srgbClr val="404041"/>
-              </a:solidFill>
-              <a:latin typeface="Roboto"/>
-            </a:endParaRPr>
+              <a:t>Uygulamanın çalışacağı ortam ile ilgili konfigürasyon bilgilerini tutan nesne.</a:t>
+            </a:r>
           </a:p>
         </p:txBody>
       </p:sp>
@@ -16818,12 +14321,12 @@
               <a:t>import </a:t>
             </a:r>
             <a:r>
-              <a:rPr lang="en-US" dirty="0" err="1" smtClean="0">
+              <a:rPr lang="en-US" dirty="0" err="1">
                 <a:latin typeface="Consolas" panose="020B0609020204030204" pitchFamily="49" charset="0"/>
               </a:rPr>
               <a:t>org.apache.spark.SparkConf</a:t>
             </a:r>
-            <a:endParaRPr lang="tr-TR" dirty="0" smtClean="0">
+            <a:endParaRPr lang="tr-TR" dirty="0">
               <a:latin typeface="Consolas" panose="020B0609020204030204" pitchFamily="49" charset="0"/>
             </a:endParaRPr>
           </a:p>
@@ -16864,12 +14367,12 @@
               <a:t>SparkConf</a:t>
             </a:r>
             <a:r>
-              <a:rPr lang="en-US" dirty="0" smtClean="0">
+              <a:rPr lang="en-US" dirty="0">
                 <a:latin typeface="Consolas" panose="020B0609020204030204" pitchFamily="49" charset="0"/>
               </a:rPr>
               <a:t>()</a:t>
             </a:r>
-            <a:endParaRPr lang="tr-TR" dirty="0" smtClean="0">
+            <a:endParaRPr lang="tr-TR" dirty="0">
               <a:latin typeface="Consolas" panose="020B0609020204030204" pitchFamily="49" charset="0"/>
             </a:endParaRPr>
           </a:p>
@@ -16878,22 +14381,16 @@
               <a:rPr lang="tr-TR" dirty="0">
                 <a:latin typeface="Consolas" panose="020B0609020204030204" pitchFamily="49" charset="0"/>
               </a:rPr>
-              <a:t>	</a:t>
-            </a:r>
-            <a:r>
-              <a:rPr lang="tr-TR" dirty="0" smtClean="0">
-                <a:latin typeface="Consolas" panose="020B0609020204030204" pitchFamily="49" charset="0"/>
-              </a:rPr>
-              <a:t>	  </a:t>
-            </a:r>
-            <a:r>
-              <a:rPr lang="en-US" dirty="0" smtClean="0">
+              <a:t>		  </a:t>
+            </a:r>
+            <a:r>
+              <a:rPr lang="en-US" dirty="0">
                 <a:latin typeface="Consolas" panose="020B0609020204030204" pitchFamily="49" charset="0"/>
               </a:rPr>
               <a:t>.</a:t>
             </a:r>
             <a:r>
-              <a:rPr lang="tr-TR" dirty="0" smtClean="0"/>
+              <a:rPr lang="tr-TR" dirty="0"/>
               <a:t> </a:t>
             </a:r>
             <a:r>
@@ -16901,54 +14398,47 @@
               <a:t>setMaster</a:t>
             </a:r>
             <a:r>
-              <a:rPr lang="tr-TR" dirty="0" smtClean="0"/>
+              <a:rPr lang="tr-TR" dirty="0"/>
               <a:t>("</a:t>
             </a:r>
             <a:r>
-              <a:rPr lang="tr-TR" dirty="0" err="1" smtClean="0"/>
+              <a:rPr lang="tr-TR" dirty="0" err="1"/>
               <a:t>yarn</a:t>
             </a:r>
             <a:r>
-              <a:rPr lang="tr-TR" dirty="0" smtClean="0"/>
+              <a:rPr lang="tr-TR" dirty="0"/>
               <a:t>")</a:t>
             </a:r>
           </a:p>
           <a:p>
             <a:r>
               <a:rPr lang="tr-TR" dirty="0"/>
-              <a:t>	</a:t>
-            </a:r>
-            <a:r>
-              <a:rPr lang="tr-TR" dirty="0" smtClean="0"/>
-              <a:t>	     .</a:t>
-            </a:r>
-            <a:r>
-              <a:rPr lang="en-US" dirty="0" err="1" smtClean="0">
+              <a:t>		     .</a:t>
+            </a:r>
+            <a:r>
+              <a:rPr lang="en-US" dirty="0" err="1">
                 <a:latin typeface="Consolas" panose="020B0609020204030204" pitchFamily="49" charset="0"/>
               </a:rPr>
               <a:t>setAppName</a:t>
             </a:r>
             <a:r>
-              <a:rPr lang="en-US" dirty="0" smtClean="0">
+              <a:rPr lang="en-US" dirty="0">
                 <a:latin typeface="Consolas" panose="020B0609020204030204" pitchFamily="49" charset="0"/>
               </a:rPr>
               <a:t>("</a:t>
             </a:r>
             <a:r>
-              <a:rPr lang="tr-TR" dirty="0" smtClean="0">
+              <a:rPr lang="tr-TR" dirty="0">
                 <a:latin typeface="Consolas" panose="020B0609020204030204" pitchFamily="49" charset="0"/>
               </a:rPr>
               <a:t>Uygulamam</a:t>
             </a:r>
             <a:r>
-              <a:rPr lang="en-US" dirty="0" smtClean="0">
+              <a:rPr lang="en-US" dirty="0">
                 <a:latin typeface="Consolas" panose="020B0609020204030204" pitchFamily="49" charset="0"/>
               </a:rPr>
               <a:t>")</a:t>
             </a:r>
-            <a:endParaRPr lang="en-US" dirty="0">
-              <a:latin typeface="Consolas" panose="020B0609020204030204" pitchFamily="49" charset="0"/>
-            </a:endParaRPr>
           </a:p>
         </p:txBody>
       </p:sp>
@@ -16962,13 +14452,6 @@
   <p:clrMapOvr>
     <a:masterClrMapping/>
   </p:clrMapOvr>
-  <p:timing>
-    <p:tnLst>
-      <p:par>
-        <p:cTn id="1" dur="indefinite" restart="never" nodeType="tmRoot"/>
-      </p:par>
-    </p:tnLst>
-  </p:timing>
 </p:sld>
 </file>
 
@@ -17026,369 +14509,6 @@
           </a:fontRef>
         </p:style>
       </p:cxnSp>
-      <p:grpSp>
-        <p:nvGrpSpPr>
-          <p:cNvPr id="15" name="Grup 14"/>
-          <p:cNvGrpSpPr/>
-          <p:nvPr/>
-        </p:nvGrpSpPr>
-        <p:grpSpPr>
-          <a:xfrm>
-            <a:off x="228596" y="6231467"/>
-            <a:ext cx="3041654" cy="492576"/>
-            <a:chOff x="228596" y="6231467"/>
-            <a:chExt cx="3041654" cy="492576"/>
-          </a:xfrm>
-        </p:grpSpPr>
-        <p:grpSp>
-          <p:nvGrpSpPr>
-            <p:cNvPr id="8" name="Grup 7"/>
-            <p:cNvGrpSpPr/>
-            <p:nvPr/>
-          </p:nvGrpSpPr>
-          <p:grpSpPr>
-            <a:xfrm>
-              <a:off x="228596" y="6231467"/>
-              <a:ext cx="2802471" cy="457084"/>
-              <a:chOff x="127000" y="5901146"/>
-              <a:chExt cx="5156200" cy="838200"/>
-            </a:xfrm>
-          </p:grpSpPr>
-          <p:sp>
-            <p:nvSpPr>
-              <p:cNvPr id="7" name="Dikdörtgen 6"/>
-              <p:cNvSpPr/>
-              <p:nvPr/>
-            </p:nvSpPr>
-            <p:spPr>
-              <a:xfrm>
-                <a:off x="127000" y="5901146"/>
-                <a:ext cx="5156200" cy="838200"/>
-              </a:xfrm>
-              <a:prstGeom prst="rect">
-                <a:avLst/>
-              </a:prstGeom>
-              <a:solidFill>
-                <a:schemeClr val="bg1">
-                  <a:lumMod val="95000"/>
-                </a:schemeClr>
-              </a:solidFill>
-              <a:ln>
-                <a:noFill/>
-              </a:ln>
-            </p:spPr>
-            <p:style>
-              <a:lnRef idx="2">
-                <a:schemeClr val="accent1">
-                  <a:shade val="50000"/>
-                </a:schemeClr>
-              </a:lnRef>
-              <a:fillRef idx="1">
-                <a:schemeClr val="accent1"/>
-              </a:fillRef>
-              <a:effectRef idx="0">
-                <a:schemeClr val="accent1"/>
-              </a:effectRef>
-              <a:fontRef idx="minor">
-                <a:schemeClr val="lt1"/>
-              </a:fontRef>
-            </p:style>
-            <p:txBody>
-              <a:bodyPr rtlCol="0" anchor="ctr"/>
-              <a:lstStyle/>
-              <a:p>
-                <a:pPr algn="ctr"/>
-                <a:endParaRPr lang="en-US" sz="2000"/>
-              </a:p>
-            </p:txBody>
-          </p:sp>
-          <p:grpSp>
-            <p:nvGrpSpPr>
-              <p:cNvPr id="6" name="Grup 5"/>
-              <p:cNvGrpSpPr/>
-              <p:nvPr/>
-            </p:nvGrpSpPr>
-            <p:grpSpPr>
-              <a:xfrm>
-                <a:off x="211667" y="6019800"/>
-                <a:ext cx="5012266" cy="605115"/>
-                <a:chOff x="211667" y="6019800"/>
-                <a:chExt cx="5012266" cy="605115"/>
-              </a:xfrm>
-            </p:grpSpPr>
-            <p:pic>
-              <p:nvPicPr>
-                <p:cNvPr id="4" name="Resim 3"/>
-                <p:cNvPicPr>
-                  <a:picLocks noChangeAspect="1"/>
-                </p:cNvPicPr>
-                <p:nvPr/>
-              </p:nvPicPr>
-              <p:blipFill rotWithShape="1">
-                <a:blip r:embed="rId2" cstate="print">
-                  <a:extLst>
-                    <a:ext uri="{28A0092B-C50C-407E-A947-70E740481C1C}">
-                      <a14:useLocalDpi xmlns:a14="http://schemas.microsoft.com/office/drawing/2010/main" val="0"/>
-                    </a:ext>
-                  </a:extLst>
-                </a:blip>
-                <a:srcRect l="24387" t="8319" r="18355" b="50150"/>
-                <a:stretch/>
-              </p:blipFill>
-              <p:spPr>
-                <a:xfrm>
-                  <a:off x="211667" y="6019800"/>
-                  <a:ext cx="1072095" cy="600892"/>
-                </a:xfrm>
-                <a:prstGeom prst="rect">
-                  <a:avLst/>
-                </a:prstGeom>
-              </p:spPr>
-            </p:pic>
-            <p:sp>
-              <p:nvSpPr>
-                <p:cNvPr id="5" name="Unvan 1"/>
-                <p:cNvSpPr txBox="1">
-                  <a:spLocks/>
-                </p:cNvSpPr>
-                <p:nvPr/>
-              </p:nvSpPr>
-              <p:spPr>
-                <a:xfrm>
-                  <a:off x="1283763" y="6024023"/>
-                  <a:ext cx="3940170" cy="600892"/>
-                </a:xfrm>
-                <a:prstGeom prst="rect">
-                  <a:avLst/>
-                </a:prstGeom>
-              </p:spPr>
-              <p:txBody>
-                <a:bodyPr vert="horz" lIns="91440" tIns="45720" rIns="91440" bIns="45720" rtlCol="0" anchor="b">
-                  <a:noAutofit/>
-                </a:bodyPr>
-                <a:lstStyle>
-                  <a:lvl1pPr algn="ctr" defTabSz="914400" rtl="0" eaLnBrk="1" latinLnBrk="0" hangingPunct="1">
-                    <a:lnSpc>
-                      <a:spcPct val="90000"/>
-                    </a:lnSpc>
-                    <a:spcBef>
-                      <a:spcPct val="0"/>
-                    </a:spcBef>
-                    <a:buNone/>
-                    <a:defRPr sz="6000" kern="1200">
-                      <a:solidFill>
-                        <a:schemeClr val="tx1"/>
-                      </a:solidFill>
-                      <a:latin typeface="+mj-lt"/>
-                      <a:ea typeface="+mj-ea"/>
-                      <a:cs typeface="+mj-cs"/>
-                    </a:defRPr>
-                  </a:lvl1pPr>
-                </a:lstStyle>
-                <a:p>
-                  <a:pPr algn="l"/>
-                  <a:r>
-                    <a:rPr lang="tr-TR" sz="2000" dirty="0" smtClean="0">
-                      <a:solidFill>
-                        <a:srgbClr val="CB171F"/>
-                      </a:solidFill>
-                      <a:latin typeface="Constantia" panose="02030602050306030303" pitchFamily="18" charset="0"/>
-                      <a:ea typeface="Verdana" panose="020B0604030504040204" pitchFamily="34" charset="0"/>
-                      <a:cs typeface="Arial" panose="020B0604020202020204" pitchFamily="34" charset="0"/>
-                    </a:rPr>
-                    <a:t>Veri Bilimi Okulu</a:t>
-                  </a:r>
-                  <a:endParaRPr lang="en-US" sz="2000" dirty="0">
-                    <a:solidFill>
-                      <a:srgbClr val="CB171F"/>
-                    </a:solidFill>
-                    <a:latin typeface="Constantia" panose="02030602050306030303" pitchFamily="18" charset="0"/>
-                    <a:ea typeface="Verdana" panose="020B0604030504040204" pitchFamily="34" charset="0"/>
-                    <a:cs typeface="Arial" panose="020B0604020202020204" pitchFamily="34" charset="0"/>
-                  </a:endParaRPr>
-                </a:p>
-              </p:txBody>
-            </p:sp>
-          </p:grpSp>
-        </p:grpSp>
-        <p:sp>
-          <p:nvSpPr>
-            <p:cNvPr id="12" name="Metin kutusu 11"/>
-            <p:cNvSpPr txBox="1"/>
-            <p:nvPr/>
-          </p:nvSpPr>
-          <p:spPr>
-            <a:xfrm>
-              <a:off x="1582782" y="6493211"/>
-              <a:ext cx="1687468" cy="230832"/>
-            </a:xfrm>
-            <a:prstGeom prst="rect">
-              <a:avLst/>
-            </a:prstGeom>
-            <a:noFill/>
-          </p:spPr>
-          <p:txBody>
-            <a:bodyPr wrap="square" rtlCol="0">
-              <a:spAutoFit/>
-            </a:bodyPr>
-            <a:lstStyle/>
-            <a:p>
-              <a:r>
-                <a:rPr lang="en-US" sz="900" dirty="0" smtClean="0">
-                  <a:solidFill>
-                    <a:srgbClr val="0B8043"/>
-                  </a:solidFill>
-                </a:rPr>
-                <a:t>https:</a:t>
-              </a:r>
-              <a:r>
-                <a:rPr lang="en-US" sz="900" dirty="0" smtClean="0">
-                  <a:solidFill>
-                    <a:schemeClr val="bg1">
-                      <a:lumMod val="50000"/>
-                    </a:schemeClr>
-                  </a:solidFill>
-                </a:rPr>
-                <a:t>//www.veribilimi.co</a:t>
-              </a:r>
-              <a:endParaRPr lang="en-US" sz="900" dirty="0">
-                <a:solidFill>
-                  <a:schemeClr val="bg1">
-                    <a:lumMod val="50000"/>
-                  </a:schemeClr>
-                </a:solidFill>
-              </a:endParaRPr>
-            </a:p>
-          </p:txBody>
-        </p:sp>
-      </p:grpSp>
-      <p:grpSp>
-        <p:nvGrpSpPr>
-          <p:cNvPr id="11" name="Grup 10"/>
-          <p:cNvGrpSpPr/>
-          <p:nvPr/>
-        </p:nvGrpSpPr>
-        <p:grpSpPr>
-          <a:xfrm>
-            <a:off x="9194796" y="6231467"/>
-            <a:ext cx="2802471" cy="457084"/>
-            <a:chOff x="184993" y="5905369"/>
-            <a:chExt cx="5156200" cy="838200"/>
-          </a:xfrm>
-        </p:grpSpPr>
-        <p:sp>
-          <p:nvSpPr>
-            <p:cNvPr id="13" name="Dikdörtgen 12"/>
-            <p:cNvSpPr/>
-            <p:nvPr/>
-          </p:nvSpPr>
-          <p:spPr>
-            <a:xfrm>
-              <a:off x="184993" y="5905369"/>
-              <a:ext cx="5156200" cy="838200"/>
-            </a:xfrm>
-            <a:prstGeom prst="rect">
-              <a:avLst/>
-            </a:prstGeom>
-            <a:solidFill>
-              <a:schemeClr val="bg1">
-                <a:lumMod val="95000"/>
-              </a:schemeClr>
-            </a:solidFill>
-            <a:ln>
-              <a:noFill/>
-            </a:ln>
-          </p:spPr>
-          <p:style>
-            <a:lnRef idx="2">
-              <a:schemeClr val="accent1">
-                <a:shade val="50000"/>
-              </a:schemeClr>
-            </a:lnRef>
-            <a:fillRef idx="1">
-              <a:schemeClr val="accent1"/>
-            </a:fillRef>
-            <a:effectRef idx="0">
-              <a:schemeClr val="accent1"/>
-            </a:effectRef>
-            <a:fontRef idx="minor">
-              <a:schemeClr val="lt1"/>
-            </a:fontRef>
-          </p:style>
-          <p:txBody>
-            <a:bodyPr rtlCol="0" anchor="ctr"/>
-            <a:lstStyle/>
-            <a:p>
-              <a:pPr algn="ctr"/>
-              <a:endParaRPr lang="en-US" sz="2000"/>
-            </a:p>
-          </p:txBody>
-        </p:sp>
-        <p:sp>
-          <p:nvSpPr>
-            <p:cNvPr id="14" name="Unvan 1"/>
-            <p:cNvSpPr txBox="1">
-              <a:spLocks/>
-            </p:cNvSpPr>
-            <p:nvPr/>
-          </p:nvSpPr>
-          <p:spPr>
-            <a:xfrm>
-              <a:off x="302252" y="6024023"/>
-              <a:ext cx="4921678" cy="600892"/>
-            </a:xfrm>
-            <a:prstGeom prst="rect">
-              <a:avLst/>
-            </a:prstGeom>
-          </p:spPr>
-          <p:txBody>
-            <a:bodyPr vert="horz" lIns="91440" tIns="45720" rIns="91440" bIns="45720" rtlCol="0" anchor="b">
-              <a:noAutofit/>
-            </a:bodyPr>
-            <a:lstStyle>
-              <a:lvl1pPr algn="ctr" defTabSz="914400" rtl="0" eaLnBrk="1" latinLnBrk="0" hangingPunct="1">
-                <a:lnSpc>
-                  <a:spcPct val="90000"/>
-                </a:lnSpc>
-                <a:spcBef>
-                  <a:spcPct val="0"/>
-                </a:spcBef>
-                <a:buNone/>
-                <a:defRPr sz="6000" kern="1200">
-                  <a:solidFill>
-                    <a:schemeClr val="tx1"/>
-                  </a:solidFill>
-                  <a:latin typeface="+mj-lt"/>
-                  <a:ea typeface="+mj-ea"/>
-                  <a:cs typeface="+mj-cs"/>
-                </a:defRPr>
-              </a:lvl1pPr>
-            </a:lstStyle>
-            <a:p>
-              <a:pPr algn="l"/>
-              <a:r>
-                <a:rPr lang="tr-TR" sz="2000" dirty="0">
-                  <a:solidFill>
-                    <a:srgbClr val="CB171F"/>
-                  </a:solidFill>
-                  <a:latin typeface="Constantia" panose="02030602050306030303" pitchFamily="18" charset="0"/>
-                  <a:ea typeface="Verdana" panose="020B0604030504040204" pitchFamily="34" charset="0"/>
-                  <a:cs typeface="Arial" panose="020B0604020202020204" pitchFamily="34" charset="0"/>
-                </a:rPr>
-                <a:t>A’dan Z’ye Büyük Veri</a:t>
-              </a:r>
-              <a:endParaRPr lang="en-US" sz="2000" dirty="0">
-                <a:solidFill>
-                  <a:srgbClr val="CB171F"/>
-                </a:solidFill>
-                <a:latin typeface="Constantia" panose="02030602050306030303" pitchFamily="18" charset="0"/>
-                <a:ea typeface="Verdana" panose="020B0604030504040204" pitchFamily="34" charset="0"/>
-                <a:cs typeface="Arial" panose="020B0604020202020204" pitchFamily="34" charset="0"/>
-              </a:endParaRPr>
-            </a:p>
-          </p:txBody>
-        </p:sp>
-      </p:grpSp>
       <p:sp>
         <p:nvSpPr>
           <p:cNvPr id="16" name="Unvan 1"/>
@@ -17412,7 +14532,7 @@
           <a:lstStyle/>
           <a:p>
             <a:r>
-              <a:rPr lang="tr-TR" sz="4200" b="1" dirty="0" err="1" smtClean="0">
+              <a:rPr lang="tr-TR" sz="4200" b="1" dirty="0" err="1">
                 <a:solidFill>
                   <a:srgbClr val="CD1F26"/>
                 </a:solidFill>
@@ -17462,7 +14582,7 @@
               <a:buChar char="ü"/>
             </a:pPr>
             <a:r>
-              <a:rPr lang="tr-TR" sz="2400" dirty="0" err="1" smtClean="0">
+              <a:rPr lang="tr-TR" sz="2400" dirty="0" err="1">
                 <a:solidFill>
                   <a:srgbClr val="404041"/>
                 </a:solidFill>
@@ -17471,7 +14591,7 @@
               <a:t>Cluster’a</a:t>
             </a:r>
             <a:r>
-              <a:rPr lang="tr-TR" sz="2400" dirty="0" smtClean="0">
+              <a:rPr lang="tr-TR" sz="2400" dirty="0">
                 <a:solidFill>
                   <a:srgbClr val="404041"/>
                 </a:solidFill>
@@ -17479,12 +14599,6 @@
               </a:rPr>
               <a:t> ne şekilde erişileceğiyle ilgili nesne.</a:t>
             </a:r>
-            <a:endParaRPr lang="tr-TR" sz="2400" dirty="0" smtClean="0">
-              <a:solidFill>
-                <a:srgbClr val="404041"/>
-              </a:solidFill>
-              <a:latin typeface="Roboto"/>
-            </a:endParaRPr>
           </a:p>
           <a:p>
             <a:pPr marL="342900" indent="-342900">
@@ -17495,7 +14609,7 @@
               <a:buChar char="ü"/>
             </a:pPr>
             <a:r>
-              <a:rPr lang="tr-TR" sz="2400" dirty="0" smtClean="0">
+              <a:rPr lang="tr-TR" sz="2400" dirty="0">
                 <a:solidFill>
                   <a:srgbClr val="404041"/>
                 </a:solidFill>
@@ -17504,7 +14618,7 @@
               <a:t>RDD, </a:t>
             </a:r>
             <a:r>
-              <a:rPr lang="tr-TR" sz="2400" dirty="0" err="1" smtClean="0">
+              <a:rPr lang="tr-TR" sz="2400" dirty="0" err="1">
                 <a:solidFill>
                   <a:srgbClr val="404041"/>
                 </a:solidFill>
@@ -17513,7 +14627,7 @@
               <a:t>accumulator</a:t>
             </a:r>
             <a:r>
-              <a:rPr lang="tr-TR" sz="2400" dirty="0" smtClean="0">
+              <a:rPr lang="tr-TR" sz="2400" dirty="0">
                 <a:solidFill>
                   <a:srgbClr val="404041"/>
                 </a:solidFill>
@@ -17522,7 +14636,7 @@
               <a:t> ve </a:t>
             </a:r>
             <a:r>
-              <a:rPr lang="tr-TR" sz="2400" dirty="0" err="1" smtClean="0">
+              <a:rPr lang="tr-TR" sz="2400" dirty="0" err="1">
                 <a:solidFill>
                   <a:srgbClr val="404041"/>
                 </a:solidFill>
@@ -17531,7 +14645,7 @@
               <a:t>broadcast</a:t>
             </a:r>
             <a:r>
-              <a:rPr lang="tr-TR" sz="2400" dirty="0" smtClean="0">
+              <a:rPr lang="tr-TR" sz="2400" dirty="0">
                 <a:solidFill>
                   <a:srgbClr val="404041"/>
                 </a:solidFill>
@@ -17540,7 +14654,7 @@
               <a:t> </a:t>
             </a:r>
             <a:r>
-              <a:rPr lang="tr-TR" sz="2400" dirty="0" err="1" smtClean="0">
+              <a:rPr lang="tr-TR" sz="2400" dirty="0" err="1">
                 <a:solidFill>
                   <a:srgbClr val="404041"/>
                 </a:solidFill>
@@ -17549,7 +14663,7 @@
               <a:t>variables</a:t>
             </a:r>
             <a:r>
-              <a:rPr lang="tr-TR" sz="2400" dirty="0" smtClean="0">
+              <a:rPr lang="tr-TR" sz="2400" dirty="0">
                 <a:solidFill>
                   <a:srgbClr val="404041"/>
                 </a:solidFill>
@@ -17567,7 +14681,7 @@
               <a:buChar char="ü"/>
             </a:pPr>
             <a:r>
-              <a:rPr lang="tr-TR" sz="2400" dirty="0" err="1" smtClean="0">
+              <a:rPr lang="tr-TR" sz="2400" dirty="0" err="1">
                 <a:solidFill>
                   <a:srgbClr val="404041"/>
                 </a:solidFill>
@@ -17576,7 +14690,7 @@
               <a:t>Spark</a:t>
             </a:r>
             <a:r>
-              <a:rPr lang="tr-TR" sz="2400" dirty="0" smtClean="0">
+              <a:rPr lang="tr-TR" sz="2400" dirty="0">
                 <a:solidFill>
                   <a:srgbClr val="404041"/>
                 </a:solidFill>
@@ -17585,56 +14699,23 @@
               <a:t> 2.0’dan önce </a:t>
             </a:r>
             <a:r>
-              <a:rPr lang="tr-TR" sz="2400" dirty="0" err="1" smtClean="0">
+              <a:rPr lang="tr-TR" sz="2400" dirty="0" err="1">
                 <a:solidFill>
                   <a:srgbClr val="404041"/>
                 </a:solidFill>
                 <a:latin typeface="Roboto"/>
               </a:rPr>
-              <a:t>Spark</a:t>
-            </a:r>
-            <a:r>
-              <a:rPr lang="tr-TR" sz="2400" dirty="0" err="1" smtClean="0">
+              <a:t>Spark’a</a:t>
+            </a:r>
+            <a:r>
+              <a:rPr lang="tr-TR" sz="2400" dirty="0">
                 <a:solidFill>
                   <a:srgbClr val="404041"/>
                 </a:solidFill>
                 <a:latin typeface="Roboto"/>
               </a:rPr>
-              <a:t>’a</a:t>
-            </a:r>
-            <a:r>
-              <a:rPr lang="tr-TR" sz="2400" dirty="0" smtClean="0">
-                <a:solidFill>
-                  <a:srgbClr val="404041"/>
-                </a:solidFill>
-                <a:latin typeface="Roboto"/>
-              </a:rPr>
-              <a:t> tek </a:t>
-            </a:r>
-            <a:r>
-              <a:rPr lang="tr-TR" sz="2400" dirty="0" smtClean="0">
-                <a:solidFill>
-                  <a:srgbClr val="404041"/>
-                </a:solidFill>
-                <a:latin typeface="Roboto"/>
-              </a:rPr>
-              <a:t>giriş </a:t>
-            </a:r>
-            <a:r>
-              <a:rPr lang="tr-TR" sz="2400" dirty="0" smtClean="0">
-                <a:solidFill>
-                  <a:srgbClr val="404041"/>
-                </a:solidFill>
-                <a:latin typeface="Roboto"/>
-              </a:rPr>
-              <a:t>noktasıydı. </a:t>
-            </a:r>
-            <a:endParaRPr lang="tr-TR" sz="2400" dirty="0" smtClean="0">
-              <a:solidFill>
-                <a:srgbClr val="404041"/>
-              </a:solidFill>
-              <a:latin typeface="Roboto"/>
-            </a:endParaRPr>
+              <a:t> tek giriş noktasıydı. </a:t>
+            </a:r>
           </a:p>
           <a:p>
             <a:pPr marL="342900" indent="-342900">
@@ -17645,7 +14726,7 @@
               <a:buChar char="ü"/>
             </a:pPr>
             <a:r>
-              <a:rPr lang="tr-TR" sz="2400" dirty="0" err="1" smtClean="0">
+              <a:rPr lang="tr-TR" sz="2400" dirty="0" err="1">
                 <a:solidFill>
                   <a:srgbClr val="404041"/>
                 </a:solidFill>
@@ -17654,7 +14735,7 @@
               <a:t>Spark</a:t>
             </a:r>
             <a:r>
-              <a:rPr lang="tr-TR" sz="2400" dirty="0" smtClean="0">
+              <a:rPr lang="tr-TR" sz="2400" dirty="0">
                 <a:solidFill>
                   <a:srgbClr val="404041"/>
                 </a:solidFill>
@@ -17663,7 +14744,7 @@
               <a:t> 2.0’dan sonra </a:t>
             </a:r>
             <a:r>
-              <a:rPr lang="tr-TR" sz="2400" dirty="0" err="1" smtClean="0">
+              <a:rPr lang="tr-TR" sz="2400" dirty="0" err="1">
                 <a:solidFill>
                   <a:srgbClr val="404041"/>
                 </a:solidFill>
@@ -17672,88 +14753,61 @@
               <a:t>SparkContext</a:t>
             </a:r>
             <a:r>
-              <a:rPr lang="tr-TR" sz="2400" dirty="0" smtClean="0">
+              <a:rPr lang="tr-TR" sz="2400" dirty="0">
                 <a:solidFill>
                   <a:srgbClr val="404041"/>
                 </a:solidFill>
                 <a:latin typeface="Roboto"/>
               </a:rPr>
-              <a:t> </a:t>
-            </a:r>
-            <a:r>
-              <a:rPr lang="tr-TR" sz="2400" dirty="0" smtClean="0">
+              <a:t> ve </a:t>
+            </a:r>
+            <a:r>
+              <a:rPr lang="tr-TR" sz="2400" dirty="0" err="1">
                 <a:solidFill>
                   <a:srgbClr val="404041"/>
                 </a:solidFill>
                 <a:latin typeface="Roboto"/>
               </a:rPr>
-              <a:t>ve </a:t>
-            </a:r>
-            <a:r>
-              <a:rPr lang="tr-TR" sz="2400" dirty="0" err="1" smtClean="0">
+              <a:t>SQLContext</a:t>
+            </a:r>
+            <a:r>
+              <a:rPr lang="tr-TR" sz="2400" dirty="0">
                 <a:solidFill>
                   <a:srgbClr val="404041"/>
                 </a:solidFill>
                 <a:latin typeface="Roboto"/>
               </a:rPr>
-              <a:t>SQLContext</a:t>
-            </a:r>
-            <a:r>
-              <a:rPr lang="tr-TR" sz="2400" dirty="0" smtClean="0">
+              <a:t>, </a:t>
+            </a:r>
+            <a:r>
+              <a:rPr lang="tr-TR" sz="2400" dirty="0" err="1">
                 <a:solidFill>
                   <a:srgbClr val="404041"/>
                 </a:solidFill>
                 <a:latin typeface="Roboto"/>
               </a:rPr>
-              <a:t>, </a:t>
-            </a:r>
-            <a:r>
-              <a:rPr lang="tr-TR" sz="2400" dirty="0" err="1" smtClean="0">
+              <a:t>SparkSession</a:t>
+            </a:r>
+            <a:r>
+              <a:rPr lang="tr-TR" sz="2400" dirty="0">
                 <a:solidFill>
                   <a:srgbClr val="404041"/>
                 </a:solidFill>
                 <a:latin typeface="Roboto"/>
               </a:rPr>
-              <a:t>SparkSession</a:t>
-            </a:r>
-            <a:r>
-              <a:rPr lang="tr-TR" sz="2400" dirty="0" smtClean="0">
+              <a:t> da birleşti ve </a:t>
+            </a:r>
+            <a:r>
+              <a:rPr lang="tr-TR" sz="2400" dirty="0" err="1">
                 <a:solidFill>
                   <a:srgbClr val="404041"/>
                 </a:solidFill>
                 <a:latin typeface="Roboto"/>
               </a:rPr>
-              <a:t> </a:t>
-            </a:r>
-            <a:r>
-              <a:rPr lang="tr-TR" sz="2400" dirty="0" smtClean="0">
-                <a:solidFill>
-                  <a:srgbClr val="404041"/>
-                </a:solidFill>
-                <a:latin typeface="Roboto"/>
-              </a:rPr>
-              <a:t>da </a:t>
-            </a:r>
-            <a:r>
-              <a:rPr lang="tr-TR" sz="2400" dirty="0" smtClean="0">
-                <a:solidFill>
-                  <a:srgbClr val="404041"/>
-                </a:solidFill>
-                <a:latin typeface="Roboto"/>
-              </a:rPr>
-              <a:t>birleşti ve </a:t>
-            </a:r>
-            <a:r>
-              <a:rPr lang="tr-TR" sz="2400" dirty="0" err="1" smtClean="0">
-                <a:solidFill>
-                  <a:srgbClr val="404041"/>
-                </a:solidFill>
-                <a:latin typeface="Roboto"/>
-              </a:rPr>
               <a:t>spark</a:t>
             </a:r>
             <a:r>
-              <a:rPr lang="tr-TR" sz="2400" dirty="0" smtClean="0">
+              <a:rPr lang="tr-TR" sz="2400" dirty="0">
                 <a:solidFill>
                   <a:srgbClr val="404041"/>
                 </a:solidFill>
@@ -17771,7 +14825,7 @@
               <a:buChar char="ü"/>
             </a:pPr>
             <a:r>
-              <a:rPr lang="tr-TR" sz="2400" dirty="0" err="1" smtClean="0">
+              <a:rPr lang="tr-TR" sz="2400" dirty="0" err="1">
                 <a:solidFill>
                   <a:srgbClr val="404041"/>
                 </a:solidFill>
@@ -17780,7 +14834,7 @@
               <a:t>sc</a:t>
             </a:r>
             <a:r>
-              <a:rPr lang="tr-TR" sz="2400" dirty="0" smtClean="0">
+              <a:rPr lang="tr-TR" sz="2400" dirty="0">
                 <a:solidFill>
                   <a:srgbClr val="404041"/>
                 </a:solidFill>
@@ -17938,13 +14992,6 @@
   <p:clrMapOvr>
     <a:masterClrMapping/>
   </p:clrMapOvr>
-  <p:timing>
-    <p:tnLst>
-      <p:par>
-        <p:cTn id="1" dur="indefinite" restart="never" nodeType="tmRoot"/>
-      </p:par>
-    </p:tnLst>
-  </p:timing>
 </p:sld>
 </file>
 
@@ -18002,369 +15049,6 @@
           </a:fontRef>
         </p:style>
       </p:cxnSp>
-      <p:grpSp>
-        <p:nvGrpSpPr>
-          <p:cNvPr id="15" name="Grup 14"/>
-          <p:cNvGrpSpPr/>
-          <p:nvPr/>
-        </p:nvGrpSpPr>
-        <p:grpSpPr>
-          <a:xfrm>
-            <a:off x="228596" y="6231467"/>
-            <a:ext cx="3041654" cy="492576"/>
-            <a:chOff x="228596" y="6231467"/>
-            <a:chExt cx="3041654" cy="492576"/>
-          </a:xfrm>
-        </p:grpSpPr>
-        <p:grpSp>
-          <p:nvGrpSpPr>
-            <p:cNvPr id="8" name="Grup 7"/>
-            <p:cNvGrpSpPr/>
-            <p:nvPr/>
-          </p:nvGrpSpPr>
-          <p:grpSpPr>
-            <a:xfrm>
-              <a:off x="228596" y="6231467"/>
-              <a:ext cx="2802471" cy="457084"/>
-              <a:chOff x="127000" y="5901146"/>
-              <a:chExt cx="5156200" cy="838200"/>
-            </a:xfrm>
-          </p:grpSpPr>
-          <p:sp>
-            <p:nvSpPr>
-              <p:cNvPr id="7" name="Dikdörtgen 6"/>
-              <p:cNvSpPr/>
-              <p:nvPr/>
-            </p:nvSpPr>
-            <p:spPr>
-              <a:xfrm>
-                <a:off x="127000" y="5901146"/>
-                <a:ext cx="5156200" cy="838200"/>
-              </a:xfrm>
-              <a:prstGeom prst="rect">
-                <a:avLst/>
-              </a:prstGeom>
-              <a:solidFill>
-                <a:schemeClr val="bg1">
-                  <a:lumMod val="95000"/>
-                </a:schemeClr>
-              </a:solidFill>
-              <a:ln>
-                <a:noFill/>
-              </a:ln>
-            </p:spPr>
-            <p:style>
-              <a:lnRef idx="2">
-                <a:schemeClr val="accent1">
-                  <a:shade val="50000"/>
-                </a:schemeClr>
-              </a:lnRef>
-              <a:fillRef idx="1">
-                <a:schemeClr val="accent1"/>
-              </a:fillRef>
-              <a:effectRef idx="0">
-                <a:schemeClr val="accent1"/>
-              </a:effectRef>
-              <a:fontRef idx="minor">
-                <a:schemeClr val="lt1"/>
-              </a:fontRef>
-            </p:style>
-            <p:txBody>
-              <a:bodyPr rtlCol="0" anchor="ctr"/>
-              <a:lstStyle/>
-              <a:p>
-                <a:pPr algn="ctr"/>
-                <a:endParaRPr lang="en-US" sz="2000"/>
-              </a:p>
-            </p:txBody>
-          </p:sp>
-          <p:grpSp>
-            <p:nvGrpSpPr>
-              <p:cNvPr id="6" name="Grup 5"/>
-              <p:cNvGrpSpPr/>
-              <p:nvPr/>
-            </p:nvGrpSpPr>
-            <p:grpSpPr>
-              <a:xfrm>
-                <a:off x="211667" y="6019800"/>
-                <a:ext cx="5012266" cy="605115"/>
-                <a:chOff x="211667" y="6019800"/>
-                <a:chExt cx="5012266" cy="605115"/>
-              </a:xfrm>
-            </p:grpSpPr>
-            <p:pic>
-              <p:nvPicPr>
-                <p:cNvPr id="4" name="Resim 3"/>
-                <p:cNvPicPr>
-                  <a:picLocks noChangeAspect="1"/>
-                </p:cNvPicPr>
-                <p:nvPr/>
-              </p:nvPicPr>
-              <p:blipFill rotWithShape="1">
-                <a:blip r:embed="rId2" cstate="print">
-                  <a:extLst>
-                    <a:ext uri="{28A0092B-C50C-407E-A947-70E740481C1C}">
-                      <a14:useLocalDpi xmlns:a14="http://schemas.microsoft.com/office/drawing/2010/main" val="0"/>
-                    </a:ext>
-                  </a:extLst>
-                </a:blip>
-                <a:srcRect l="24387" t="8319" r="18355" b="50150"/>
-                <a:stretch/>
-              </p:blipFill>
-              <p:spPr>
-                <a:xfrm>
-                  <a:off x="211667" y="6019800"/>
-                  <a:ext cx="1072095" cy="600892"/>
-                </a:xfrm>
-                <a:prstGeom prst="rect">
-                  <a:avLst/>
-                </a:prstGeom>
-              </p:spPr>
-            </p:pic>
-            <p:sp>
-              <p:nvSpPr>
-                <p:cNvPr id="5" name="Unvan 1"/>
-                <p:cNvSpPr txBox="1">
-                  <a:spLocks/>
-                </p:cNvSpPr>
-                <p:nvPr/>
-              </p:nvSpPr>
-              <p:spPr>
-                <a:xfrm>
-                  <a:off x="1283763" y="6024023"/>
-                  <a:ext cx="3940170" cy="600892"/>
-                </a:xfrm>
-                <a:prstGeom prst="rect">
-                  <a:avLst/>
-                </a:prstGeom>
-              </p:spPr>
-              <p:txBody>
-                <a:bodyPr vert="horz" lIns="91440" tIns="45720" rIns="91440" bIns="45720" rtlCol="0" anchor="b">
-                  <a:noAutofit/>
-                </a:bodyPr>
-                <a:lstStyle>
-                  <a:lvl1pPr algn="ctr" defTabSz="914400" rtl="0" eaLnBrk="1" latinLnBrk="0" hangingPunct="1">
-                    <a:lnSpc>
-                      <a:spcPct val="90000"/>
-                    </a:lnSpc>
-                    <a:spcBef>
-                      <a:spcPct val="0"/>
-                    </a:spcBef>
-                    <a:buNone/>
-                    <a:defRPr sz="6000" kern="1200">
-                      <a:solidFill>
-                        <a:schemeClr val="tx1"/>
-                      </a:solidFill>
-                      <a:latin typeface="+mj-lt"/>
-                      <a:ea typeface="+mj-ea"/>
-                      <a:cs typeface="+mj-cs"/>
-                    </a:defRPr>
-                  </a:lvl1pPr>
-                </a:lstStyle>
-                <a:p>
-                  <a:pPr algn="l"/>
-                  <a:r>
-                    <a:rPr lang="tr-TR" sz="2000" dirty="0" smtClean="0">
-                      <a:solidFill>
-                        <a:srgbClr val="CB171F"/>
-                      </a:solidFill>
-                      <a:latin typeface="Constantia" panose="02030602050306030303" pitchFamily="18" charset="0"/>
-                      <a:ea typeface="Verdana" panose="020B0604030504040204" pitchFamily="34" charset="0"/>
-                      <a:cs typeface="Arial" panose="020B0604020202020204" pitchFamily="34" charset="0"/>
-                    </a:rPr>
-                    <a:t>Veri Bilimi Okulu</a:t>
-                  </a:r>
-                  <a:endParaRPr lang="en-US" sz="2000" dirty="0">
-                    <a:solidFill>
-                      <a:srgbClr val="CB171F"/>
-                    </a:solidFill>
-                    <a:latin typeface="Constantia" panose="02030602050306030303" pitchFamily="18" charset="0"/>
-                    <a:ea typeface="Verdana" panose="020B0604030504040204" pitchFamily="34" charset="0"/>
-                    <a:cs typeface="Arial" panose="020B0604020202020204" pitchFamily="34" charset="0"/>
-                  </a:endParaRPr>
-                </a:p>
-              </p:txBody>
-            </p:sp>
-          </p:grpSp>
-        </p:grpSp>
-        <p:sp>
-          <p:nvSpPr>
-            <p:cNvPr id="12" name="Metin kutusu 11"/>
-            <p:cNvSpPr txBox="1"/>
-            <p:nvPr/>
-          </p:nvSpPr>
-          <p:spPr>
-            <a:xfrm>
-              <a:off x="1582782" y="6493211"/>
-              <a:ext cx="1687468" cy="230832"/>
-            </a:xfrm>
-            <a:prstGeom prst="rect">
-              <a:avLst/>
-            </a:prstGeom>
-            <a:noFill/>
-          </p:spPr>
-          <p:txBody>
-            <a:bodyPr wrap="square" rtlCol="0">
-              <a:spAutoFit/>
-            </a:bodyPr>
-            <a:lstStyle/>
-            <a:p>
-              <a:r>
-                <a:rPr lang="en-US" sz="900" dirty="0" smtClean="0">
-                  <a:solidFill>
-                    <a:srgbClr val="0B8043"/>
-                  </a:solidFill>
-                </a:rPr>
-                <a:t>https:</a:t>
-              </a:r>
-              <a:r>
-                <a:rPr lang="en-US" sz="900" dirty="0" smtClean="0">
-                  <a:solidFill>
-                    <a:schemeClr val="bg1">
-                      <a:lumMod val="50000"/>
-                    </a:schemeClr>
-                  </a:solidFill>
-                </a:rPr>
-                <a:t>//www.veribilimi.co</a:t>
-              </a:r>
-              <a:endParaRPr lang="en-US" sz="900" dirty="0">
-                <a:solidFill>
-                  <a:schemeClr val="bg1">
-                    <a:lumMod val="50000"/>
-                  </a:schemeClr>
-                </a:solidFill>
-              </a:endParaRPr>
-            </a:p>
-          </p:txBody>
-        </p:sp>
-      </p:grpSp>
-      <p:grpSp>
-        <p:nvGrpSpPr>
-          <p:cNvPr id="11" name="Grup 10"/>
-          <p:cNvGrpSpPr/>
-          <p:nvPr/>
-        </p:nvGrpSpPr>
-        <p:grpSpPr>
-          <a:xfrm>
-            <a:off x="9194796" y="6231467"/>
-            <a:ext cx="2802471" cy="457084"/>
-            <a:chOff x="184993" y="5905369"/>
-            <a:chExt cx="5156200" cy="838200"/>
-          </a:xfrm>
-        </p:grpSpPr>
-        <p:sp>
-          <p:nvSpPr>
-            <p:cNvPr id="13" name="Dikdörtgen 12"/>
-            <p:cNvSpPr/>
-            <p:nvPr/>
-          </p:nvSpPr>
-          <p:spPr>
-            <a:xfrm>
-              <a:off x="184993" y="5905369"/>
-              <a:ext cx="5156200" cy="838200"/>
-            </a:xfrm>
-            <a:prstGeom prst="rect">
-              <a:avLst/>
-            </a:prstGeom>
-            <a:solidFill>
-              <a:schemeClr val="bg1">
-                <a:lumMod val="95000"/>
-              </a:schemeClr>
-            </a:solidFill>
-            <a:ln>
-              <a:noFill/>
-            </a:ln>
-          </p:spPr>
-          <p:style>
-            <a:lnRef idx="2">
-              <a:schemeClr val="accent1">
-                <a:shade val="50000"/>
-              </a:schemeClr>
-            </a:lnRef>
-            <a:fillRef idx="1">
-              <a:schemeClr val="accent1"/>
-            </a:fillRef>
-            <a:effectRef idx="0">
-              <a:schemeClr val="accent1"/>
-            </a:effectRef>
-            <a:fontRef idx="minor">
-              <a:schemeClr val="lt1"/>
-            </a:fontRef>
-          </p:style>
-          <p:txBody>
-            <a:bodyPr rtlCol="0" anchor="ctr"/>
-            <a:lstStyle/>
-            <a:p>
-              <a:pPr algn="ctr"/>
-              <a:endParaRPr lang="en-US" sz="2000"/>
-            </a:p>
-          </p:txBody>
-        </p:sp>
-        <p:sp>
-          <p:nvSpPr>
-            <p:cNvPr id="14" name="Unvan 1"/>
-            <p:cNvSpPr txBox="1">
-              <a:spLocks/>
-            </p:cNvSpPr>
-            <p:nvPr/>
-          </p:nvSpPr>
-          <p:spPr>
-            <a:xfrm>
-              <a:off x="302252" y="6024023"/>
-              <a:ext cx="4921678" cy="600892"/>
-            </a:xfrm>
-            <a:prstGeom prst="rect">
-              <a:avLst/>
-            </a:prstGeom>
-          </p:spPr>
-          <p:txBody>
-            <a:bodyPr vert="horz" lIns="91440" tIns="45720" rIns="91440" bIns="45720" rtlCol="0" anchor="b">
-              <a:noAutofit/>
-            </a:bodyPr>
-            <a:lstStyle>
-              <a:lvl1pPr algn="ctr" defTabSz="914400" rtl="0" eaLnBrk="1" latinLnBrk="0" hangingPunct="1">
-                <a:lnSpc>
-                  <a:spcPct val="90000"/>
-                </a:lnSpc>
-                <a:spcBef>
-                  <a:spcPct val="0"/>
-                </a:spcBef>
-                <a:buNone/>
-                <a:defRPr sz="6000" kern="1200">
-                  <a:solidFill>
-                    <a:schemeClr val="tx1"/>
-                  </a:solidFill>
-                  <a:latin typeface="+mj-lt"/>
-                  <a:ea typeface="+mj-ea"/>
-                  <a:cs typeface="+mj-cs"/>
-                </a:defRPr>
-              </a:lvl1pPr>
-            </a:lstStyle>
-            <a:p>
-              <a:pPr algn="l"/>
-              <a:r>
-                <a:rPr lang="tr-TR" sz="2000" dirty="0">
-                  <a:solidFill>
-                    <a:srgbClr val="CB171F"/>
-                  </a:solidFill>
-                  <a:latin typeface="Constantia" panose="02030602050306030303" pitchFamily="18" charset="0"/>
-                  <a:ea typeface="Verdana" panose="020B0604030504040204" pitchFamily="34" charset="0"/>
-                  <a:cs typeface="Arial" panose="020B0604020202020204" pitchFamily="34" charset="0"/>
-                </a:rPr>
-                <a:t>A’dan Z’ye Büyük Veri</a:t>
-              </a:r>
-              <a:endParaRPr lang="en-US" sz="2000" dirty="0">
-                <a:solidFill>
-                  <a:srgbClr val="CB171F"/>
-                </a:solidFill>
-                <a:latin typeface="Constantia" panose="02030602050306030303" pitchFamily="18" charset="0"/>
-                <a:ea typeface="Verdana" panose="020B0604030504040204" pitchFamily="34" charset="0"/>
-                <a:cs typeface="Arial" panose="020B0604020202020204" pitchFamily="34" charset="0"/>
-              </a:endParaRPr>
-            </a:p>
-          </p:txBody>
-        </p:sp>
-      </p:grpSp>
       <p:sp>
         <p:nvSpPr>
           <p:cNvPr id="16" name="Unvan 1"/>
@@ -18388,7 +15072,7 @@
           <a:lstStyle/>
           <a:p>
             <a:r>
-              <a:rPr lang="tr-TR" sz="4200" b="1" dirty="0" smtClean="0">
+              <a:rPr lang="tr-TR" sz="4200" b="1" dirty="0">
                 <a:solidFill>
                   <a:srgbClr val="CD1F26"/>
                 </a:solidFill>
@@ -18431,13 +15115,13 @@
           <a:lstStyle/>
           <a:p>
             <a:r>
-              <a:rPr lang="en-US" dirty="0" err="1" smtClean="0">
+              <a:rPr lang="en-US" dirty="0" err="1">
                 <a:latin typeface="Consolas" panose="020B0609020204030204" pitchFamily="49" charset="0"/>
               </a:rPr>
               <a:t>val</a:t>
             </a:r>
             <a:r>
-              <a:rPr lang="en-US" dirty="0" smtClean="0">
+              <a:rPr lang="en-US" dirty="0">
                 <a:latin typeface="Consolas" panose="020B0609020204030204" pitchFamily="49" charset="0"/>
               </a:rPr>
               <a:t> </a:t>
@@ -18476,190 +15160,178 @@
               <a:rPr lang="en-US" dirty="0">
                 <a:latin typeface="Consolas" panose="020B0609020204030204" pitchFamily="49" charset="0"/>
               </a:rPr>
-              <a:t>(1,2,3,4,5,6,7,8</a:t>
-            </a:r>
-            <a:r>
-              <a:rPr lang="en-US" dirty="0" smtClean="0">
-                <a:latin typeface="Consolas" panose="020B0609020204030204" pitchFamily="49" charset="0"/>
-              </a:rPr>
-              <a:t>))</a:t>
-            </a:r>
-            <a:endParaRPr lang="tr-TR" dirty="0" smtClean="0">
-              <a:latin typeface="Consolas" panose="020B0609020204030204" pitchFamily="49" charset="0"/>
-            </a:endParaRPr>
-          </a:p>
-          <a:p>
+              <a:t>(1,2,3,4,5,6,7,8))</a:t>
+            </a:r>
             <a:endParaRPr lang="tr-TR" dirty="0">
               <a:latin typeface="Consolas" panose="020B0609020204030204" pitchFamily="49" charset="0"/>
             </a:endParaRPr>
           </a:p>
           <a:p>
-            <a:r>
-              <a:rPr lang="en-US" dirty="0" err="1">
-                <a:latin typeface="Consolas" panose="020B0609020204030204" pitchFamily="49" charset="0"/>
-              </a:rPr>
-              <a:t>def</a:t>
-            </a:r>
-            <a:r>
-              <a:rPr lang="en-US" dirty="0">
-                <a:latin typeface="Consolas" panose="020B0609020204030204" pitchFamily="49" charset="0"/>
-              </a:rPr>
-              <a:t> </a:t>
-            </a:r>
-            <a:r>
-              <a:rPr lang="en-US" dirty="0" err="1">
-                <a:latin typeface="Consolas" panose="020B0609020204030204" pitchFamily="49" charset="0"/>
-              </a:rPr>
-              <a:t>karesiniAl</a:t>
-            </a:r>
-            <a:r>
-              <a:rPr lang="en-US" dirty="0">
-                <a:latin typeface="Consolas" panose="020B0609020204030204" pitchFamily="49" charset="0"/>
-              </a:rPr>
-              <a:t>(x: </a:t>
-            </a:r>
-            <a:r>
-              <a:rPr lang="en-US" dirty="0" err="1">
-                <a:latin typeface="Consolas" panose="020B0609020204030204" pitchFamily="49" charset="0"/>
-              </a:rPr>
-              <a:t>Int</a:t>
-            </a:r>
-            <a:r>
-              <a:rPr lang="en-US" dirty="0">
-                <a:latin typeface="Consolas" panose="020B0609020204030204" pitchFamily="49" charset="0"/>
-              </a:rPr>
-              <a:t>):</a:t>
-            </a:r>
-            <a:r>
-              <a:rPr lang="en-US" dirty="0" err="1">
-                <a:latin typeface="Consolas" panose="020B0609020204030204" pitchFamily="49" charset="0"/>
-              </a:rPr>
-              <a:t>Int</a:t>
-            </a:r>
-            <a:r>
-              <a:rPr lang="en-US" dirty="0">
-                <a:latin typeface="Consolas" panose="020B0609020204030204" pitchFamily="49" charset="0"/>
-              </a:rPr>
-              <a:t> </a:t>
-            </a:r>
-            <a:r>
-              <a:rPr lang="en-US" dirty="0" smtClean="0">
-                <a:latin typeface="Consolas" panose="020B0609020204030204" pitchFamily="49" charset="0"/>
-              </a:rPr>
-              <a:t>={</a:t>
-            </a:r>
-            <a:endParaRPr lang="tr-TR" dirty="0" smtClean="0">
-              <a:latin typeface="Consolas" panose="020B0609020204030204" pitchFamily="49" charset="0"/>
-            </a:endParaRPr>
-          </a:p>
-          <a:p>
-            <a:r>
-              <a:rPr lang="en-US" dirty="0" smtClean="0">
-                <a:latin typeface="Consolas" panose="020B0609020204030204" pitchFamily="49" charset="0"/>
-              </a:rPr>
-              <a:t>    x*x</a:t>
-            </a:r>
-            <a:endParaRPr lang="tr-TR" dirty="0" smtClean="0">
-              <a:latin typeface="Consolas" panose="020B0609020204030204" pitchFamily="49" charset="0"/>
-            </a:endParaRPr>
-          </a:p>
-          <a:p>
-            <a:r>
-              <a:rPr lang="en-US" dirty="0" smtClean="0">
-                <a:latin typeface="Consolas" panose="020B0609020204030204" pitchFamily="49" charset="0"/>
-              </a:rPr>
-              <a:t>}</a:t>
-            </a:r>
-            <a:endParaRPr lang="tr-TR" dirty="0" smtClean="0">
-              <a:latin typeface="Consolas" panose="020B0609020204030204" pitchFamily="49" charset="0"/>
-            </a:endParaRPr>
-          </a:p>
-          <a:p>
-            <a:endParaRPr lang="tr-TR" dirty="0" smtClean="0">
-              <a:latin typeface="Consolas" panose="020B0609020204030204" pitchFamily="49" charset="0"/>
-            </a:endParaRPr>
-          </a:p>
-          <a:p>
-            <a:r>
-              <a:rPr lang="tr-TR" dirty="0" err="1">
-                <a:latin typeface="Consolas" panose="020B0609020204030204" pitchFamily="49" charset="0"/>
-              </a:rPr>
-              <a:t>val</a:t>
-            </a:r>
-            <a:r>
-              <a:rPr lang="tr-TR" dirty="0">
-                <a:latin typeface="Consolas" panose="020B0609020204030204" pitchFamily="49" charset="0"/>
-              </a:rPr>
-              <a:t> </a:t>
-            </a:r>
-            <a:r>
-              <a:rPr lang="tr-TR" dirty="0" err="1">
-                <a:latin typeface="Consolas" panose="020B0609020204030204" pitchFamily="49" charset="0"/>
-              </a:rPr>
-              <a:t>kareliRDD</a:t>
-            </a:r>
-            <a:r>
-              <a:rPr lang="tr-TR" dirty="0">
-                <a:latin typeface="Consolas" panose="020B0609020204030204" pitchFamily="49" charset="0"/>
-              </a:rPr>
-              <a:t> = </a:t>
-            </a:r>
-            <a:r>
-              <a:rPr lang="tr-TR" dirty="0" err="1">
-                <a:latin typeface="Consolas" panose="020B0609020204030204" pitchFamily="49" charset="0"/>
-              </a:rPr>
-              <a:t>sayilarRDD.map</a:t>
-            </a:r>
-            <a:r>
-              <a:rPr lang="tr-TR" dirty="0">
-                <a:latin typeface="Consolas" panose="020B0609020204030204" pitchFamily="49" charset="0"/>
-              </a:rPr>
-              <a:t>(</a:t>
-            </a:r>
-            <a:r>
-              <a:rPr lang="tr-TR" dirty="0" err="1">
-                <a:latin typeface="Consolas" panose="020B0609020204030204" pitchFamily="49" charset="0"/>
-              </a:rPr>
-              <a:t>karesiniAl</a:t>
-            </a:r>
-            <a:r>
-              <a:rPr lang="tr-TR" dirty="0" smtClean="0">
-                <a:latin typeface="Consolas" panose="020B0609020204030204" pitchFamily="49" charset="0"/>
-              </a:rPr>
-              <a:t>)</a:t>
-            </a:r>
-          </a:p>
-          <a:p>
             <a:endParaRPr lang="tr-TR" dirty="0">
               <a:latin typeface="Consolas" panose="020B0609020204030204" pitchFamily="49" charset="0"/>
             </a:endParaRPr>
           </a:p>
           <a:p>
             <a:r>
-              <a:rPr lang="tr-TR" dirty="0" err="1" smtClean="0">
-                <a:latin typeface="Consolas" panose="020B0609020204030204" pitchFamily="49" charset="0"/>
-              </a:rPr>
-              <a:t>kareliRDD.take</a:t>
-            </a:r>
-            <a:r>
-              <a:rPr lang="tr-TR" dirty="0" smtClean="0">
-                <a:latin typeface="Consolas" panose="020B0609020204030204" pitchFamily="49" charset="0"/>
-              </a:rPr>
-              <a:t>(8)</a:t>
-            </a:r>
-          </a:p>
-          <a:p>
-            <a:endParaRPr lang="tr-TR" dirty="0" smtClean="0">
-              <a:latin typeface="Consolas" panose="020B0609020204030204" pitchFamily="49" charset="0"/>
-            </a:endParaRPr>
-          </a:p>
-          <a:p>
+              <a:rPr lang="en-US" dirty="0" err="1">
+                <a:latin typeface="Consolas" panose="020B0609020204030204" pitchFamily="49" charset="0"/>
+              </a:rPr>
+              <a:t>def</a:t>
+            </a:r>
+            <a:r>
+              <a:rPr lang="en-US" dirty="0">
+                <a:latin typeface="Consolas" panose="020B0609020204030204" pitchFamily="49" charset="0"/>
+              </a:rPr>
+              <a:t> </a:t>
+            </a:r>
+            <a:r>
+              <a:rPr lang="en-US" dirty="0" err="1">
+                <a:latin typeface="Consolas" panose="020B0609020204030204" pitchFamily="49" charset="0"/>
+              </a:rPr>
+              <a:t>karesiniAl</a:t>
+            </a:r>
+            <a:r>
+              <a:rPr lang="en-US" dirty="0">
+                <a:latin typeface="Consolas" panose="020B0609020204030204" pitchFamily="49" charset="0"/>
+              </a:rPr>
+              <a:t>(x: </a:t>
+            </a:r>
+            <a:r>
+              <a:rPr lang="en-US" dirty="0" err="1">
+                <a:latin typeface="Consolas" panose="020B0609020204030204" pitchFamily="49" charset="0"/>
+              </a:rPr>
+              <a:t>Int</a:t>
+            </a:r>
+            <a:r>
+              <a:rPr lang="en-US" dirty="0">
+                <a:latin typeface="Consolas" panose="020B0609020204030204" pitchFamily="49" charset="0"/>
+              </a:rPr>
+              <a:t>):</a:t>
+            </a:r>
+            <a:r>
+              <a:rPr lang="en-US" dirty="0" err="1">
+                <a:latin typeface="Consolas" panose="020B0609020204030204" pitchFamily="49" charset="0"/>
+              </a:rPr>
+              <a:t>Int</a:t>
+            </a:r>
+            <a:r>
+              <a:rPr lang="en-US" dirty="0">
+                <a:latin typeface="Consolas" panose="020B0609020204030204" pitchFamily="49" charset="0"/>
+              </a:rPr>
+              <a:t> ={</a:t>
+            </a:r>
             <a:endParaRPr lang="tr-TR" dirty="0">
               <a:latin typeface="Consolas" panose="020B0609020204030204" pitchFamily="49" charset="0"/>
             </a:endParaRPr>
           </a:p>
           <a:p>
             <a:r>
+              <a:rPr lang="en-US" dirty="0">
+                <a:latin typeface="Consolas" panose="020B0609020204030204" pitchFamily="49" charset="0"/>
+              </a:rPr>
+              <a:t>    x*x</a:t>
+            </a:r>
+            <a:endParaRPr lang="tr-TR" dirty="0">
+              <a:latin typeface="Consolas" panose="020B0609020204030204" pitchFamily="49" charset="0"/>
+            </a:endParaRPr>
+          </a:p>
+          <a:p>
+            <a:r>
+              <a:rPr lang="en-US" dirty="0">
+                <a:latin typeface="Consolas" panose="020B0609020204030204" pitchFamily="49" charset="0"/>
+              </a:rPr>
+              <a:t>}</a:t>
+            </a:r>
+            <a:endParaRPr lang="tr-TR" dirty="0">
+              <a:latin typeface="Consolas" panose="020B0609020204030204" pitchFamily="49" charset="0"/>
+            </a:endParaRPr>
+          </a:p>
+          <a:p>
+            <a:endParaRPr lang="tr-TR" dirty="0">
+              <a:latin typeface="Consolas" panose="020B0609020204030204" pitchFamily="49" charset="0"/>
+            </a:endParaRPr>
+          </a:p>
+          <a:p>
+            <a:r>
+              <a:rPr lang="tr-TR" dirty="0" err="1">
+                <a:latin typeface="Consolas" panose="020B0609020204030204" pitchFamily="49" charset="0"/>
+              </a:rPr>
+              <a:t>val</a:t>
+            </a:r>
+            <a:r>
+              <a:rPr lang="tr-TR" dirty="0">
+                <a:latin typeface="Consolas" panose="020B0609020204030204" pitchFamily="49" charset="0"/>
+              </a:rPr>
+              <a:t> </a:t>
+            </a:r>
+            <a:r>
+              <a:rPr lang="tr-TR" dirty="0" err="1">
+                <a:latin typeface="Consolas" panose="020B0609020204030204" pitchFamily="49" charset="0"/>
+              </a:rPr>
+              <a:t>kareliRDD</a:t>
+            </a:r>
+            <a:r>
+              <a:rPr lang="tr-TR" dirty="0">
+                <a:latin typeface="Consolas" panose="020B0609020204030204" pitchFamily="49" charset="0"/>
+              </a:rPr>
+              <a:t> = </a:t>
+            </a:r>
+            <a:r>
+              <a:rPr lang="tr-TR" dirty="0" err="1">
+                <a:latin typeface="Consolas" panose="020B0609020204030204" pitchFamily="49" charset="0"/>
+              </a:rPr>
+              <a:t>sayilarRDD.map</a:t>
+            </a:r>
+            <a:r>
+              <a:rPr lang="tr-TR" dirty="0">
+                <a:latin typeface="Consolas" panose="020B0609020204030204" pitchFamily="49" charset="0"/>
+              </a:rPr>
+              <a:t>(</a:t>
+            </a:r>
+            <a:r>
+              <a:rPr lang="tr-TR" dirty="0" err="1">
+                <a:latin typeface="Consolas" panose="020B0609020204030204" pitchFamily="49" charset="0"/>
+              </a:rPr>
+              <a:t>karesiniAl</a:t>
+            </a:r>
+            <a:r>
+              <a:rPr lang="tr-TR" dirty="0">
+                <a:latin typeface="Consolas" panose="020B0609020204030204" pitchFamily="49" charset="0"/>
+              </a:rPr>
+              <a:t>)</a:t>
+            </a:r>
+          </a:p>
+          <a:p>
+            <a:endParaRPr lang="tr-TR" dirty="0">
+              <a:latin typeface="Consolas" panose="020B0609020204030204" pitchFamily="49" charset="0"/>
+            </a:endParaRPr>
+          </a:p>
+          <a:p>
+            <a:r>
+              <a:rPr lang="tr-TR" dirty="0" err="1">
+                <a:latin typeface="Consolas" panose="020B0609020204030204" pitchFamily="49" charset="0"/>
+              </a:rPr>
+              <a:t>kareliRDD.take</a:t>
+            </a:r>
+            <a:r>
+              <a:rPr lang="tr-TR" dirty="0">
+                <a:latin typeface="Consolas" panose="020B0609020204030204" pitchFamily="49" charset="0"/>
+              </a:rPr>
+              <a:t>(8)</a:t>
+            </a:r>
+          </a:p>
+          <a:p>
+            <a:endParaRPr lang="tr-TR" dirty="0">
+              <a:latin typeface="Consolas" panose="020B0609020204030204" pitchFamily="49" charset="0"/>
+            </a:endParaRPr>
+          </a:p>
+          <a:p>
+            <a:endParaRPr lang="tr-TR" dirty="0">
+              <a:latin typeface="Consolas" panose="020B0609020204030204" pitchFamily="49" charset="0"/>
+            </a:endParaRPr>
+          </a:p>
+          <a:p>
+            <a:r>
               <a:rPr lang="tr-TR" sz="1200" dirty="0" err="1">
                 <a:latin typeface="Consolas" panose="020B0609020204030204" pitchFamily="49" charset="0"/>
               </a:rPr>
@@ -18777,7 +15449,7 @@
             </a:r>
           </a:p>
           <a:p>
-            <a:endParaRPr lang="tr-TR" dirty="0" smtClean="0">
+            <a:endParaRPr lang="tr-TR" dirty="0">
               <a:latin typeface="Consolas" panose="020B0609020204030204" pitchFamily="49" charset="0"/>
             </a:endParaRPr>
           </a:p>
@@ -18798,13 +15470,6 @@
   <p:clrMapOvr>
     <a:masterClrMapping/>
   </p:clrMapOvr>
-  <p:timing>
-    <p:tnLst>
-      <p:par>
-        <p:cTn id="1" dur="indefinite" restart="never" nodeType="tmRoot"/>
-      </p:par>
-    </p:tnLst>
-  </p:timing>
 </p:sld>
 </file>
 
@@ -18862,369 +15527,6 @@
           </a:fontRef>
         </p:style>
       </p:cxnSp>
-      <p:grpSp>
-        <p:nvGrpSpPr>
-          <p:cNvPr id="15" name="Grup 14"/>
-          <p:cNvGrpSpPr/>
-          <p:nvPr/>
-        </p:nvGrpSpPr>
-        <p:grpSpPr>
-          <a:xfrm>
-            <a:off x="228596" y="6231467"/>
-            <a:ext cx="3041654" cy="492576"/>
-            <a:chOff x="228596" y="6231467"/>
-            <a:chExt cx="3041654" cy="492576"/>
-          </a:xfrm>
-        </p:grpSpPr>
-        <p:grpSp>
-          <p:nvGrpSpPr>
-            <p:cNvPr id="8" name="Grup 7"/>
-            <p:cNvGrpSpPr/>
-            <p:nvPr/>
-          </p:nvGrpSpPr>
-          <p:grpSpPr>
-            <a:xfrm>
-              <a:off x="228596" y="6231467"/>
-              <a:ext cx="2802471" cy="457084"/>
-              <a:chOff x="127000" y="5901146"/>
-              <a:chExt cx="5156200" cy="838200"/>
-            </a:xfrm>
-          </p:grpSpPr>
-          <p:sp>
-            <p:nvSpPr>
-              <p:cNvPr id="7" name="Dikdörtgen 6"/>
-              <p:cNvSpPr/>
-              <p:nvPr/>
-            </p:nvSpPr>
-            <p:spPr>
-              <a:xfrm>
-                <a:off x="127000" y="5901146"/>
-                <a:ext cx="5156200" cy="838200"/>
-              </a:xfrm>
-              <a:prstGeom prst="rect">
-                <a:avLst/>
-              </a:prstGeom>
-              <a:solidFill>
-                <a:schemeClr val="bg1">
-                  <a:lumMod val="95000"/>
-                </a:schemeClr>
-              </a:solidFill>
-              <a:ln>
-                <a:noFill/>
-              </a:ln>
-            </p:spPr>
-            <p:style>
-              <a:lnRef idx="2">
-                <a:schemeClr val="accent1">
-                  <a:shade val="50000"/>
-                </a:schemeClr>
-              </a:lnRef>
-              <a:fillRef idx="1">
-                <a:schemeClr val="accent1"/>
-              </a:fillRef>
-              <a:effectRef idx="0">
-                <a:schemeClr val="accent1"/>
-              </a:effectRef>
-              <a:fontRef idx="minor">
-                <a:schemeClr val="lt1"/>
-              </a:fontRef>
-            </p:style>
-            <p:txBody>
-              <a:bodyPr rtlCol="0" anchor="ctr"/>
-              <a:lstStyle/>
-              <a:p>
-                <a:pPr algn="ctr"/>
-                <a:endParaRPr lang="en-US" sz="2000"/>
-              </a:p>
-            </p:txBody>
-          </p:sp>
-          <p:grpSp>
-            <p:nvGrpSpPr>
-              <p:cNvPr id="6" name="Grup 5"/>
-              <p:cNvGrpSpPr/>
-              <p:nvPr/>
-            </p:nvGrpSpPr>
-            <p:grpSpPr>
-              <a:xfrm>
-                <a:off x="211667" y="6019800"/>
-                <a:ext cx="5012266" cy="605115"/>
-                <a:chOff x="211667" y="6019800"/>
-                <a:chExt cx="5012266" cy="605115"/>
-              </a:xfrm>
-            </p:grpSpPr>
-            <p:pic>
-              <p:nvPicPr>
-                <p:cNvPr id="4" name="Resim 3"/>
-                <p:cNvPicPr>
-                  <a:picLocks noChangeAspect="1"/>
-                </p:cNvPicPr>
-                <p:nvPr/>
-              </p:nvPicPr>
-              <p:blipFill rotWithShape="1">
-                <a:blip r:embed="rId2" cstate="print">
-                  <a:extLst>
-                    <a:ext uri="{28A0092B-C50C-407E-A947-70E740481C1C}">
-                      <a14:useLocalDpi xmlns:a14="http://schemas.microsoft.com/office/drawing/2010/main" val="0"/>
-                    </a:ext>
-                  </a:extLst>
-                </a:blip>
-                <a:srcRect l="24387" t="8319" r="18355" b="50150"/>
-                <a:stretch/>
-              </p:blipFill>
-              <p:spPr>
-                <a:xfrm>
-                  <a:off x="211667" y="6019800"/>
-                  <a:ext cx="1072095" cy="600892"/>
-                </a:xfrm>
-                <a:prstGeom prst="rect">
-                  <a:avLst/>
-                </a:prstGeom>
-              </p:spPr>
-            </p:pic>
-            <p:sp>
-              <p:nvSpPr>
-                <p:cNvPr id="5" name="Unvan 1"/>
-                <p:cNvSpPr txBox="1">
-                  <a:spLocks/>
-                </p:cNvSpPr>
-                <p:nvPr/>
-              </p:nvSpPr>
-              <p:spPr>
-                <a:xfrm>
-                  <a:off x="1283763" y="6024023"/>
-                  <a:ext cx="3940170" cy="600892"/>
-                </a:xfrm>
-                <a:prstGeom prst="rect">
-                  <a:avLst/>
-                </a:prstGeom>
-              </p:spPr>
-              <p:txBody>
-                <a:bodyPr vert="horz" lIns="91440" tIns="45720" rIns="91440" bIns="45720" rtlCol="0" anchor="b">
-                  <a:noAutofit/>
-                </a:bodyPr>
-                <a:lstStyle>
-                  <a:lvl1pPr algn="ctr" defTabSz="914400" rtl="0" eaLnBrk="1" latinLnBrk="0" hangingPunct="1">
-                    <a:lnSpc>
-                      <a:spcPct val="90000"/>
-                    </a:lnSpc>
-                    <a:spcBef>
-                      <a:spcPct val="0"/>
-                    </a:spcBef>
-                    <a:buNone/>
-                    <a:defRPr sz="6000" kern="1200">
-                      <a:solidFill>
-                        <a:schemeClr val="tx1"/>
-                      </a:solidFill>
-                      <a:latin typeface="+mj-lt"/>
-                      <a:ea typeface="+mj-ea"/>
-                      <a:cs typeface="+mj-cs"/>
-                    </a:defRPr>
-                  </a:lvl1pPr>
-                </a:lstStyle>
-                <a:p>
-                  <a:pPr algn="l"/>
-                  <a:r>
-                    <a:rPr lang="tr-TR" sz="2000" dirty="0" smtClean="0">
-                      <a:solidFill>
-                        <a:srgbClr val="CB171F"/>
-                      </a:solidFill>
-                      <a:latin typeface="Constantia" panose="02030602050306030303" pitchFamily="18" charset="0"/>
-                      <a:ea typeface="Verdana" panose="020B0604030504040204" pitchFamily="34" charset="0"/>
-                      <a:cs typeface="Arial" panose="020B0604020202020204" pitchFamily="34" charset="0"/>
-                    </a:rPr>
-                    <a:t>Veri Bilimi Okulu</a:t>
-                  </a:r>
-                  <a:endParaRPr lang="en-US" sz="2000" dirty="0">
-                    <a:solidFill>
-                      <a:srgbClr val="CB171F"/>
-                    </a:solidFill>
-                    <a:latin typeface="Constantia" panose="02030602050306030303" pitchFamily="18" charset="0"/>
-                    <a:ea typeface="Verdana" panose="020B0604030504040204" pitchFamily="34" charset="0"/>
-                    <a:cs typeface="Arial" panose="020B0604020202020204" pitchFamily="34" charset="0"/>
-                  </a:endParaRPr>
-                </a:p>
-              </p:txBody>
-            </p:sp>
-          </p:grpSp>
-        </p:grpSp>
-        <p:sp>
-          <p:nvSpPr>
-            <p:cNvPr id="12" name="Metin kutusu 11"/>
-            <p:cNvSpPr txBox="1"/>
-            <p:nvPr/>
-          </p:nvSpPr>
-          <p:spPr>
-            <a:xfrm>
-              <a:off x="1582782" y="6493211"/>
-              <a:ext cx="1687468" cy="230832"/>
-            </a:xfrm>
-            <a:prstGeom prst="rect">
-              <a:avLst/>
-            </a:prstGeom>
-            <a:noFill/>
-          </p:spPr>
-          <p:txBody>
-            <a:bodyPr wrap="square" rtlCol="0">
-              <a:spAutoFit/>
-            </a:bodyPr>
-            <a:lstStyle/>
-            <a:p>
-              <a:r>
-                <a:rPr lang="en-US" sz="900" dirty="0" smtClean="0">
-                  <a:solidFill>
-                    <a:srgbClr val="0B8043"/>
-                  </a:solidFill>
-                </a:rPr>
-                <a:t>https:</a:t>
-              </a:r>
-              <a:r>
-                <a:rPr lang="en-US" sz="900" dirty="0" smtClean="0">
-                  <a:solidFill>
-                    <a:schemeClr val="bg1">
-                      <a:lumMod val="50000"/>
-                    </a:schemeClr>
-                  </a:solidFill>
-                </a:rPr>
-                <a:t>//www.veribilimi.co</a:t>
-              </a:r>
-              <a:endParaRPr lang="en-US" sz="900" dirty="0">
-                <a:solidFill>
-                  <a:schemeClr val="bg1">
-                    <a:lumMod val="50000"/>
-                  </a:schemeClr>
-                </a:solidFill>
-              </a:endParaRPr>
-            </a:p>
-          </p:txBody>
-        </p:sp>
-      </p:grpSp>
-      <p:grpSp>
-        <p:nvGrpSpPr>
-          <p:cNvPr id="11" name="Grup 10"/>
-          <p:cNvGrpSpPr/>
-          <p:nvPr/>
-        </p:nvGrpSpPr>
-        <p:grpSpPr>
-          <a:xfrm>
-            <a:off x="9194796" y="6231467"/>
-            <a:ext cx="2802471" cy="457084"/>
-            <a:chOff x="184993" y="5905369"/>
-            <a:chExt cx="5156200" cy="838200"/>
-          </a:xfrm>
-        </p:grpSpPr>
-        <p:sp>
-          <p:nvSpPr>
-            <p:cNvPr id="13" name="Dikdörtgen 12"/>
-            <p:cNvSpPr/>
-            <p:nvPr/>
-          </p:nvSpPr>
-          <p:spPr>
-            <a:xfrm>
-              <a:off x="184993" y="5905369"/>
-              <a:ext cx="5156200" cy="838200"/>
-            </a:xfrm>
-            <a:prstGeom prst="rect">
-              <a:avLst/>
-            </a:prstGeom>
-            <a:solidFill>
-              <a:schemeClr val="bg1">
-                <a:lumMod val="95000"/>
-              </a:schemeClr>
-            </a:solidFill>
-            <a:ln>
-              <a:noFill/>
-            </a:ln>
-          </p:spPr>
-          <p:style>
-            <a:lnRef idx="2">
-              <a:schemeClr val="accent1">
-                <a:shade val="50000"/>
-              </a:schemeClr>
-            </a:lnRef>
-            <a:fillRef idx="1">
-              <a:schemeClr val="accent1"/>
-            </a:fillRef>
-            <a:effectRef idx="0">
-              <a:schemeClr val="accent1"/>
-            </a:effectRef>
-            <a:fontRef idx="minor">
-              <a:schemeClr val="lt1"/>
-            </a:fontRef>
-          </p:style>
-          <p:txBody>
-            <a:bodyPr rtlCol="0" anchor="ctr"/>
-            <a:lstStyle/>
-            <a:p>
-              <a:pPr algn="ctr"/>
-              <a:endParaRPr lang="en-US" sz="2000"/>
-            </a:p>
-          </p:txBody>
-        </p:sp>
-        <p:sp>
-          <p:nvSpPr>
-            <p:cNvPr id="14" name="Unvan 1"/>
-            <p:cNvSpPr txBox="1">
-              <a:spLocks/>
-            </p:cNvSpPr>
-            <p:nvPr/>
-          </p:nvSpPr>
-          <p:spPr>
-            <a:xfrm>
-              <a:off x="302252" y="6024023"/>
-              <a:ext cx="4921678" cy="600892"/>
-            </a:xfrm>
-            <a:prstGeom prst="rect">
-              <a:avLst/>
-            </a:prstGeom>
-          </p:spPr>
-          <p:txBody>
-            <a:bodyPr vert="horz" lIns="91440" tIns="45720" rIns="91440" bIns="45720" rtlCol="0" anchor="b">
-              <a:noAutofit/>
-            </a:bodyPr>
-            <a:lstStyle>
-              <a:lvl1pPr algn="ctr" defTabSz="914400" rtl="0" eaLnBrk="1" latinLnBrk="0" hangingPunct="1">
-                <a:lnSpc>
-                  <a:spcPct val="90000"/>
-                </a:lnSpc>
-                <a:spcBef>
-                  <a:spcPct val="0"/>
-                </a:spcBef>
-                <a:buNone/>
-                <a:defRPr sz="6000" kern="1200">
-                  <a:solidFill>
-                    <a:schemeClr val="tx1"/>
-                  </a:solidFill>
-                  <a:latin typeface="+mj-lt"/>
-                  <a:ea typeface="+mj-ea"/>
-                  <a:cs typeface="+mj-cs"/>
-                </a:defRPr>
-              </a:lvl1pPr>
-            </a:lstStyle>
-            <a:p>
-              <a:pPr algn="l"/>
-              <a:r>
-                <a:rPr lang="tr-TR" sz="2000" dirty="0">
-                  <a:solidFill>
-                    <a:srgbClr val="CB171F"/>
-                  </a:solidFill>
-                  <a:latin typeface="Constantia" panose="02030602050306030303" pitchFamily="18" charset="0"/>
-                  <a:ea typeface="Verdana" panose="020B0604030504040204" pitchFamily="34" charset="0"/>
-                  <a:cs typeface="Arial" panose="020B0604020202020204" pitchFamily="34" charset="0"/>
-                </a:rPr>
-                <a:t>A’dan Z’ye Büyük Veri</a:t>
-              </a:r>
-              <a:endParaRPr lang="en-US" sz="2000" dirty="0">
-                <a:solidFill>
-                  <a:srgbClr val="CB171F"/>
-                </a:solidFill>
-                <a:latin typeface="Constantia" panose="02030602050306030303" pitchFamily="18" charset="0"/>
-                <a:ea typeface="Verdana" panose="020B0604030504040204" pitchFamily="34" charset="0"/>
-                <a:cs typeface="Arial" panose="020B0604020202020204" pitchFamily="34" charset="0"/>
-              </a:endParaRPr>
-            </a:p>
-          </p:txBody>
-        </p:sp>
-      </p:grpSp>
       <p:sp>
         <p:nvSpPr>
           <p:cNvPr id="16" name="Unvan 1"/>
@@ -19331,22 +15633,13 @@
               <a:buChar char="ü"/>
             </a:pPr>
             <a:r>
-              <a:rPr lang="tr-TR" sz="2400" dirty="0" smtClean="0">
+              <a:rPr lang="tr-TR" sz="2400" dirty="0">
                 <a:solidFill>
                   <a:srgbClr val="404041"/>
                 </a:solidFill>
                 <a:latin typeface="Roboto"/>
               </a:rPr>
-              <a:t>Spark-1’de </a:t>
-            </a:r>
-            <a:r>
-              <a:rPr lang="tr-TR" sz="2400" dirty="0" smtClean="0">
-                <a:solidFill>
-                  <a:srgbClr val="404041"/>
-                </a:solidFill>
-                <a:latin typeface="Roboto"/>
-              </a:rPr>
-              <a:t>kullanılan en eski ve en düşük seviyeli API.</a:t>
+              <a:t>Spark-1’de kullanılan en eski ve en düşük seviyeli API.</a:t>
             </a:r>
           </a:p>
           <a:p>
@@ -19358,7 +15651,7 @@
               <a:buChar char="ü"/>
             </a:pPr>
             <a:r>
-              <a:rPr lang="tr-TR" sz="2400" dirty="0" smtClean="0">
+              <a:rPr lang="tr-TR" sz="2400" dirty="0">
                 <a:solidFill>
                   <a:srgbClr val="404041"/>
                 </a:solidFill>
@@ -19373,43 +15666,16 @@
                 </a:solidFill>
                 <a:latin typeface="Roboto"/>
               </a:rPr>
-              <a:t>S</a:t>
-            </a:r>
-            <a:r>
-              <a:rPr lang="tr-TR" sz="2400" dirty="0" err="1" smtClean="0">
+              <a:t>Structured</a:t>
+            </a:r>
+            <a:r>
+              <a:rPr lang="tr-TR" sz="2400" dirty="0">
                 <a:solidFill>
                   <a:srgbClr val="404041"/>
                 </a:solidFill>
                 <a:latin typeface="Roboto"/>
               </a:rPr>
-              <a:t>tructured</a:t>
-            </a:r>
-            <a:r>
-              <a:rPr lang="tr-TR" sz="2400" dirty="0" smtClean="0">
-                <a:solidFill>
-                  <a:srgbClr val="404041"/>
-                </a:solidFill>
-                <a:latin typeface="Roboto"/>
-              </a:rPr>
-              <a:t> API geldi ve </a:t>
-            </a:r>
-            <a:r>
-              <a:rPr lang="tr-TR" sz="2400" dirty="0" smtClean="0">
-                <a:solidFill>
-                  <a:srgbClr val="404041"/>
-                </a:solidFill>
-                <a:latin typeface="Roboto"/>
-              </a:rPr>
-              <a:t>kullanımı azalmaya başladı. </a:t>
-            </a:r>
-            <a:r>
-              <a:rPr lang="tr-TR" sz="2400" dirty="0" smtClean="0">
-                <a:solidFill>
-                  <a:srgbClr val="404041"/>
-                </a:solidFill>
-                <a:latin typeface="Roboto"/>
-              </a:rPr>
-              <a:t>Ancak Spark-2’de de hala kullanılabilir.</a:t>
+              <a:t> API geldi ve kullanımı azalmaya başladı. Ancak Spark-2’de de hala kullanılabilir.</a:t>
             </a:r>
           </a:p>
           <a:p>
@@ -19421,7 +15687,7 @@
               <a:buChar char="ü"/>
             </a:pPr>
             <a:r>
-              <a:rPr lang="tr-TR" sz="2400" dirty="0" err="1" smtClean="0">
+              <a:rPr lang="tr-TR" sz="2400" dirty="0" err="1">
                 <a:solidFill>
                   <a:srgbClr val="404041"/>
                 </a:solidFill>
@@ -19430,67 +15696,31 @@
               <a:t>Structured</a:t>
             </a:r>
             <a:r>
-              <a:rPr lang="tr-TR" sz="2400" dirty="0" smtClean="0">
+              <a:rPr lang="tr-TR" sz="2400" dirty="0">
                 <a:solidFill>
                   <a:srgbClr val="404041"/>
                 </a:solidFill>
                 <a:latin typeface="Roboto"/>
               </a:rPr>
-              <a:t> API da </a:t>
-            </a:r>
-            <a:r>
-              <a:rPr lang="tr-TR" sz="2400" dirty="0" smtClean="0">
+              <a:t> API da kolaylıkla yapılan işler </a:t>
+            </a:r>
+            <a:r>
+              <a:rPr lang="tr-TR" sz="2400" dirty="0" err="1">
                 <a:solidFill>
                   <a:srgbClr val="404041"/>
                 </a:solidFill>
                 <a:latin typeface="Roboto"/>
               </a:rPr>
-              <a:t>kolaylıkla yapılan </a:t>
-            </a:r>
-            <a:r>
-              <a:rPr lang="tr-TR" sz="2400" dirty="0" smtClean="0">
+              <a:t>RDD’de</a:t>
+            </a:r>
+            <a:r>
+              <a:rPr lang="tr-TR" sz="2400" dirty="0">
                 <a:solidFill>
                   <a:srgbClr val="404041"/>
                 </a:solidFill>
                 <a:latin typeface="Roboto"/>
               </a:rPr>
-              <a:t>işler </a:t>
-            </a:r>
-            <a:r>
-              <a:rPr lang="tr-TR" sz="2400" dirty="0" err="1" smtClean="0">
-                <a:solidFill>
-                  <a:srgbClr val="404041"/>
-                </a:solidFill>
-                <a:latin typeface="Roboto"/>
-              </a:rPr>
-              <a:t>RDD’de</a:t>
-            </a:r>
-            <a:r>
-              <a:rPr lang="tr-TR" sz="2400" dirty="0" smtClean="0">
-                <a:solidFill>
-                  <a:srgbClr val="404041"/>
-                </a:solidFill>
-                <a:latin typeface="Roboto"/>
-              </a:rPr>
-              <a:t> daha </a:t>
-            </a:r>
-            <a:r>
-              <a:rPr lang="tr-TR" sz="2400" dirty="0" smtClean="0">
-                <a:solidFill>
-                  <a:srgbClr val="404041"/>
-                </a:solidFill>
-                <a:latin typeface="Roboto"/>
-              </a:rPr>
-              <a:t>zor ve uzun</a:t>
-            </a:r>
-            <a:r>
-              <a:rPr lang="tr-TR" sz="2400" dirty="0" smtClean="0">
-                <a:solidFill>
-                  <a:srgbClr val="404041"/>
-                </a:solidFill>
-                <a:latin typeface="Roboto"/>
-              </a:rPr>
-              <a:t>.</a:t>
+              <a:t> daha zor ve uzun.</a:t>
             </a:r>
           </a:p>
           <a:p>
@@ -19502,7 +15732,7 @@
               <a:buChar char="ü"/>
             </a:pPr>
             <a:r>
-              <a:rPr lang="tr-TR" sz="2400" dirty="0" err="1" smtClean="0">
+              <a:rPr lang="tr-TR" sz="2400" dirty="0" err="1">
                 <a:solidFill>
                   <a:srgbClr val="404041"/>
                 </a:solidFill>
@@ -19517,41 +15747,26 @@
                 </a:solidFill>
                 <a:latin typeface="Roboto"/>
               </a:rPr>
-              <a:t> </a:t>
-            </a:r>
-            <a:r>
-              <a:rPr lang="tr-TR" sz="2400" dirty="0" smtClean="0">
+              <a:t> kullanıcı tanımlı fonksiyonları </a:t>
+            </a:r>
+            <a:r>
+              <a:rPr lang="tr-TR" sz="2400" dirty="0" err="1">
                 <a:solidFill>
                   <a:srgbClr val="404041"/>
                 </a:solidFill>
                 <a:latin typeface="Roboto"/>
               </a:rPr>
-              <a:t>kullanıcı tanımlı fonksiyonları </a:t>
-            </a:r>
-            <a:r>
-              <a:rPr lang="tr-TR" sz="2400" dirty="0" err="1" smtClean="0">
+              <a:t>Scala’ya</a:t>
+            </a:r>
+            <a:r>
+              <a:rPr lang="tr-TR" sz="2400" dirty="0">
                 <a:solidFill>
                   <a:srgbClr val="404041"/>
                 </a:solidFill>
                 <a:latin typeface="Roboto"/>
               </a:rPr>
-              <a:t>Scala’ya</a:t>
-            </a:r>
-            <a:r>
-              <a:rPr lang="tr-TR" sz="2400" dirty="0" smtClean="0">
-                <a:solidFill>
-                  <a:srgbClr val="404041"/>
-                </a:solidFill>
-                <a:latin typeface="Roboto"/>
-              </a:rPr>
               <a:t> göre yavaş.</a:t>
             </a:r>
-            <a:endParaRPr lang="tr-TR" sz="2400" dirty="0" smtClean="0">
-              <a:solidFill>
-                <a:srgbClr val="404041"/>
-              </a:solidFill>
-              <a:latin typeface="Roboto"/>
-            </a:endParaRPr>
           </a:p>
           <a:p>
             <a:pPr>
@@ -19559,7 +15774,7 @@
                 <a:spcPct val="150000"/>
               </a:lnSpc>
             </a:pPr>
-            <a:endParaRPr lang="tr-TR" sz="2400" dirty="0" smtClean="0">
+            <a:endParaRPr lang="tr-TR" sz="2400" dirty="0">
               <a:solidFill>
                 <a:srgbClr val="404041"/>
               </a:solidFill>
@@ -19578,13 +15793,6 @@
   <p:clrMapOvr>
     <a:masterClrMapping/>
   </p:clrMapOvr>
-  <p:timing>
-    <p:tnLst>
-      <p:par>
-        <p:cTn id="1" dur="indefinite" restart="never" nodeType="tmRoot"/>
-      </p:par>
-    </p:tnLst>
-  </p:timing>
 </p:sld>
 </file>
 
